--- a/images/uml-overview.pptx
+++ b/images/uml-overview.pptx
@@ -257,7 +257,7 @@
           <a:p>
             <a:fld id="{65CEBD62-2936-4F77-8E23-0F21680CD184}" type="datetimeFigureOut">
               <a:rPr lang="fr-FR" smtClean="0"/>
-              <a:t>14/05/2019</a:t>
+              <a:t>15/05/2019</a:t>
             </a:fld>
             <a:endParaRPr lang="fr-FR"/>
           </a:p>
@@ -427,7 +427,7 @@
           <a:p>
             <a:fld id="{65CEBD62-2936-4F77-8E23-0F21680CD184}" type="datetimeFigureOut">
               <a:rPr lang="fr-FR" smtClean="0"/>
-              <a:t>14/05/2019</a:t>
+              <a:t>15/05/2019</a:t>
             </a:fld>
             <a:endParaRPr lang="fr-FR"/>
           </a:p>
@@ -607,7 +607,7 @@
           <a:p>
             <a:fld id="{65CEBD62-2936-4F77-8E23-0F21680CD184}" type="datetimeFigureOut">
               <a:rPr lang="fr-FR" smtClean="0"/>
-              <a:t>14/05/2019</a:t>
+              <a:t>15/05/2019</a:t>
             </a:fld>
             <a:endParaRPr lang="fr-FR"/>
           </a:p>
@@ -777,7 +777,7 @@
           <a:p>
             <a:fld id="{65CEBD62-2936-4F77-8E23-0F21680CD184}" type="datetimeFigureOut">
               <a:rPr lang="fr-FR" smtClean="0"/>
-              <a:t>14/05/2019</a:t>
+              <a:t>15/05/2019</a:t>
             </a:fld>
             <a:endParaRPr lang="fr-FR"/>
           </a:p>
@@ -1021,7 +1021,7 @@
           <a:p>
             <a:fld id="{65CEBD62-2936-4F77-8E23-0F21680CD184}" type="datetimeFigureOut">
               <a:rPr lang="fr-FR" smtClean="0"/>
-              <a:t>14/05/2019</a:t>
+              <a:t>15/05/2019</a:t>
             </a:fld>
             <a:endParaRPr lang="fr-FR"/>
           </a:p>
@@ -1253,7 +1253,7 @@
           <a:p>
             <a:fld id="{65CEBD62-2936-4F77-8E23-0F21680CD184}" type="datetimeFigureOut">
               <a:rPr lang="fr-FR" smtClean="0"/>
-              <a:t>14/05/2019</a:t>
+              <a:t>15/05/2019</a:t>
             </a:fld>
             <a:endParaRPr lang="fr-FR"/>
           </a:p>
@@ -1620,7 +1620,7 @@
           <a:p>
             <a:fld id="{65CEBD62-2936-4F77-8E23-0F21680CD184}" type="datetimeFigureOut">
               <a:rPr lang="fr-FR" smtClean="0"/>
-              <a:t>14/05/2019</a:t>
+              <a:t>15/05/2019</a:t>
             </a:fld>
             <a:endParaRPr lang="fr-FR"/>
           </a:p>
@@ -1738,7 +1738,7 @@
           <a:p>
             <a:fld id="{65CEBD62-2936-4F77-8E23-0F21680CD184}" type="datetimeFigureOut">
               <a:rPr lang="fr-FR" smtClean="0"/>
-              <a:t>14/05/2019</a:t>
+              <a:t>15/05/2019</a:t>
             </a:fld>
             <a:endParaRPr lang="fr-FR"/>
           </a:p>
@@ -1833,7 +1833,7 @@
           <a:p>
             <a:fld id="{65CEBD62-2936-4F77-8E23-0F21680CD184}" type="datetimeFigureOut">
               <a:rPr lang="fr-FR" smtClean="0"/>
-              <a:t>14/05/2019</a:t>
+              <a:t>15/05/2019</a:t>
             </a:fld>
             <a:endParaRPr lang="fr-FR"/>
           </a:p>
@@ -2110,7 +2110,7 @@
           <a:p>
             <a:fld id="{65CEBD62-2936-4F77-8E23-0F21680CD184}" type="datetimeFigureOut">
               <a:rPr lang="fr-FR" smtClean="0"/>
-              <a:t>14/05/2019</a:t>
+              <a:t>15/05/2019</a:t>
             </a:fld>
             <a:endParaRPr lang="fr-FR"/>
           </a:p>
@@ -2367,7 +2367,7 @@
           <a:p>
             <a:fld id="{65CEBD62-2936-4F77-8E23-0F21680CD184}" type="datetimeFigureOut">
               <a:rPr lang="fr-FR" smtClean="0"/>
-              <a:t>14/05/2019</a:t>
+              <a:t>15/05/2019</a:t>
             </a:fld>
             <a:endParaRPr lang="fr-FR"/>
           </a:p>
@@ -2580,7 +2580,7 @@
           <a:p>
             <a:fld id="{65CEBD62-2936-4F77-8E23-0F21680CD184}" type="datetimeFigureOut">
               <a:rPr lang="fr-FR" smtClean="0"/>
-              <a:t>14/05/2019</a:t>
+              <a:t>15/05/2019</a:t>
             </a:fld>
             <a:endParaRPr lang="fr-FR"/>
           </a:p>
@@ -3828,7 +3828,7 @@
           <p:nvPr>
             <p:extLst>
               <p:ext uri="{D42A27DB-BD31-4B8C-83A1-F6EECF244321}">
-                <p14:modId xmlns:p14="http://schemas.microsoft.com/office/powerpoint/2010/main" val="1332999311"/>
+                <p14:modId xmlns:p14="http://schemas.microsoft.com/office/powerpoint/2010/main" val="1197667112"/>
               </p:ext>
             </p:extLst>
           </p:nvPr>
@@ -3982,6 +3982,26 @@
                           <a:cs typeface="Courier New" panose="02070309020205020404" pitchFamily="49" charset="0"/>
                         </a:rPr>
                         <a:t>string</a:t>
+                      </a:r>
+                      <a:r>
+                        <a:rPr lang="de-DE" sz="1200" dirty="0">
+                          <a:solidFill>
+                            <a:srgbClr val="C83500"/>
+                          </a:solidFill>
+                          <a:latin typeface="Courier New" panose="02070309020205020404" pitchFamily="49" charset="0"/>
+                          <a:cs typeface="Courier New" panose="02070309020205020404" pitchFamily="49" charset="0"/>
+                        </a:rPr>
+                        <a:t> </a:t>
+                      </a:r>
+                      <a:r>
+                        <a:rPr lang="de-DE" sz="1200" dirty="0">
+                          <a:solidFill>
+                            <a:schemeClr val="tx1"/>
+                          </a:solidFill>
+                          <a:latin typeface="Courier New" panose="02070309020205020404" pitchFamily="49" charset="0"/>
+                          <a:cs typeface="Courier New" panose="02070309020205020404" pitchFamily="49" charset="0"/>
+                        </a:rPr>
+                        <a:t>[0..1]</a:t>
                       </a:r>
                       <a:endParaRPr lang="fr-FR" sz="1200" dirty="0">
                         <a:solidFill>
@@ -6239,10 +6259,10 @@
         </p:nvGrpSpPr>
         <p:grpSpPr>
           <a:xfrm>
-            <a:off x="6860321" y="1933317"/>
-            <a:ext cx="2132823" cy="1741045"/>
-            <a:chOff x="6860321" y="1933317"/>
-            <a:chExt cx="2132823" cy="1741045"/>
+            <a:off x="6867191" y="2195107"/>
+            <a:ext cx="2125953" cy="1479255"/>
+            <a:chOff x="6867191" y="2195107"/>
+            <a:chExt cx="2125953" cy="1479255"/>
           </a:xfrm>
         </p:grpSpPr>
         <p:grpSp>
@@ -6259,10 +6279,10 @@
           </p:nvGrpSpPr>
           <p:grpSpPr>
             <a:xfrm>
-              <a:off x="6867193" y="2095244"/>
-              <a:ext cx="2125951" cy="1579118"/>
-              <a:chOff x="6867193" y="2095244"/>
-              <a:chExt cx="2125951" cy="1579118"/>
+              <a:off x="6867193" y="2196591"/>
+              <a:ext cx="2125951" cy="1477771"/>
+              <a:chOff x="6867193" y="2196591"/>
+              <a:chExt cx="2125951" cy="1477771"/>
             </a:xfrm>
           </p:grpSpPr>
           <p:cxnSp>
@@ -6326,8 +6346,8 @@
             </p:nvSpPr>
             <p:spPr>
               <a:xfrm>
-                <a:off x="7513155" y="2095244"/>
-                <a:ext cx="649537" cy="276999"/>
+                <a:off x="7187745" y="2662180"/>
+                <a:ext cx="1300356" cy="461665"/>
               </a:xfrm>
               <a:prstGeom prst="rect">
                 <a:avLst/>
@@ -6339,15 +6359,36 @@
               </a:bodyPr>
               <a:lstStyle/>
               <a:p>
+                <a:pPr algn="r"/>
                 <a:r>
-                  <a:rPr lang="de-DE" sz="1200" dirty="0">
+                  <a:rPr lang="de-DE" sz="1200" dirty="0" err="1">
                     <a:solidFill>
                       <a:srgbClr val="C83500"/>
                     </a:solidFill>
                     <a:latin typeface="Courier New" panose="02070309020205020404" pitchFamily="49" charset="0"/>
                     <a:cs typeface="Courier New" panose="02070309020205020404" pitchFamily="49" charset="0"/>
                   </a:rPr>
-                  <a:t>links</a:t>
+                  <a:t>titles</a:t>
+                </a:r>
+                <a:endParaRPr lang="de-DE" sz="1200" dirty="0">
+                  <a:solidFill>
+                    <a:srgbClr val="C83500"/>
+                  </a:solidFill>
+                  <a:latin typeface="Courier New" panose="02070309020205020404" pitchFamily="49" charset="0"/>
+                  <a:cs typeface="Courier New" panose="02070309020205020404" pitchFamily="49" charset="0"/>
+                </a:endParaRPr>
+              </a:p>
+              <a:p>
+                <a:pPr algn="r"/>
+                <a:r>
+                  <a:rPr lang="de-DE" sz="1200" dirty="0" err="1">
+                    <a:solidFill>
+                      <a:srgbClr val="C83500"/>
+                    </a:solidFill>
+                    <a:latin typeface="Courier New" panose="02070309020205020404" pitchFamily="49" charset="0"/>
+                    <a:cs typeface="Courier New" panose="02070309020205020404" pitchFamily="49" charset="0"/>
+                  </a:rPr>
+                  <a:t>descriptions</a:t>
                 </a:r>
                 <a:endParaRPr lang="fr-FR" dirty="0"/>
               </a:p>
@@ -6368,7 +6409,7 @@
           </p:nvSpPr>
           <p:spPr>
             <a:xfrm>
-              <a:off x="6860321" y="1933317"/>
+              <a:off x="6867191" y="2195107"/>
               <a:ext cx="556563" cy="276999"/>
             </a:xfrm>
             <a:prstGeom prst="rect">
@@ -6386,7 +6427,7 @@
                   <a:latin typeface="Courier New" panose="02070309020205020404" pitchFamily="49" charset="0"/>
                   <a:cs typeface="Courier New" panose="02070309020205020404" pitchFamily="49" charset="0"/>
                 </a:rPr>
-                <a:t>0..*</a:t>
+                <a:t>0..1</a:t>
               </a:r>
               <a:endParaRPr lang="fr-FR" sz="1200" dirty="0"/>
             </a:p>
@@ -7635,7 +7676,7 @@
                   <a:latin typeface="Courier New" panose="02070309020205020404" pitchFamily="49" charset="0"/>
                   <a:cs typeface="Courier New" panose="02070309020205020404" pitchFamily="49" charset="0"/>
                 </a:rPr>
-                <a:t>0..1</a:t>
+                <a:t>0..*</a:t>
               </a:r>
               <a:endParaRPr lang="fr-FR" sz="1200" dirty="0"/>
             </a:p>

--- a/images/uml-overview.pptx
+++ b/images/uml-overview.pptx
@@ -257,7 +257,7 @@
           <a:p>
             <a:fld id="{65CEBD62-2936-4F77-8E23-0F21680CD184}" type="datetimeFigureOut">
               <a:rPr lang="fr-FR" smtClean="0"/>
-              <a:t>17/05/2019</a:t>
+              <a:t>18/10/2019</a:t>
             </a:fld>
             <a:endParaRPr lang="fr-FR"/>
           </a:p>
@@ -299,7 +299,7 @@
           <a:p>
             <a:fld id="{50B9B4BF-1266-4754-94A3-149AB5A4D7EE}" type="slidenum">
               <a:rPr lang="fr-FR" smtClean="0"/>
-              <a:t>‹N°›</a:t>
+              <a:t>‹#›</a:t>
             </a:fld>
             <a:endParaRPr lang="fr-FR"/>
           </a:p>
@@ -427,7 +427,7 @@
           <a:p>
             <a:fld id="{65CEBD62-2936-4F77-8E23-0F21680CD184}" type="datetimeFigureOut">
               <a:rPr lang="fr-FR" smtClean="0"/>
-              <a:t>17/05/2019</a:t>
+              <a:t>18/10/2019</a:t>
             </a:fld>
             <a:endParaRPr lang="fr-FR"/>
           </a:p>
@@ -469,7 +469,7 @@
           <a:p>
             <a:fld id="{50B9B4BF-1266-4754-94A3-149AB5A4D7EE}" type="slidenum">
               <a:rPr lang="fr-FR" smtClean="0"/>
-              <a:t>‹N°›</a:t>
+              <a:t>‹#›</a:t>
             </a:fld>
             <a:endParaRPr lang="fr-FR"/>
           </a:p>
@@ -607,7 +607,7 @@
           <a:p>
             <a:fld id="{65CEBD62-2936-4F77-8E23-0F21680CD184}" type="datetimeFigureOut">
               <a:rPr lang="fr-FR" smtClean="0"/>
-              <a:t>17/05/2019</a:t>
+              <a:t>18/10/2019</a:t>
             </a:fld>
             <a:endParaRPr lang="fr-FR"/>
           </a:p>
@@ -649,7 +649,7 @@
           <a:p>
             <a:fld id="{50B9B4BF-1266-4754-94A3-149AB5A4D7EE}" type="slidenum">
               <a:rPr lang="fr-FR" smtClean="0"/>
-              <a:t>‹N°›</a:t>
+              <a:t>‹#›</a:t>
             </a:fld>
             <a:endParaRPr lang="fr-FR"/>
           </a:p>
@@ -777,7 +777,7 @@
           <a:p>
             <a:fld id="{65CEBD62-2936-4F77-8E23-0F21680CD184}" type="datetimeFigureOut">
               <a:rPr lang="fr-FR" smtClean="0"/>
-              <a:t>17/05/2019</a:t>
+              <a:t>18/10/2019</a:t>
             </a:fld>
             <a:endParaRPr lang="fr-FR"/>
           </a:p>
@@ -819,7 +819,7 @@
           <a:p>
             <a:fld id="{50B9B4BF-1266-4754-94A3-149AB5A4D7EE}" type="slidenum">
               <a:rPr lang="fr-FR" smtClean="0"/>
-              <a:t>‹N°›</a:t>
+              <a:t>‹#›</a:t>
             </a:fld>
             <a:endParaRPr lang="fr-FR"/>
           </a:p>
@@ -1021,7 +1021,7 @@
           <a:p>
             <a:fld id="{65CEBD62-2936-4F77-8E23-0F21680CD184}" type="datetimeFigureOut">
               <a:rPr lang="fr-FR" smtClean="0"/>
-              <a:t>17/05/2019</a:t>
+              <a:t>18/10/2019</a:t>
             </a:fld>
             <a:endParaRPr lang="fr-FR"/>
           </a:p>
@@ -1063,7 +1063,7 @@
           <a:p>
             <a:fld id="{50B9B4BF-1266-4754-94A3-149AB5A4D7EE}" type="slidenum">
               <a:rPr lang="fr-FR" smtClean="0"/>
-              <a:t>‹N°›</a:t>
+              <a:t>‹#›</a:t>
             </a:fld>
             <a:endParaRPr lang="fr-FR"/>
           </a:p>
@@ -1253,7 +1253,7 @@
           <a:p>
             <a:fld id="{65CEBD62-2936-4F77-8E23-0F21680CD184}" type="datetimeFigureOut">
               <a:rPr lang="fr-FR" smtClean="0"/>
-              <a:t>17/05/2019</a:t>
+              <a:t>18/10/2019</a:t>
             </a:fld>
             <a:endParaRPr lang="fr-FR"/>
           </a:p>
@@ -1295,7 +1295,7 @@
           <a:p>
             <a:fld id="{50B9B4BF-1266-4754-94A3-149AB5A4D7EE}" type="slidenum">
               <a:rPr lang="fr-FR" smtClean="0"/>
-              <a:t>‹N°›</a:t>
+              <a:t>‹#›</a:t>
             </a:fld>
             <a:endParaRPr lang="fr-FR"/>
           </a:p>
@@ -1620,7 +1620,7 @@
           <a:p>
             <a:fld id="{65CEBD62-2936-4F77-8E23-0F21680CD184}" type="datetimeFigureOut">
               <a:rPr lang="fr-FR" smtClean="0"/>
-              <a:t>17/05/2019</a:t>
+              <a:t>18/10/2019</a:t>
             </a:fld>
             <a:endParaRPr lang="fr-FR"/>
           </a:p>
@@ -1662,7 +1662,7 @@
           <a:p>
             <a:fld id="{50B9B4BF-1266-4754-94A3-149AB5A4D7EE}" type="slidenum">
               <a:rPr lang="fr-FR" smtClean="0"/>
-              <a:t>‹N°›</a:t>
+              <a:t>‹#›</a:t>
             </a:fld>
             <a:endParaRPr lang="fr-FR"/>
           </a:p>
@@ -1738,7 +1738,7 @@
           <a:p>
             <a:fld id="{65CEBD62-2936-4F77-8E23-0F21680CD184}" type="datetimeFigureOut">
               <a:rPr lang="fr-FR" smtClean="0"/>
-              <a:t>17/05/2019</a:t>
+              <a:t>18/10/2019</a:t>
             </a:fld>
             <a:endParaRPr lang="fr-FR"/>
           </a:p>
@@ -1780,7 +1780,7 @@
           <a:p>
             <a:fld id="{50B9B4BF-1266-4754-94A3-149AB5A4D7EE}" type="slidenum">
               <a:rPr lang="fr-FR" smtClean="0"/>
-              <a:t>‹N°›</a:t>
+              <a:t>‹#›</a:t>
             </a:fld>
             <a:endParaRPr lang="fr-FR"/>
           </a:p>
@@ -1833,7 +1833,7 @@
           <a:p>
             <a:fld id="{65CEBD62-2936-4F77-8E23-0F21680CD184}" type="datetimeFigureOut">
               <a:rPr lang="fr-FR" smtClean="0"/>
-              <a:t>17/05/2019</a:t>
+              <a:t>18/10/2019</a:t>
             </a:fld>
             <a:endParaRPr lang="fr-FR"/>
           </a:p>
@@ -1875,7 +1875,7 @@
           <a:p>
             <a:fld id="{50B9B4BF-1266-4754-94A3-149AB5A4D7EE}" type="slidenum">
               <a:rPr lang="fr-FR" smtClean="0"/>
-              <a:t>‹N°›</a:t>
+              <a:t>‹#›</a:t>
             </a:fld>
             <a:endParaRPr lang="fr-FR"/>
           </a:p>
@@ -2110,7 +2110,7 @@
           <a:p>
             <a:fld id="{65CEBD62-2936-4F77-8E23-0F21680CD184}" type="datetimeFigureOut">
               <a:rPr lang="fr-FR" smtClean="0"/>
-              <a:t>17/05/2019</a:t>
+              <a:t>18/10/2019</a:t>
             </a:fld>
             <a:endParaRPr lang="fr-FR"/>
           </a:p>
@@ -2152,7 +2152,7 @@
           <a:p>
             <a:fld id="{50B9B4BF-1266-4754-94A3-149AB5A4D7EE}" type="slidenum">
               <a:rPr lang="fr-FR" smtClean="0"/>
-              <a:t>‹N°›</a:t>
+              <a:t>‹#›</a:t>
             </a:fld>
             <a:endParaRPr lang="fr-FR"/>
           </a:p>
@@ -2367,7 +2367,7 @@
           <a:p>
             <a:fld id="{65CEBD62-2936-4F77-8E23-0F21680CD184}" type="datetimeFigureOut">
               <a:rPr lang="fr-FR" smtClean="0"/>
-              <a:t>17/05/2019</a:t>
+              <a:t>18/10/2019</a:t>
             </a:fld>
             <a:endParaRPr lang="fr-FR"/>
           </a:p>
@@ -2409,7 +2409,7 @@
           <a:p>
             <a:fld id="{50B9B4BF-1266-4754-94A3-149AB5A4D7EE}" type="slidenum">
               <a:rPr lang="fr-FR" smtClean="0"/>
-              <a:t>‹N°›</a:t>
+              <a:t>‹#›</a:t>
             </a:fld>
             <a:endParaRPr lang="fr-FR"/>
           </a:p>
@@ -2580,7 +2580,7 @@
           <a:p>
             <a:fld id="{65CEBD62-2936-4F77-8E23-0F21680CD184}" type="datetimeFigureOut">
               <a:rPr lang="fr-FR" smtClean="0"/>
-              <a:t>17/05/2019</a:t>
+              <a:t>18/10/2019</a:t>
             </a:fld>
             <a:endParaRPr lang="fr-FR"/>
           </a:p>
@@ -2658,7 +2658,7 @@
           <a:p>
             <a:fld id="{50B9B4BF-1266-4754-94A3-149AB5A4D7EE}" type="slidenum">
               <a:rPr lang="fr-FR" smtClean="0"/>
-              <a:t>‹N°›</a:t>
+              <a:t>‹#›</a:t>
             </a:fld>
             <a:endParaRPr lang="fr-FR"/>
           </a:p>
@@ -3000,7 +3000,7 @@
           <p:nvPr>
             <p:extLst>
               <p:ext uri="{D42A27DB-BD31-4B8C-83A1-F6EECF244321}">
-                <p14:modId xmlns:p14="http://schemas.microsoft.com/office/powerpoint/2010/main" val="4104759069"/>
+                <p14:modId xmlns:p14="http://schemas.microsoft.com/office/powerpoint/2010/main" val="457976366"/>
               </p:ext>
             </p:extLst>
           </p:nvPr>
@@ -3271,6 +3271,26 @@
                           <a:cs typeface="Courier New" panose="02070309020205020404" pitchFamily="49" charset="0"/>
                         </a:rPr>
                         <a:t>anyURI</a:t>
+                      </a:r>
+                      <a:r>
+                        <a:rPr lang="de-DE" sz="1200" dirty="0">
+                          <a:solidFill>
+                            <a:srgbClr val="C83500"/>
+                          </a:solidFill>
+                          <a:latin typeface="Courier New" panose="02070309020205020404" pitchFamily="49" charset="0"/>
+                          <a:cs typeface="Courier New" panose="02070309020205020404" pitchFamily="49" charset="0"/>
+                        </a:rPr>
+                        <a:t> </a:t>
+                      </a:r>
+                      <a:r>
+                        <a:rPr lang="de-DE" sz="1200" dirty="0">
+                          <a:solidFill>
+                            <a:schemeClr val="tx1"/>
+                          </a:solidFill>
+                          <a:latin typeface="Courier New" panose="02070309020205020404" pitchFamily="49" charset="0"/>
+                          <a:cs typeface="Courier New" panose="02070309020205020404" pitchFamily="49" charset="0"/>
+                        </a:rPr>
+                        <a:t>[0..1]</a:t>
                       </a:r>
                       <a:endParaRPr lang="fr-FR" sz="1200" dirty="0">
                         <a:solidFill>
@@ -7527,8 +7547,8 @@
         </p:nvGrpSpPr>
         <p:grpSpPr>
           <a:xfrm>
-            <a:off x="9477891" y="4234618"/>
-            <a:ext cx="3511090" cy="4306096"/>
+            <a:off x="9540231" y="4234618"/>
+            <a:ext cx="3238467" cy="4373692"/>
             <a:chOff x="9477891" y="4234618"/>
             <a:chExt cx="3511090" cy="4306096"/>
           </a:xfrm>

--- a/images/uml-overview.pptx
+++ b/images/uml-overview.pptx
@@ -257,7 +257,7 @@
           <a:p>
             <a:fld id="{65CEBD62-2936-4F77-8E23-0F21680CD184}" type="datetimeFigureOut">
               <a:rPr lang="fr-FR" smtClean="0"/>
-              <a:t>18/10/2019</a:t>
+              <a:t>21/10/2019</a:t>
             </a:fld>
             <a:endParaRPr lang="fr-FR"/>
           </a:p>
@@ -427,7 +427,7 @@
           <a:p>
             <a:fld id="{65CEBD62-2936-4F77-8E23-0F21680CD184}" type="datetimeFigureOut">
               <a:rPr lang="fr-FR" smtClean="0"/>
-              <a:t>18/10/2019</a:t>
+              <a:t>21/10/2019</a:t>
             </a:fld>
             <a:endParaRPr lang="fr-FR"/>
           </a:p>
@@ -607,7 +607,7 @@
           <a:p>
             <a:fld id="{65CEBD62-2936-4F77-8E23-0F21680CD184}" type="datetimeFigureOut">
               <a:rPr lang="fr-FR" smtClean="0"/>
-              <a:t>18/10/2019</a:t>
+              <a:t>21/10/2019</a:t>
             </a:fld>
             <a:endParaRPr lang="fr-FR"/>
           </a:p>
@@ -777,7 +777,7 @@
           <a:p>
             <a:fld id="{65CEBD62-2936-4F77-8E23-0F21680CD184}" type="datetimeFigureOut">
               <a:rPr lang="fr-FR" smtClean="0"/>
-              <a:t>18/10/2019</a:t>
+              <a:t>21/10/2019</a:t>
             </a:fld>
             <a:endParaRPr lang="fr-FR"/>
           </a:p>
@@ -1021,7 +1021,7 @@
           <a:p>
             <a:fld id="{65CEBD62-2936-4F77-8E23-0F21680CD184}" type="datetimeFigureOut">
               <a:rPr lang="fr-FR" smtClean="0"/>
-              <a:t>18/10/2019</a:t>
+              <a:t>21/10/2019</a:t>
             </a:fld>
             <a:endParaRPr lang="fr-FR"/>
           </a:p>
@@ -1253,7 +1253,7 @@
           <a:p>
             <a:fld id="{65CEBD62-2936-4F77-8E23-0F21680CD184}" type="datetimeFigureOut">
               <a:rPr lang="fr-FR" smtClean="0"/>
-              <a:t>18/10/2019</a:t>
+              <a:t>21/10/2019</a:t>
             </a:fld>
             <a:endParaRPr lang="fr-FR"/>
           </a:p>
@@ -1620,7 +1620,7 @@
           <a:p>
             <a:fld id="{65CEBD62-2936-4F77-8E23-0F21680CD184}" type="datetimeFigureOut">
               <a:rPr lang="fr-FR" smtClean="0"/>
-              <a:t>18/10/2019</a:t>
+              <a:t>21/10/2019</a:t>
             </a:fld>
             <a:endParaRPr lang="fr-FR"/>
           </a:p>
@@ -1738,7 +1738,7 @@
           <a:p>
             <a:fld id="{65CEBD62-2936-4F77-8E23-0F21680CD184}" type="datetimeFigureOut">
               <a:rPr lang="fr-FR" smtClean="0"/>
-              <a:t>18/10/2019</a:t>
+              <a:t>21/10/2019</a:t>
             </a:fld>
             <a:endParaRPr lang="fr-FR"/>
           </a:p>
@@ -1833,7 +1833,7 @@
           <a:p>
             <a:fld id="{65CEBD62-2936-4F77-8E23-0F21680CD184}" type="datetimeFigureOut">
               <a:rPr lang="fr-FR" smtClean="0"/>
-              <a:t>18/10/2019</a:t>
+              <a:t>21/10/2019</a:t>
             </a:fld>
             <a:endParaRPr lang="fr-FR"/>
           </a:p>
@@ -2110,7 +2110,7 @@
           <a:p>
             <a:fld id="{65CEBD62-2936-4F77-8E23-0F21680CD184}" type="datetimeFigureOut">
               <a:rPr lang="fr-FR" smtClean="0"/>
-              <a:t>18/10/2019</a:t>
+              <a:t>21/10/2019</a:t>
             </a:fld>
             <a:endParaRPr lang="fr-FR"/>
           </a:p>
@@ -2367,7 +2367,7 @@
           <a:p>
             <a:fld id="{65CEBD62-2936-4F77-8E23-0F21680CD184}" type="datetimeFigureOut">
               <a:rPr lang="fr-FR" smtClean="0"/>
-              <a:t>18/10/2019</a:t>
+              <a:t>21/10/2019</a:t>
             </a:fld>
             <a:endParaRPr lang="fr-FR"/>
           </a:p>
@@ -2580,7 +2580,7 @@
           <a:p>
             <a:fld id="{65CEBD62-2936-4F77-8E23-0F21680CD184}" type="datetimeFigureOut">
               <a:rPr lang="fr-FR" smtClean="0"/>
-              <a:t>18/10/2019</a:t>
+              <a:t>21/10/2019</a:t>
             </a:fld>
             <a:endParaRPr lang="fr-FR"/>
           </a:p>
@@ -3000,7 +3000,7 @@
           <p:nvPr>
             <p:extLst>
               <p:ext uri="{D42A27DB-BD31-4B8C-83A1-F6EECF244321}">
-                <p14:modId xmlns:p14="http://schemas.microsoft.com/office/powerpoint/2010/main" val="457976366"/>
+                <p14:modId xmlns:p14="http://schemas.microsoft.com/office/powerpoint/2010/main" val="3509396285"/>
               </p:ext>
             </p:extLst>
           </p:nvPr>
@@ -3789,7 +3789,7 @@
                         <a:t>string</a:t>
                       </a:r>
                       <a:r>
-                        <a:rPr lang="de-DE" sz="1200" dirty="0">
+                        <a:rPr lang="de-DE" sz="1200">
                           <a:solidFill>
                             <a:srgbClr val="C83500"/>
                           </a:solidFill>
@@ -3799,14 +3799,14 @@
                         <a:t> </a:t>
                       </a:r>
                       <a:r>
-                        <a:rPr lang="de-DE" sz="1200" dirty="0">
+                        <a:rPr lang="de-DE" sz="1200">
                           <a:solidFill>
                             <a:schemeClr val="tx1"/>
                           </a:solidFill>
                           <a:latin typeface="Courier New" panose="02070309020205020404" pitchFamily="49" charset="0"/>
                           <a:cs typeface="Courier New" panose="02070309020205020404" pitchFamily="49" charset="0"/>
                         </a:rPr>
-                        <a:t>[0..*]</a:t>
+                        <a:t>[1..*]</a:t>
                       </a:r>
                       <a:endParaRPr lang="fr-FR" sz="1200" dirty="0">
                         <a:solidFill>

--- a/images/uml-overview.pptx
+++ b/images/uml-overview.pptx
@@ -257,7 +257,7 @@
           <a:p>
             <a:fld id="{65CEBD62-2936-4F77-8E23-0F21680CD184}" type="datetimeFigureOut">
               <a:rPr lang="fr-FR" smtClean="0"/>
-              <a:t>21/10/2019</a:t>
+              <a:t>06/12/2019</a:t>
             </a:fld>
             <a:endParaRPr lang="fr-FR"/>
           </a:p>
@@ -427,7 +427,7 @@
           <a:p>
             <a:fld id="{65CEBD62-2936-4F77-8E23-0F21680CD184}" type="datetimeFigureOut">
               <a:rPr lang="fr-FR" smtClean="0"/>
-              <a:t>21/10/2019</a:t>
+              <a:t>06/12/2019</a:t>
             </a:fld>
             <a:endParaRPr lang="fr-FR"/>
           </a:p>
@@ -607,7 +607,7 @@
           <a:p>
             <a:fld id="{65CEBD62-2936-4F77-8E23-0F21680CD184}" type="datetimeFigureOut">
               <a:rPr lang="fr-FR" smtClean="0"/>
-              <a:t>21/10/2019</a:t>
+              <a:t>06/12/2019</a:t>
             </a:fld>
             <a:endParaRPr lang="fr-FR"/>
           </a:p>
@@ -777,7 +777,7 @@
           <a:p>
             <a:fld id="{65CEBD62-2936-4F77-8E23-0F21680CD184}" type="datetimeFigureOut">
               <a:rPr lang="fr-FR" smtClean="0"/>
-              <a:t>21/10/2019</a:t>
+              <a:t>06/12/2019</a:t>
             </a:fld>
             <a:endParaRPr lang="fr-FR"/>
           </a:p>
@@ -1021,7 +1021,7 @@
           <a:p>
             <a:fld id="{65CEBD62-2936-4F77-8E23-0F21680CD184}" type="datetimeFigureOut">
               <a:rPr lang="fr-FR" smtClean="0"/>
-              <a:t>21/10/2019</a:t>
+              <a:t>06/12/2019</a:t>
             </a:fld>
             <a:endParaRPr lang="fr-FR"/>
           </a:p>
@@ -1253,7 +1253,7 @@
           <a:p>
             <a:fld id="{65CEBD62-2936-4F77-8E23-0F21680CD184}" type="datetimeFigureOut">
               <a:rPr lang="fr-FR" smtClean="0"/>
-              <a:t>21/10/2019</a:t>
+              <a:t>06/12/2019</a:t>
             </a:fld>
             <a:endParaRPr lang="fr-FR"/>
           </a:p>
@@ -1620,7 +1620,7 @@
           <a:p>
             <a:fld id="{65CEBD62-2936-4F77-8E23-0F21680CD184}" type="datetimeFigureOut">
               <a:rPr lang="fr-FR" smtClean="0"/>
-              <a:t>21/10/2019</a:t>
+              <a:t>06/12/2019</a:t>
             </a:fld>
             <a:endParaRPr lang="fr-FR"/>
           </a:p>
@@ -1738,7 +1738,7 @@
           <a:p>
             <a:fld id="{65CEBD62-2936-4F77-8E23-0F21680CD184}" type="datetimeFigureOut">
               <a:rPr lang="fr-FR" smtClean="0"/>
-              <a:t>21/10/2019</a:t>
+              <a:t>06/12/2019</a:t>
             </a:fld>
             <a:endParaRPr lang="fr-FR"/>
           </a:p>
@@ -1833,7 +1833,7 @@
           <a:p>
             <a:fld id="{65CEBD62-2936-4F77-8E23-0F21680CD184}" type="datetimeFigureOut">
               <a:rPr lang="fr-FR" smtClean="0"/>
-              <a:t>21/10/2019</a:t>
+              <a:t>06/12/2019</a:t>
             </a:fld>
             <a:endParaRPr lang="fr-FR"/>
           </a:p>
@@ -2110,7 +2110,7 @@
           <a:p>
             <a:fld id="{65CEBD62-2936-4F77-8E23-0F21680CD184}" type="datetimeFigureOut">
               <a:rPr lang="fr-FR" smtClean="0"/>
-              <a:t>21/10/2019</a:t>
+              <a:t>06/12/2019</a:t>
             </a:fld>
             <a:endParaRPr lang="fr-FR"/>
           </a:p>
@@ -2367,7 +2367,7 @@
           <a:p>
             <a:fld id="{65CEBD62-2936-4F77-8E23-0F21680CD184}" type="datetimeFigureOut">
               <a:rPr lang="fr-FR" smtClean="0"/>
-              <a:t>21/10/2019</a:t>
+              <a:t>06/12/2019</a:t>
             </a:fld>
             <a:endParaRPr lang="fr-FR"/>
           </a:p>
@@ -2580,7 +2580,7 @@
           <a:p>
             <a:fld id="{65CEBD62-2936-4F77-8E23-0F21680CD184}" type="datetimeFigureOut">
               <a:rPr lang="fr-FR" smtClean="0"/>
-              <a:t>21/10/2019</a:t>
+              <a:t>06/12/2019</a:t>
             </a:fld>
             <a:endParaRPr lang="fr-FR"/>
           </a:p>
@@ -2990,7 +2990,7 @@
           <p:cNvPr id="5" name="Tableau 4">
             <a:extLst>
               <a:ext uri="{FF2B5EF4-FFF2-40B4-BE49-F238E27FC236}">
-                <a16:creationId xmlns:a16="http://schemas.microsoft.com/office/drawing/2014/main" id="{7AEED992-351B-49D8-A365-11BE05EAE968}"/>
+                <a16:creationId xmlns:a16="http://schemas.microsoft.com/office/drawing/2014/main" xmlns="" id="{7AEED992-351B-49D8-A365-11BE05EAE968}"/>
               </a:ext>
             </a:extLst>
           </p:cNvPr>
@@ -3019,7 +3019,7 @@
                 <a:gridCol w="2833991">
                   <a:extLst>
                     <a:ext uri="{9D8B030D-6E8A-4147-A177-3AD203B41FA5}">
-                      <a16:colId xmlns:a16="http://schemas.microsoft.com/office/drawing/2014/main" val="3635479289"/>
+                      <a16:colId xmlns:a16="http://schemas.microsoft.com/office/drawing/2014/main" xmlns="" val="3635479289"/>
                     </a:ext>
                   </a:extLst>
                 </a:gridCol>
@@ -3058,7 +3058,7 @@
                 </a:tc>
                 <a:extLst>
                   <a:ext uri="{0D108BD9-81ED-4DB2-BD59-A6C34878D82A}">
-                    <a16:rowId xmlns:a16="http://schemas.microsoft.com/office/drawing/2014/main" val="3518813744"/>
+                    <a16:rowId xmlns:a16="http://schemas.microsoft.com/office/drawing/2014/main" xmlns="" val="3518813744"/>
                   </a:ext>
                 </a:extLst>
               </a:tr>
@@ -3165,7 +3165,7 @@
                 </a:tc>
                 <a:extLst>
                   <a:ext uri="{0D108BD9-81ED-4DB2-BD59-A6C34878D82A}">
-                    <a16:rowId xmlns:a16="http://schemas.microsoft.com/office/drawing/2014/main" val="277087125"/>
+                    <a16:rowId xmlns:a16="http://schemas.microsoft.com/office/drawing/2014/main" xmlns="" val="277087125"/>
                   </a:ext>
                 </a:extLst>
               </a:tr>
@@ -3232,7 +3232,7 @@
                 </a:tc>
                 <a:extLst>
                   <a:ext uri="{0D108BD9-81ED-4DB2-BD59-A6C34878D82A}">
-                    <a16:rowId xmlns:a16="http://schemas.microsoft.com/office/drawing/2014/main" val="2644671876"/>
+                    <a16:rowId xmlns:a16="http://schemas.microsoft.com/office/drawing/2014/main" xmlns="" val="2644671876"/>
                   </a:ext>
                 </a:extLst>
               </a:tr>
@@ -3309,7 +3309,7 @@
                 </a:tc>
                 <a:extLst>
                   <a:ext uri="{0D108BD9-81ED-4DB2-BD59-A6C34878D82A}">
-                    <a16:rowId xmlns:a16="http://schemas.microsoft.com/office/drawing/2014/main" val="859466305"/>
+                    <a16:rowId xmlns:a16="http://schemas.microsoft.com/office/drawing/2014/main" xmlns="" val="859466305"/>
                   </a:ext>
                 </a:extLst>
               </a:tr>
@@ -3356,7 +3356,7 @@
                 </a:tc>
                 <a:extLst>
                   <a:ext uri="{0D108BD9-81ED-4DB2-BD59-A6C34878D82A}">
-                    <a16:rowId xmlns:a16="http://schemas.microsoft.com/office/drawing/2014/main" val="1463399057"/>
+                    <a16:rowId xmlns:a16="http://schemas.microsoft.com/office/drawing/2014/main" xmlns="" val="1463399057"/>
                   </a:ext>
                 </a:extLst>
               </a:tr>
@@ -3450,7 +3450,7 @@
                 </a:tc>
                 <a:extLst>
                   <a:ext uri="{0D108BD9-81ED-4DB2-BD59-A6C34878D82A}">
-                    <a16:rowId xmlns:a16="http://schemas.microsoft.com/office/drawing/2014/main" val="4279658644"/>
+                    <a16:rowId xmlns:a16="http://schemas.microsoft.com/office/drawing/2014/main" xmlns="" val="4279658644"/>
                   </a:ext>
                 </a:extLst>
               </a:tr>
@@ -3527,7 +3527,7 @@
                 </a:tc>
                 <a:extLst>
                   <a:ext uri="{0D108BD9-81ED-4DB2-BD59-A6C34878D82A}">
-                    <a16:rowId xmlns:a16="http://schemas.microsoft.com/office/drawing/2014/main" val="1343650783"/>
+                    <a16:rowId xmlns:a16="http://schemas.microsoft.com/office/drawing/2014/main" xmlns="" val="1343650783"/>
                   </a:ext>
                 </a:extLst>
               </a:tr>
@@ -3604,7 +3604,7 @@
                 </a:tc>
                 <a:extLst>
                   <a:ext uri="{0D108BD9-81ED-4DB2-BD59-A6C34878D82A}">
-                    <a16:rowId xmlns:a16="http://schemas.microsoft.com/office/drawing/2014/main" val="1328596994"/>
+                    <a16:rowId xmlns:a16="http://schemas.microsoft.com/office/drawing/2014/main" xmlns="" val="1328596994"/>
                   </a:ext>
                 </a:extLst>
               </a:tr>
@@ -3671,7 +3671,7 @@
                 </a:tc>
                 <a:extLst>
                   <a:ext uri="{0D108BD9-81ED-4DB2-BD59-A6C34878D82A}">
-                    <a16:rowId xmlns:a16="http://schemas.microsoft.com/office/drawing/2014/main" val="2395465634"/>
+                    <a16:rowId xmlns:a16="http://schemas.microsoft.com/office/drawing/2014/main" xmlns="" val="2395465634"/>
                   </a:ext>
                 </a:extLst>
               </a:tr>
@@ -3748,7 +3748,7 @@
                 </a:tc>
                 <a:extLst>
                   <a:ext uri="{0D108BD9-81ED-4DB2-BD59-A6C34878D82A}">
-                    <a16:rowId xmlns:a16="http://schemas.microsoft.com/office/drawing/2014/main" val="3816552058"/>
+                    <a16:rowId xmlns:a16="http://schemas.microsoft.com/office/drawing/2014/main" xmlns="" val="3816552058"/>
                   </a:ext>
                 </a:extLst>
               </a:tr>
@@ -3825,7 +3825,7 @@
                 </a:tc>
                 <a:extLst>
                   <a:ext uri="{0D108BD9-81ED-4DB2-BD59-A6C34878D82A}">
-                    <a16:rowId xmlns:a16="http://schemas.microsoft.com/office/drawing/2014/main" val="2845160019"/>
+                    <a16:rowId xmlns:a16="http://schemas.microsoft.com/office/drawing/2014/main" xmlns="" val="2845160019"/>
                   </a:ext>
                 </a:extLst>
               </a:tr>
@@ -3838,7 +3838,7 @@
           <p:cNvPr id="7" name="Tableau 6">
             <a:extLst>
               <a:ext uri="{FF2B5EF4-FFF2-40B4-BE49-F238E27FC236}">
-                <a16:creationId xmlns:a16="http://schemas.microsoft.com/office/drawing/2014/main" id="{C43586C8-FC59-4117-919F-506A45F12649}"/>
+                <a16:creationId xmlns:a16="http://schemas.microsoft.com/office/drawing/2014/main" xmlns="" id="{C43586C8-FC59-4117-919F-506A45F12649}"/>
               </a:ext>
             </a:extLst>
           </p:cNvPr>
@@ -3867,7 +3867,7 @@
                 <a:gridCol w="2833991">
                   <a:extLst>
                     <a:ext uri="{9D8B030D-6E8A-4147-A177-3AD203B41FA5}">
-                      <a16:colId xmlns:a16="http://schemas.microsoft.com/office/drawing/2014/main" val="3635479289"/>
+                      <a16:colId xmlns:a16="http://schemas.microsoft.com/office/drawing/2014/main" xmlns="" val="3635479289"/>
                     </a:ext>
                   </a:extLst>
                 </a:gridCol>
@@ -3906,7 +3906,7 @@
                 </a:tc>
                 <a:extLst>
                   <a:ext uri="{0D108BD9-81ED-4DB2-BD59-A6C34878D82A}">
-                    <a16:rowId xmlns:a16="http://schemas.microsoft.com/office/drawing/2014/main" val="3518813744"/>
+                    <a16:rowId xmlns:a16="http://schemas.microsoft.com/office/drawing/2014/main" xmlns="" val="3518813744"/>
                   </a:ext>
                 </a:extLst>
               </a:tr>
@@ -3973,7 +3973,7 @@
                 </a:tc>
                 <a:extLst>
                   <a:ext uri="{0D108BD9-81ED-4DB2-BD59-A6C34878D82A}">
-                    <a16:rowId xmlns:a16="http://schemas.microsoft.com/office/drawing/2014/main" val="3681825441"/>
+                    <a16:rowId xmlns:a16="http://schemas.microsoft.com/office/drawing/2014/main" xmlns="" val="3681825441"/>
                   </a:ext>
                 </a:extLst>
               </a:tr>
@@ -4040,7 +4040,7 @@
                 </a:tc>
                 <a:extLst>
                   <a:ext uri="{0D108BD9-81ED-4DB2-BD59-A6C34878D82A}">
-                    <a16:rowId xmlns:a16="http://schemas.microsoft.com/office/drawing/2014/main" val="1463399057"/>
+                    <a16:rowId xmlns:a16="http://schemas.microsoft.com/office/drawing/2014/main" xmlns="" val="1463399057"/>
                   </a:ext>
                 </a:extLst>
               </a:tr>
@@ -4124,7 +4124,7 @@
                 </a:tc>
                 <a:extLst>
                   <a:ext uri="{0D108BD9-81ED-4DB2-BD59-A6C34878D82A}">
-                    <a16:rowId xmlns:a16="http://schemas.microsoft.com/office/drawing/2014/main" val="4279658644"/>
+                    <a16:rowId xmlns:a16="http://schemas.microsoft.com/office/drawing/2014/main" xmlns="" val="4279658644"/>
                   </a:ext>
                 </a:extLst>
               </a:tr>
@@ -4137,7 +4137,7 @@
           <p:cNvPr id="8" name="Tableau 7">
             <a:extLst>
               <a:ext uri="{FF2B5EF4-FFF2-40B4-BE49-F238E27FC236}">
-                <a16:creationId xmlns:a16="http://schemas.microsoft.com/office/drawing/2014/main" id="{DD10D221-A87C-4175-92B3-E3CA15F7CB14}"/>
+                <a16:creationId xmlns:a16="http://schemas.microsoft.com/office/drawing/2014/main" xmlns="" id="{DD10D221-A87C-4175-92B3-E3CA15F7CB14}"/>
               </a:ext>
             </a:extLst>
           </p:cNvPr>
@@ -4166,7 +4166,7 @@
                 <a:gridCol w="2833991">
                   <a:extLst>
                     <a:ext uri="{9D8B030D-6E8A-4147-A177-3AD203B41FA5}">
-                      <a16:colId xmlns:a16="http://schemas.microsoft.com/office/drawing/2014/main" val="3894525368"/>
+                      <a16:colId xmlns:a16="http://schemas.microsoft.com/office/drawing/2014/main" xmlns="" val="3894525368"/>
                     </a:ext>
                   </a:extLst>
                 </a:gridCol>
@@ -4205,7 +4205,7 @@
                 </a:tc>
                 <a:extLst>
                   <a:ext uri="{0D108BD9-81ED-4DB2-BD59-A6C34878D82A}">
-                    <a16:rowId xmlns:a16="http://schemas.microsoft.com/office/drawing/2014/main" val="1036213551"/>
+                    <a16:rowId xmlns:a16="http://schemas.microsoft.com/office/drawing/2014/main" xmlns="" val="1036213551"/>
                   </a:ext>
                 </a:extLst>
               </a:tr>
@@ -4272,7 +4272,7 @@
                 </a:tc>
                 <a:extLst>
                   <a:ext uri="{0D108BD9-81ED-4DB2-BD59-A6C34878D82A}">
-                    <a16:rowId xmlns:a16="http://schemas.microsoft.com/office/drawing/2014/main" val="3926668962"/>
+                    <a16:rowId xmlns:a16="http://schemas.microsoft.com/office/drawing/2014/main" xmlns="" val="3926668962"/>
                   </a:ext>
                 </a:extLst>
               </a:tr>
@@ -4285,7 +4285,7 @@
           <p:cNvPr id="9" name="Tableau 8">
             <a:extLst>
               <a:ext uri="{FF2B5EF4-FFF2-40B4-BE49-F238E27FC236}">
-                <a16:creationId xmlns:a16="http://schemas.microsoft.com/office/drawing/2014/main" id="{001E1433-EA32-4C68-87A1-E95FFBE47A4B}"/>
+                <a16:creationId xmlns:a16="http://schemas.microsoft.com/office/drawing/2014/main" xmlns="" id="{001E1433-EA32-4C68-87A1-E95FFBE47A4B}"/>
               </a:ext>
             </a:extLst>
           </p:cNvPr>
@@ -4314,7 +4314,7 @@
                 <a:gridCol w="2833991">
                   <a:extLst>
                     <a:ext uri="{9D8B030D-6E8A-4147-A177-3AD203B41FA5}">
-                      <a16:colId xmlns:a16="http://schemas.microsoft.com/office/drawing/2014/main" val="3894525368"/>
+                      <a16:colId xmlns:a16="http://schemas.microsoft.com/office/drawing/2014/main" xmlns="" val="3894525368"/>
                     </a:ext>
                   </a:extLst>
                 </a:gridCol>
@@ -4353,7 +4353,7 @@
                 </a:tc>
                 <a:extLst>
                   <a:ext uri="{0D108BD9-81ED-4DB2-BD59-A6C34878D82A}">
-                    <a16:rowId xmlns:a16="http://schemas.microsoft.com/office/drawing/2014/main" val="1036213551"/>
+                    <a16:rowId xmlns:a16="http://schemas.microsoft.com/office/drawing/2014/main" xmlns="" val="1036213551"/>
                   </a:ext>
                 </a:extLst>
               </a:tr>
@@ -4410,7 +4410,7 @@
                 </a:tc>
                 <a:extLst>
                   <a:ext uri="{0D108BD9-81ED-4DB2-BD59-A6C34878D82A}">
-                    <a16:rowId xmlns:a16="http://schemas.microsoft.com/office/drawing/2014/main" val="3926668962"/>
+                    <a16:rowId xmlns:a16="http://schemas.microsoft.com/office/drawing/2014/main" xmlns="" val="3926668962"/>
                   </a:ext>
                 </a:extLst>
               </a:tr>
@@ -4474,7 +4474,7 @@
                 </a:tc>
                 <a:extLst>
                   <a:ext uri="{0D108BD9-81ED-4DB2-BD59-A6C34878D82A}">
-                    <a16:rowId xmlns:a16="http://schemas.microsoft.com/office/drawing/2014/main" val="29171803"/>
+                    <a16:rowId xmlns:a16="http://schemas.microsoft.com/office/drawing/2014/main" xmlns="" val="29171803"/>
                   </a:ext>
                 </a:extLst>
               </a:tr>
@@ -4487,7 +4487,7 @@
           <p:cNvPr id="10" name="Tableau 9">
             <a:extLst>
               <a:ext uri="{FF2B5EF4-FFF2-40B4-BE49-F238E27FC236}">
-                <a16:creationId xmlns:a16="http://schemas.microsoft.com/office/drawing/2014/main" id="{AFC1AFC6-E0BF-4278-92E5-CE045176FD50}"/>
+                <a16:creationId xmlns:a16="http://schemas.microsoft.com/office/drawing/2014/main" xmlns="" id="{AFC1AFC6-E0BF-4278-92E5-CE045176FD50}"/>
               </a:ext>
             </a:extLst>
           </p:cNvPr>
@@ -4516,7 +4516,7 @@
                 <a:gridCol w="2833991">
                   <a:extLst>
                     <a:ext uri="{9D8B030D-6E8A-4147-A177-3AD203B41FA5}">
-                      <a16:colId xmlns:a16="http://schemas.microsoft.com/office/drawing/2014/main" val="3894525368"/>
+                      <a16:colId xmlns:a16="http://schemas.microsoft.com/office/drawing/2014/main" xmlns="" val="3894525368"/>
                     </a:ext>
                   </a:extLst>
                 </a:gridCol>
@@ -4555,7 +4555,7 @@
                 </a:tc>
                 <a:extLst>
                   <a:ext uri="{0D108BD9-81ED-4DB2-BD59-A6C34878D82A}">
-                    <a16:rowId xmlns:a16="http://schemas.microsoft.com/office/drawing/2014/main" val="1036213551"/>
+                    <a16:rowId xmlns:a16="http://schemas.microsoft.com/office/drawing/2014/main" xmlns="" val="1036213551"/>
                   </a:ext>
                 </a:extLst>
               </a:tr>
@@ -4568,7 +4568,7 @@
           <p:cNvPr id="11" name="Tableau 10">
             <a:extLst>
               <a:ext uri="{FF2B5EF4-FFF2-40B4-BE49-F238E27FC236}">
-                <a16:creationId xmlns:a16="http://schemas.microsoft.com/office/drawing/2014/main" id="{EF6C18FB-F960-4DC5-BB48-FCC6CEC913D7}"/>
+                <a16:creationId xmlns:a16="http://schemas.microsoft.com/office/drawing/2014/main" xmlns="" id="{EF6C18FB-F960-4DC5-BB48-FCC6CEC913D7}"/>
               </a:ext>
             </a:extLst>
           </p:cNvPr>
@@ -4597,7 +4597,7 @@
                 <a:gridCol w="2833991">
                   <a:extLst>
                     <a:ext uri="{9D8B030D-6E8A-4147-A177-3AD203B41FA5}">
-                      <a16:colId xmlns:a16="http://schemas.microsoft.com/office/drawing/2014/main" val="3894525368"/>
+                      <a16:colId xmlns:a16="http://schemas.microsoft.com/office/drawing/2014/main" xmlns="" val="3894525368"/>
                     </a:ext>
                   </a:extLst>
                 </a:gridCol>
@@ -4636,7 +4636,7 @@
                 </a:tc>
                 <a:extLst>
                   <a:ext uri="{0D108BD9-81ED-4DB2-BD59-A6C34878D82A}">
-                    <a16:rowId xmlns:a16="http://schemas.microsoft.com/office/drawing/2014/main" val="1036213551"/>
+                    <a16:rowId xmlns:a16="http://schemas.microsoft.com/office/drawing/2014/main" xmlns="" val="1036213551"/>
                   </a:ext>
                 </a:extLst>
               </a:tr>
@@ -4693,7 +4693,7 @@
                 </a:tc>
                 <a:extLst>
                   <a:ext uri="{0D108BD9-81ED-4DB2-BD59-A6C34878D82A}">
-                    <a16:rowId xmlns:a16="http://schemas.microsoft.com/office/drawing/2014/main" val="3926668962"/>
+                    <a16:rowId xmlns:a16="http://schemas.microsoft.com/office/drawing/2014/main" xmlns="" val="3926668962"/>
                   </a:ext>
                 </a:extLst>
               </a:tr>
@@ -4706,7 +4706,7 @@
           <p:cNvPr id="12" name="Tableau 11">
             <a:extLst>
               <a:ext uri="{FF2B5EF4-FFF2-40B4-BE49-F238E27FC236}">
-                <a16:creationId xmlns:a16="http://schemas.microsoft.com/office/drawing/2014/main" id="{75D1221B-9EF2-4EEE-8ADA-B520EEA63447}"/>
+                <a16:creationId xmlns:a16="http://schemas.microsoft.com/office/drawing/2014/main" xmlns="" id="{75D1221B-9EF2-4EEE-8ADA-B520EEA63447}"/>
               </a:ext>
             </a:extLst>
           </p:cNvPr>
@@ -4735,7 +4735,7 @@
                 <a:gridCol w="2833991">
                   <a:extLst>
                     <a:ext uri="{9D8B030D-6E8A-4147-A177-3AD203B41FA5}">
-                      <a16:colId xmlns:a16="http://schemas.microsoft.com/office/drawing/2014/main" val="3894525368"/>
+                      <a16:colId xmlns:a16="http://schemas.microsoft.com/office/drawing/2014/main" xmlns="" val="3894525368"/>
                     </a:ext>
                   </a:extLst>
                 </a:gridCol>
@@ -4774,7 +4774,7 @@
                 </a:tc>
                 <a:extLst>
                   <a:ext uri="{0D108BD9-81ED-4DB2-BD59-A6C34878D82A}">
-                    <a16:rowId xmlns:a16="http://schemas.microsoft.com/office/drawing/2014/main" val="1036213551"/>
+                    <a16:rowId xmlns:a16="http://schemas.microsoft.com/office/drawing/2014/main" xmlns="" val="1036213551"/>
                   </a:ext>
                 </a:extLst>
               </a:tr>
@@ -4787,7 +4787,7 @@
           <p:cNvPr id="17" name="Connecteur : en angle 16">
             <a:extLst>
               <a:ext uri="{FF2B5EF4-FFF2-40B4-BE49-F238E27FC236}">
-                <a16:creationId xmlns:a16="http://schemas.microsoft.com/office/drawing/2014/main" id="{EC6ACBD6-A322-44C3-A68E-6E838FDC4526}"/>
+                <a16:creationId xmlns:a16="http://schemas.microsoft.com/office/drawing/2014/main" xmlns="" id="{EC6ACBD6-A322-44C3-A68E-6E838FDC4526}"/>
               </a:ext>
             </a:extLst>
           </p:cNvPr>
@@ -4835,7 +4835,7 @@
           <p:cNvPr id="19" name="Connecteur : en angle 18">
             <a:extLst>
               <a:ext uri="{FF2B5EF4-FFF2-40B4-BE49-F238E27FC236}">
-                <a16:creationId xmlns:a16="http://schemas.microsoft.com/office/drawing/2014/main" id="{C379B163-BABD-42E9-BC8C-A7F187737ECC}"/>
+                <a16:creationId xmlns:a16="http://schemas.microsoft.com/office/drawing/2014/main" xmlns="" id="{C379B163-BABD-42E9-BC8C-A7F187737ECC}"/>
               </a:ext>
             </a:extLst>
           </p:cNvPr>
@@ -4883,7 +4883,7 @@
           <p:cNvPr id="22" name="Connecteur : en angle 21">
             <a:extLst>
               <a:ext uri="{FF2B5EF4-FFF2-40B4-BE49-F238E27FC236}">
-                <a16:creationId xmlns:a16="http://schemas.microsoft.com/office/drawing/2014/main" id="{C557D4A1-8712-441E-B1AC-3B4F21342F70}"/>
+                <a16:creationId xmlns:a16="http://schemas.microsoft.com/office/drawing/2014/main" xmlns="" id="{C557D4A1-8712-441E-B1AC-3B4F21342F70}"/>
               </a:ext>
             </a:extLst>
           </p:cNvPr>
@@ -4931,7 +4931,7 @@
           <p:cNvPr id="47" name="Tableau 46">
             <a:extLst>
               <a:ext uri="{FF2B5EF4-FFF2-40B4-BE49-F238E27FC236}">
-                <a16:creationId xmlns:a16="http://schemas.microsoft.com/office/drawing/2014/main" id="{3C2C3D9F-BA06-4307-A84E-CBCE9FF7D365}"/>
+                <a16:creationId xmlns:a16="http://schemas.microsoft.com/office/drawing/2014/main" xmlns="" id="{3C2C3D9F-BA06-4307-A84E-CBCE9FF7D365}"/>
               </a:ext>
             </a:extLst>
           </p:cNvPr>
@@ -4960,7 +4960,7 @@
                 <a:gridCol w="2833991">
                   <a:extLst>
                     <a:ext uri="{9D8B030D-6E8A-4147-A177-3AD203B41FA5}">
-                      <a16:colId xmlns:a16="http://schemas.microsoft.com/office/drawing/2014/main" val="3894525368"/>
+                      <a16:colId xmlns:a16="http://schemas.microsoft.com/office/drawing/2014/main" xmlns="" val="3894525368"/>
                     </a:ext>
                   </a:extLst>
                 </a:gridCol>
@@ -4999,7 +4999,7 @@
                 </a:tc>
                 <a:extLst>
                   <a:ext uri="{0D108BD9-81ED-4DB2-BD59-A6C34878D82A}">
-                    <a16:rowId xmlns:a16="http://schemas.microsoft.com/office/drawing/2014/main" val="1036213551"/>
+                    <a16:rowId xmlns:a16="http://schemas.microsoft.com/office/drawing/2014/main" xmlns="" val="1036213551"/>
                   </a:ext>
                 </a:extLst>
               </a:tr>
@@ -5012,7 +5012,7 @@
           <p:cNvPr id="48" name="Tableau 47">
             <a:extLst>
               <a:ext uri="{FF2B5EF4-FFF2-40B4-BE49-F238E27FC236}">
-                <a16:creationId xmlns:a16="http://schemas.microsoft.com/office/drawing/2014/main" id="{F258A066-132E-44D0-947D-DA832372C698}"/>
+                <a16:creationId xmlns:a16="http://schemas.microsoft.com/office/drawing/2014/main" xmlns="" id="{F258A066-132E-44D0-947D-DA832372C698}"/>
               </a:ext>
             </a:extLst>
           </p:cNvPr>
@@ -5041,7 +5041,7 @@
                 <a:gridCol w="2833991">
                   <a:extLst>
                     <a:ext uri="{9D8B030D-6E8A-4147-A177-3AD203B41FA5}">
-                      <a16:colId xmlns:a16="http://schemas.microsoft.com/office/drawing/2014/main" val="3894525368"/>
+                      <a16:colId xmlns:a16="http://schemas.microsoft.com/office/drawing/2014/main" xmlns="" val="3894525368"/>
                     </a:ext>
                   </a:extLst>
                 </a:gridCol>
@@ -5080,7 +5080,7 @@
                 </a:tc>
                 <a:extLst>
                   <a:ext uri="{0D108BD9-81ED-4DB2-BD59-A6C34878D82A}">
-                    <a16:rowId xmlns:a16="http://schemas.microsoft.com/office/drawing/2014/main" val="1036213551"/>
+                    <a16:rowId xmlns:a16="http://schemas.microsoft.com/office/drawing/2014/main" xmlns="" val="1036213551"/>
                   </a:ext>
                 </a:extLst>
               </a:tr>
@@ -5093,7 +5093,7 @@
           <p:cNvPr id="49" name="Tableau 48">
             <a:extLst>
               <a:ext uri="{FF2B5EF4-FFF2-40B4-BE49-F238E27FC236}">
-                <a16:creationId xmlns:a16="http://schemas.microsoft.com/office/drawing/2014/main" id="{1518DDF4-7A74-485D-866B-792439B96178}"/>
+                <a16:creationId xmlns:a16="http://schemas.microsoft.com/office/drawing/2014/main" xmlns="" id="{1518DDF4-7A74-485D-866B-792439B96178}"/>
               </a:ext>
             </a:extLst>
           </p:cNvPr>
@@ -5122,7 +5122,7 @@
                 <a:gridCol w="2833991">
                   <a:extLst>
                     <a:ext uri="{9D8B030D-6E8A-4147-A177-3AD203B41FA5}">
-                      <a16:colId xmlns:a16="http://schemas.microsoft.com/office/drawing/2014/main" val="3894525368"/>
+                      <a16:colId xmlns:a16="http://schemas.microsoft.com/office/drawing/2014/main" xmlns="" val="3894525368"/>
                     </a:ext>
                   </a:extLst>
                 </a:gridCol>
@@ -5161,7 +5161,7 @@
                 </a:tc>
                 <a:extLst>
                   <a:ext uri="{0D108BD9-81ED-4DB2-BD59-A6C34878D82A}">
-                    <a16:rowId xmlns:a16="http://schemas.microsoft.com/office/drawing/2014/main" val="1036213551"/>
+                    <a16:rowId xmlns:a16="http://schemas.microsoft.com/office/drawing/2014/main" xmlns="" val="1036213551"/>
                   </a:ext>
                 </a:extLst>
               </a:tr>
@@ -5174,7 +5174,7 @@
           <p:cNvPr id="50" name="Tableau 49">
             <a:extLst>
               <a:ext uri="{FF2B5EF4-FFF2-40B4-BE49-F238E27FC236}">
-                <a16:creationId xmlns:a16="http://schemas.microsoft.com/office/drawing/2014/main" id="{35D5E7A4-2CC1-4BC2-AAF0-B25E76CB7680}"/>
+                <a16:creationId xmlns:a16="http://schemas.microsoft.com/office/drawing/2014/main" xmlns="" id="{35D5E7A4-2CC1-4BC2-AAF0-B25E76CB7680}"/>
               </a:ext>
             </a:extLst>
           </p:cNvPr>
@@ -5203,7 +5203,7 @@
                 <a:gridCol w="2833991">
                   <a:extLst>
                     <a:ext uri="{9D8B030D-6E8A-4147-A177-3AD203B41FA5}">
-                      <a16:colId xmlns:a16="http://schemas.microsoft.com/office/drawing/2014/main" val="3894525368"/>
+                      <a16:colId xmlns:a16="http://schemas.microsoft.com/office/drawing/2014/main" xmlns="" val="3894525368"/>
                     </a:ext>
                   </a:extLst>
                 </a:gridCol>
@@ -5242,7 +5242,7 @@
                 </a:tc>
                 <a:extLst>
                   <a:ext uri="{0D108BD9-81ED-4DB2-BD59-A6C34878D82A}">
-                    <a16:rowId xmlns:a16="http://schemas.microsoft.com/office/drawing/2014/main" val="1036213551"/>
+                    <a16:rowId xmlns:a16="http://schemas.microsoft.com/office/drawing/2014/main" xmlns="" val="1036213551"/>
                   </a:ext>
                 </a:extLst>
               </a:tr>
@@ -5255,7 +5255,7 @@
           <p:cNvPr id="71" name="Triangle isocèle 70">
             <a:extLst>
               <a:ext uri="{FF2B5EF4-FFF2-40B4-BE49-F238E27FC236}">
-                <a16:creationId xmlns:a16="http://schemas.microsoft.com/office/drawing/2014/main" id="{023C3A5E-E104-4D71-A882-7964708A5D4C}"/>
+                <a16:creationId xmlns:a16="http://schemas.microsoft.com/office/drawing/2014/main" xmlns="" id="{023C3A5E-E104-4D71-A882-7964708A5D4C}"/>
               </a:ext>
             </a:extLst>
           </p:cNvPr>
@@ -5309,7 +5309,7 @@
           <p:cNvPr id="147" name="Connecteur : en angle 146">
             <a:extLst>
               <a:ext uri="{FF2B5EF4-FFF2-40B4-BE49-F238E27FC236}">
-                <a16:creationId xmlns:a16="http://schemas.microsoft.com/office/drawing/2014/main" id="{B69F76A9-FE57-4D71-8FD3-52C59C1F9DF9}"/>
+                <a16:creationId xmlns:a16="http://schemas.microsoft.com/office/drawing/2014/main" xmlns="" id="{B69F76A9-FE57-4D71-8FD3-52C59C1F9DF9}"/>
               </a:ext>
             </a:extLst>
           </p:cNvPr>
@@ -5357,7 +5357,7 @@
           <p:cNvPr id="150" name="Triangle isocèle 149">
             <a:extLst>
               <a:ext uri="{FF2B5EF4-FFF2-40B4-BE49-F238E27FC236}">
-                <a16:creationId xmlns:a16="http://schemas.microsoft.com/office/drawing/2014/main" id="{3A8C42F1-6850-4668-B440-0AE112C6A43E}"/>
+                <a16:creationId xmlns:a16="http://schemas.microsoft.com/office/drawing/2014/main" xmlns="" id="{3A8C42F1-6850-4668-B440-0AE112C6A43E}"/>
               </a:ext>
             </a:extLst>
           </p:cNvPr>
@@ -5411,7 +5411,7 @@
           <p:cNvPr id="245" name="Groupe 244">
             <a:extLst>
               <a:ext uri="{FF2B5EF4-FFF2-40B4-BE49-F238E27FC236}">
-                <a16:creationId xmlns:a16="http://schemas.microsoft.com/office/drawing/2014/main" id="{757CC754-071A-4882-A6C3-2EBFDAD0AA54}"/>
+                <a16:creationId xmlns:a16="http://schemas.microsoft.com/office/drawing/2014/main" xmlns="" id="{757CC754-071A-4882-A6C3-2EBFDAD0AA54}"/>
               </a:ext>
             </a:extLst>
           </p:cNvPr>
@@ -5431,7 +5431,7 @@
             <p:cNvPr id="207" name="Groupe 206">
               <a:extLst>
                 <a:ext uri="{FF2B5EF4-FFF2-40B4-BE49-F238E27FC236}">
-                  <a16:creationId xmlns:a16="http://schemas.microsoft.com/office/drawing/2014/main" id="{7A52269D-E430-49E4-BC4C-EA8D5C93E064}"/>
+                  <a16:creationId xmlns:a16="http://schemas.microsoft.com/office/drawing/2014/main" xmlns="" id="{7A52269D-E430-49E4-BC4C-EA8D5C93E064}"/>
                 </a:ext>
               </a:extLst>
             </p:cNvPr>
@@ -5451,7 +5451,7 @@
               <p:cNvPr id="98" name="Connecteur : en arc 97">
                 <a:extLst>
                   <a:ext uri="{FF2B5EF4-FFF2-40B4-BE49-F238E27FC236}">
-                    <a16:creationId xmlns:a16="http://schemas.microsoft.com/office/drawing/2014/main" id="{BD35422F-859F-4715-A3DC-51F1AF1BA4FF}"/>
+                    <a16:creationId xmlns:a16="http://schemas.microsoft.com/office/drawing/2014/main" xmlns="" id="{BD35422F-859F-4715-A3DC-51F1AF1BA4FF}"/>
                   </a:ext>
                 </a:extLst>
               </p:cNvPr>
@@ -5498,7 +5498,7 @@
               <p:cNvPr id="206" name="Rectangle 205">
                 <a:extLst>
                   <a:ext uri="{FF2B5EF4-FFF2-40B4-BE49-F238E27FC236}">
-                    <a16:creationId xmlns:a16="http://schemas.microsoft.com/office/drawing/2014/main" id="{D426F385-7F1E-4AD4-8A24-D74E6F1EC3B5}"/>
+                    <a16:creationId xmlns:a16="http://schemas.microsoft.com/office/drawing/2014/main" xmlns="" id="{D426F385-7F1E-4AD4-8A24-D74E6F1EC3B5}"/>
                   </a:ext>
                 </a:extLst>
               </p:cNvPr>
@@ -5540,7 +5540,7 @@
             <p:cNvPr id="241" name="Rectangle 240">
               <a:extLst>
                 <a:ext uri="{FF2B5EF4-FFF2-40B4-BE49-F238E27FC236}">
-                  <a16:creationId xmlns:a16="http://schemas.microsoft.com/office/drawing/2014/main" id="{302DBD55-8C0E-46AC-A3B4-B33537A3F886}"/>
+                  <a16:creationId xmlns:a16="http://schemas.microsoft.com/office/drawing/2014/main" xmlns="" id="{302DBD55-8C0E-46AC-A3B4-B33537A3F886}"/>
                 </a:ext>
               </a:extLst>
             </p:cNvPr>
@@ -5579,7 +5579,7 @@
           <p:cNvPr id="246" name="Groupe 245">
             <a:extLst>
               <a:ext uri="{FF2B5EF4-FFF2-40B4-BE49-F238E27FC236}">
-                <a16:creationId xmlns:a16="http://schemas.microsoft.com/office/drawing/2014/main" id="{F7DCBEEC-2883-4B1A-BFE3-B0A3A943CFC9}"/>
+                <a16:creationId xmlns:a16="http://schemas.microsoft.com/office/drawing/2014/main" xmlns="" id="{F7DCBEEC-2883-4B1A-BFE3-B0A3A943CFC9}"/>
               </a:ext>
             </a:extLst>
           </p:cNvPr>
@@ -5599,7 +5599,7 @@
             <p:cNvPr id="218" name="Groupe 217">
               <a:extLst>
                 <a:ext uri="{FF2B5EF4-FFF2-40B4-BE49-F238E27FC236}">
-                  <a16:creationId xmlns:a16="http://schemas.microsoft.com/office/drawing/2014/main" id="{4D67DCE7-BC6D-4BD3-B106-BAC629F802F6}"/>
+                  <a16:creationId xmlns:a16="http://schemas.microsoft.com/office/drawing/2014/main" xmlns="" id="{4D67DCE7-BC6D-4BD3-B106-BAC629F802F6}"/>
                 </a:ext>
               </a:extLst>
             </p:cNvPr>
@@ -5619,7 +5619,7 @@
               <p:cNvPr id="58" name="Connecteur : en arc 57">
                 <a:extLst>
                   <a:ext uri="{FF2B5EF4-FFF2-40B4-BE49-F238E27FC236}">
-                    <a16:creationId xmlns:a16="http://schemas.microsoft.com/office/drawing/2014/main" id="{EA763029-30B2-4C97-8B12-E008F39E8E1C}"/>
+                    <a16:creationId xmlns:a16="http://schemas.microsoft.com/office/drawing/2014/main" xmlns="" id="{EA763029-30B2-4C97-8B12-E008F39E8E1C}"/>
                   </a:ext>
                 </a:extLst>
               </p:cNvPr>
@@ -5666,7 +5666,7 @@
               <p:cNvPr id="209" name="Rectangle 208">
                 <a:extLst>
                   <a:ext uri="{FF2B5EF4-FFF2-40B4-BE49-F238E27FC236}">
-                    <a16:creationId xmlns:a16="http://schemas.microsoft.com/office/drawing/2014/main" id="{D45F9FDD-AB54-4B8F-BFE7-452B545404FC}"/>
+                    <a16:creationId xmlns:a16="http://schemas.microsoft.com/office/drawing/2014/main" xmlns="" id="{D45F9FDD-AB54-4B8F-BFE7-452B545404FC}"/>
                   </a:ext>
                 </a:extLst>
               </p:cNvPr>
@@ -5708,7 +5708,7 @@
             <p:cNvPr id="242" name="Rectangle 241">
               <a:extLst>
                 <a:ext uri="{FF2B5EF4-FFF2-40B4-BE49-F238E27FC236}">
-                  <a16:creationId xmlns:a16="http://schemas.microsoft.com/office/drawing/2014/main" id="{A1ACEEB6-250C-4D90-88F1-31298717C5C8}"/>
+                  <a16:creationId xmlns:a16="http://schemas.microsoft.com/office/drawing/2014/main" xmlns="" id="{A1ACEEB6-250C-4D90-88F1-31298717C5C8}"/>
                 </a:ext>
               </a:extLst>
             </p:cNvPr>
@@ -5747,7 +5747,7 @@
           <p:cNvPr id="248" name="Groupe 247">
             <a:extLst>
               <a:ext uri="{FF2B5EF4-FFF2-40B4-BE49-F238E27FC236}">
-                <a16:creationId xmlns:a16="http://schemas.microsoft.com/office/drawing/2014/main" id="{62D45E91-A850-42CD-87A7-81BA2B936520}"/>
+                <a16:creationId xmlns:a16="http://schemas.microsoft.com/office/drawing/2014/main" xmlns="" id="{62D45E91-A850-42CD-87A7-81BA2B936520}"/>
               </a:ext>
             </a:extLst>
           </p:cNvPr>
@@ -5767,7 +5767,7 @@
             <p:cNvPr id="224" name="Groupe 223">
               <a:extLst>
                 <a:ext uri="{FF2B5EF4-FFF2-40B4-BE49-F238E27FC236}">
-                  <a16:creationId xmlns:a16="http://schemas.microsoft.com/office/drawing/2014/main" id="{B487B104-0079-49C5-B42F-69CD2BA40BE4}"/>
+                  <a16:creationId xmlns:a16="http://schemas.microsoft.com/office/drawing/2014/main" xmlns="" id="{B487B104-0079-49C5-B42F-69CD2BA40BE4}"/>
                 </a:ext>
               </a:extLst>
             </p:cNvPr>
@@ -5787,7 +5787,7 @@
               <p:cNvPr id="41" name="Connecteur : en arc 40">
                 <a:extLst>
                   <a:ext uri="{FF2B5EF4-FFF2-40B4-BE49-F238E27FC236}">
-                    <a16:creationId xmlns:a16="http://schemas.microsoft.com/office/drawing/2014/main" id="{8FD1A6E2-AD5D-4D41-B541-6DC6A8DCB5AA}"/>
+                    <a16:creationId xmlns:a16="http://schemas.microsoft.com/office/drawing/2014/main" xmlns="" id="{8FD1A6E2-AD5D-4D41-B541-6DC6A8DCB5AA}"/>
                   </a:ext>
                 </a:extLst>
               </p:cNvPr>
@@ -5834,7 +5834,7 @@
               <p:cNvPr id="210" name="Rectangle 209">
                 <a:extLst>
                   <a:ext uri="{FF2B5EF4-FFF2-40B4-BE49-F238E27FC236}">
-                    <a16:creationId xmlns:a16="http://schemas.microsoft.com/office/drawing/2014/main" id="{4513C605-CFFB-4473-B6F9-FF43A382C611}"/>
+                    <a16:creationId xmlns:a16="http://schemas.microsoft.com/office/drawing/2014/main" xmlns="" id="{4513C605-CFFB-4473-B6F9-FF43A382C611}"/>
                   </a:ext>
                 </a:extLst>
               </p:cNvPr>
@@ -5866,6 +5866,16 @@
                   </a:rPr>
                   <a:t>titles</a:t>
                 </a:r>
+                <a:r>
+                  <a:rPr lang="de-DE" sz="1200" dirty="0">
+                    <a:solidFill>
+                      <a:srgbClr val="C83500"/>
+                    </a:solidFill>
+                    <a:latin typeface="Courier New" panose="02070309020205020404" pitchFamily="49" charset="0"/>
+                    <a:cs typeface="Courier New" panose="02070309020205020404" pitchFamily="49" charset="0"/>
+                  </a:rPr>
+                  <a:t/>
+                </a:r>
                 <a:br>
                   <a:rPr lang="de-DE" sz="1200" dirty="0">
                     <a:solidFill>
@@ -5895,7 +5905,7 @@
             <p:cNvPr id="247" name="Rectangle 246">
               <a:extLst>
                 <a:ext uri="{FF2B5EF4-FFF2-40B4-BE49-F238E27FC236}">
-                  <a16:creationId xmlns:a16="http://schemas.microsoft.com/office/drawing/2014/main" id="{3B9EA33A-E823-4FCA-B45F-70719F313146}"/>
+                  <a16:creationId xmlns:a16="http://schemas.microsoft.com/office/drawing/2014/main" xmlns="" id="{3B9EA33A-E823-4FCA-B45F-70719F313146}"/>
                 </a:ext>
               </a:extLst>
             </p:cNvPr>
@@ -5934,7 +5944,7 @@
           <p:cNvPr id="250" name="Groupe 249">
             <a:extLst>
               <a:ext uri="{FF2B5EF4-FFF2-40B4-BE49-F238E27FC236}">
-                <a16:creationId xmlns:a16="http://schemas.microsoft.com/office/drawing/2014/main" id="{0292A784-905A-44FB-B2FF-6E283A1422D7}"/>
+                <a16:creationId xmlns:a16="http://schemas.microsoft.com/office/drawing/2014/main" xmlns="" id="{0292A784-905A-44FB-B2FF-6E283A1422D7}"/>
               </a:ext>
             </a:extLst>
           </p:cNvPr>
@@ -5954,7 +5964,7 @@
             <p:cNvPr id="225" name="Groupe 224">
               <a:extLst>
                 <a:ext uri="{FF2B5EF4-FFF2-40B4-BE49-F238E27FC236}">
-                  <a16:creationId xmlns:a16="http://schemas.microsoft.com/office/drawing/2014/main" id="{7DB693CD-B067-49DD-8516-88FA73060938}"/>
+                  <a16:creationId xmlns:a16="http://schemas.microsoft.com/office/drawing/2014/main" xmlns="" id="{7DB693CD-B067-49DD-8516-88FA73060938}"/>
                 </a:ext>
               </a:extLst>
             </p:cNvPr>
@@ -5974,7 +5984,7 @@
               <p:cNvPr id="34" name="Connecteur : en arc 33">
                 <a:extLst>
                   <a:ext uri="{FF2B5EF4-FFF2-40B4-BE49-F238E27FC236}">
-                    <a16:creationId xmlns:a16="http://schemas.microsoft.com/office/drawing/2014/main" id="{988974AC-C70F-4F8D-9C01-C1AF421E55F2}"/>
+                    <a16:creationId xmlns:a16="http://schemas.microsoft.com/office/drawing/2014/main" xmlns="" id="{988974AC-C70F-4F8D-9C01-C1AF421E55F2}"/>
                   </a:ext>
                 </a:extLst>
               </p:cNvPr>
@@ -6021,7 +6031,7 @@
               <p:cNvPr id="220" name="Rectangle 219">
                 <a:extLst>
                   <a:ext uri="{FF2B5EF4-FFF2-40B4-BE49-F238E27FC236}">
-                    <a16:creationId xmlns:a16="http://schemas.microsoft.com/office/drawing/2014/main" id="{12FECDFB-93C6-4218-AD80-A51A19EB1231}"/>
+                    <a16:creationId xmlns:a16="http://schemas.microsoft.com/office/drawing/2014/main" xmlns="" id="{12FECDFB-93C6-4218-AD80-A51A19EB1231}"/>
                   </a:ext>
                 </a:extLst>
               </p:cNvPr>
@@ -6063,7 +6073,7 @@
             <p:cNvPr id="249" name="Rectangle 248">
               <a:extLst>
                 <a:ext uri="{FF2B5EF4-FFF2-40B4-BE49-F238E27FC236}">
-                  <a16:creationId xmlns:a16="http://schemas.microsoft.com/office/drawing/2014/main" id="{7CF51630-6D21-43BD-9ABF-A36C148C91CD}"/>
+                  <a16:creationId xmlns:a16="http://schemas.microsoft.com/office/drawing/2014/main" xmlns="" id="{7CF51630-6D21-43BD-9ABF-A36C148C91CD}"/>
                 </a:ext>
               </a:extLst>
             </p:cNvPr>
@@ -6102,7 +6112,7 @@
           <p:cNvPr id="252" name="Groupe 251">
             <a:extLst>
               <a:ext uri="{FF2B5EF4-FFF2-40B4-BE49-F238E27FC236}">
-                <a16:creationId xmlns:a16="http://schemas.microsoft.com/office/drawing/2014/main" id="{658B128B-DFA3-412D-9833-A32F2D4FA274}"/>
+                <a16:creationId xmlns:a16="http://schemas.microsoft.com/office/drawing/2014/main" xmlns="" id="{658B128B-DFA3-412D-9833-A32F2D4FA274}"/>
               </a:ext>
             </a:extLst>
           </p:cNvPr>
@@ -6122,7 +6132,7 @@
             <p:cNvPr id="227" name="Groupe 226">
               <a:extLst>
                 <a:ext uri="{FF2B5EF4-FFF2-40B4-BE49-F238E27FC236}">
-                  <a16:creationId xmlns:a16="http://schemas.microsoft.com/office/drawing/2014/main" id="{6A9EB3A3-8FCD-4B62-88EE-57784056E0FB}"/>
+                  <a16:creationId xmlns:a16="http://schemas.microsoft.com/office/drawing/2014/main" xmlns="" id="{6A9EB3A3-8FCD-4B62-88EE-57784056E0FB}"/>
                 </a:ext>
               </a:extLst>
             </p:cNvPr>
@@ -6142,7 +6152,7 @@
               <p:cNvPr id="51" name="Connecteur : en arc 50">
                 <a:extLst>
                   <a:ext uri="{FF2B5EF4-FFF2-40B4-BE49-F238E27FC236}">
-                    <a16:creationId xmlns:a16="http://schemas.microsoft.com/office/drawing/2014/main" id="{4C12EF04-6FAF-4CF9-9F1A-3396FDD15CBE}"/>
+                    <a16:creationId xmlns:a16="http://schemas.microsoft.com/office/drawing/2014/main" xmlns="" id="{4C12EF04-6FAF-4CF9-9F1A-3396FDD15CBE}"/>
                   </a:ext>
                 </a:extLst>
               </p:cNvPr>
@@ -6189,7 +6199,7 @@
               <p:cNvPr id="222" name="Rectangle 221">
                 <a:extLst>
                   <a:ext uri="{FF2B5EF4-FFF2-40B4-BE49-F238E27FC236}">
-                    <a16:creationId xmlns:a16="http://schemas.microsoft.com/office/drawing/2014/main" id="{CF242167-15DD-4D98-A74E-68691DB02D0F}"/>
+                    <a16:creationId xmlns:a16="http://schemas.microsoft.com/office/drawing/2014/main" xmlns="" id="{CF242167-15DD-4D98-A74E-68691DB02D0F}"/>
                   </a:ext>
                 </a:extLst>
               </p:cNvPr>
@@ -6231,7 +6241,7 @@
             <p:cNvPr id="251" name="Rectangle 250">
               <a:extLst>
                 <a:ext uri="{FF2B5EF4-FFF2-40B4-BE49-F238E27FC236}">
-                  <a16:creationId xmlns:a16="http://schemas.microsoft.com/office/drawing/2014/main" id="{0958846B-ABED-46C9-84E6-E557D57FEE70}"/>
+                  <a16:creationId xmlns:a16="http://schemas.microsoft.com/office/drawing/2014/main" xmlns="" id="{0958846B-ABED-46C9-84E6-E557D57FEE70}"/>
                 </a:ext>
               </a:extLst>
             </p:cNvPr>
@@ -6270,7 +6280,7 @@
           <p:cNvPr id="254" name="Groupe 253">
             <a:extLst>
               <a:ext uri="{FF2B5EF4-FFF2-40B4-BE49-F238E27FC236}">
-                <a16:creationId xmlns:a16="http://schemas.microsoft.com/office/drawing/2014/main" id="{B7A87A26-7614-4407-906F-A1949BD7BC53}"/>
+                <a16:creationId xmlns:a16="http://schemas.microsoft.com/office/drawing/2014/main" xmlns="" id="{B7A87A26-7614-4407-906F-A1949BD7BC53}"/>
               </a:ext>
             </a:extLst>
           </p:cNvPr>
@@ -6290,7 +6300,7 @@
             <p:cNvPr id="228" name="Groupe 227">
               <a:extLst>
                 <a:ext uri="{FF2B5EF4-FFF2-40B4-BE49-F238E27FC236}">
-                  <a16:creationId xmlns:a16="http://schemas.microsoft.com/office/drawing/2014/main" id="{3ED08C46-F953-4475-B4D9-79091A9731BD}"/>
+                  <a16:creationId xmlns:a16="http://schemas.microsoft.com/office/drawing/2014/main" xmlns="" id="{3ED08C46-F953-4475-B4D9-79091A9731BD}"/>
                 </a:ext>
               </a:extLst>
             </p:cNvPr>
@@ -6310,7 +6320,7 @@
               <p:cNvPr id="44" name="Connecteur : en arc 43">
                 <a:extLst>
                   <a:ext uri="{FF2B5EF4-FFF2-40B4-BE49-F238E27FC236}">
-                    <a16:creationId xmlns:a16="http://schemas.microsoft.com/office/drawing/2014/main" id="{E1BC123C-F970-4684-8358-119125D6C140}"/>
+                    <a16:creationId xmlns:a16="http://schemas.microsoft.com/office/drawing/2014/main" xmlns="" id="{E1BC123C-F970-4684-8358-119125D6C140}"/>
                   </a:ext>
                 </a:extLst>
               </p:cNvPr>
@@ -6357,7 +6367,7 @@
               <p:cNvPr id="223" name="Rectangle 222">
                 <a:extLst>
                   <a:ext uri="{FF2B5EF4-FFF2-40B4-BE49-F238E27FC236}">
-                    <a16:creationId xmlns:a16="http://schemas.microsoft.com/office/drawing/2014/main" id="{6ED27AE7-9DC7-44A6-8EE2-CBA424E5EFFB}"/>
+                    <a16:creationId xmlns:a16="http://schemas.microsoft.com/office/drawing/2014/main" xmlns="" id="{6ED27AE7-9DC7-44A6-8EE2-CBA424E5EFFB}"/>
                   </a:ext>
                 </a:extLst>
               </p:cNvPr>
@@ -6420,7 +6430,7 @@
             <p:cNvPr id="253" name="Rectangle 252">
               <a:extLst>
                 <a:ext uri="{FF2B5EF4-FFF2-40B4-BE49-F238E27FC236}">
-                  <a16:creationId xmlns:a16="http://schemas.microsoft.com/office/drawing/2014/main" id="{729C0B9C-9FEB-4691-A069-D86D8B7A9192}"/>
+                  <a16:creationId xmlns:a16="http://schemas.microsoft.com/office/drawing/2014/main" xmlns="" id="{729C0B9C-9FEB-4691-A069-D86D8B7A9192}"/>
                 </a:ext>
               </a:extLst>
             </p:cNvPr>
@@ -6459,7 +6469,7 @@
           <p:cNvPr id="257" name="Groupe 256">
             <a:extLst>
               <a:ext uri="{FF2B5EF4-FFF2-40B4-BE49-F238E27FC236}">
-                <a16:creationId xmlns:a16="http://schemas.microsoft.com/office/drawing/2014/main" id="{BE063330-6D71-484C-95B3-96FB2E3D40B2}"/>
+                <a16:creationId xmlns:a16="http://schemas.microsoft.com/office/drawing/2014/main" xmlns="" id="{BE063330-6D71-484C-95B3-96FB2E3D40B2}"/>
               </a:ext>
             </a:extLst>
           </p:cNvPr>
@@ -6479,7 +6489,7 @@
             <p:cNvPr id="226" name="Groupe 225">
               <a:extLst>
                 <a:ext uri="{FF2B5EF4-FFF2-40B4-BE49-F238E27FC236}">
-                  <a16:creationId xmlns:a16="http://schemas.microsoft.com/office/drawing/2014/main" id="{E6BA0A63-6CAA-40A0-A091-7BF9B6FEC897}"/>
+                  <a16:creationId xmlns:a16="http://schemas.microsoft.com/office/drawing/2014/main" xmlns="" id="{E6BA0A63-6CAA-40A0-A091-7BF9B6FEC897}"/>
                 </a:ext>
               </a:extLst>
             </p:cNvPr>
@@ -6499,7 +6509,7 @@
               <p:cNvPr id="55" name="Connecteur : en arc 54">
                 <a:extLst>
                   <a:ext uri="{FF2B5EF4-FFF2-40B4-BE49-F238E27FC236}">
-                    <a16:creationId xmlns:a16="http://schemas.microsoft.com/office/drawing/2014/main" id="{6BD8E69D-2DA4-43AC-A49E-4A1C4A7A8C6E}"/>
+                    <a16:creationId xmlns:a16="http://schemas.microsoft.com/office/drawing/2014/main" xmlns="" id="{6BD8E69D-2DA4-43AC-A49E-4A1C4A7A8C6E}"/>
                   </a:ext>
                 </a:extLst>
               </p:cNvPr>
@@ -6548,7 +6558,7 @@
               <p:cNvPr id="221" name="Rectangle 220">
                 <a:extLst>
                   <a:ext uri="{FF2B5EF4-FFF2-40B4-BE49-F238E27FC236}">
-                    <a16:creationId xmlns:a16="http://schemas.microsoft.com/office/drawing/2014/main" id="{081F93FA-85D1-4372-B588-8B6E489B4152}"/>
+                    <a16:creationId xmlns:a16="http://schemas.microsoft.com/office/drawing/2014/main" xmlns="" id="{081F93FA-85D1-4372-B588-8B6E489B4152}"/>
                   </a:ext>
                 </a:extLst>
               </p:cNvPr>
@@ -6590,7 +6600,7 @@
             <p:cNvPr id="256" name="Rectangle 255">
               <a:extLst>
                 <a:ext uri="{FF2B5EF4-FFF2-40B4-BE49-F238E27FC236}">
-                  <a16:creationId xmlns:a16="http://schemas.microsoft.com/office/drawing/2014/main" id="{B51EEECD-83A3-4122-B747-918638DEB3FF}"/>
+                  <a16:creationId xmlns:a16="http://schemas.microsoft.com/office/drawing/2014/main" xmlns="" id="{B51EEECD-83A3-4122-B747-918638DEB3FF}"/>
                 </a:ext>
               </a:extLst>
             </p:cNvPr>
@@ -6629,7 +6639,7 @@
           <p:cNvPr id="259" name="Groupe 258">
             <a:extLst>
               <a:ext uri="{FF2B5EF4-FFF2-40B4-BE49-F238E27FC236}">
-                <a16:creationId xmlns:a16="http://schemas.microsoft.com/office/drawing/2014/main" id="{E776463C-2FCE-444C-B119-4EDBFDBB036F}"/>
+                <a16:creationId xmlns:a16="http://schemas.microsoft.com/office/drawing/2014/main" xmlns="" id="{E776463C-2FCE-444C-B119-4EDBFDBB036F}"/>
               </a:ext>
             </a:extLst>
           </p:cNvPr>
@@ -6649,7 +6659,7 @@
             <p:cNvPr id="230" name="Groupe 229">
               <a:extLst>
                 <a:ext uri="{FF2B5EF4-FFF2-40B4-BE49-F238E27FC236}">
-                  <a16:creationId xmlns:a16="http://schemas.microsoft.com/office/drawing/2014/main" id="{CFC9E40B-64AE-45DC-9390-88D6F7E641DC}"/>
+                  <a16:creationId xmlns:a16="http://schemas.microsoft.com/office/drawing/2014/main" xmlns="" id="{CFC9E40B-64AE-45DC-9390-88D6F7E641DC}"/>
                 </a:ext>
               </a:extLst>
             </p:cNvPr>
@@ -6669,7 +6679,7 @@
               <p:cNvPr id="26" name="Connecteur : en arc 25">
                 <a:extLst>
                   <a:ext uri="{FF2B5EF4-FFF2-40B4-BE49-F238E27FC236}">
-                    <a16:creationId xmlns:a16="http://schemas.microsoft.com/office/drawing/2014/main" id="{AFCA1296-D56B-436D-AD7B-DFAF4C4416ED}"/>
+                    <a16:creationId xmlns:a16="http://schemas.microsoft.com/office/drawing/2014/main" xmlns="" id="{AFCA1296-D56B-436D-AD7B-DFAF4C4416ED}"/>
                   </a:ext>
                 </a:extLst>
               </p:cNvPr>
@@ -6718,7 +6728,7 @@
               <p:cNvPr id="229" name="Rectangle 228">
                 <a:extLst>
                   <a:ext uri="{FF2B5EF4-FFF2-40B4-BE49-F238E27FC236}">
-                    <a16:creationId xmlns:a16="http://schemas.microsoft.com/office/drawing/2014/main" id="{B5781F7F-8910-4DF2-BAF3-CD432B381807}"/>
+                    <a16:creationId xmlns:a16="http://schemas.microsoft.com/office/drawing/2014/main" xmlns="" id="{B5781F7F-8910-4DF2-BAF3-CD432B381807}"/>
                   </a:ext>
                 </a:extLst>
               </p:cNvPr>
@@ -6760,7 +6770,7 @@
             <p:cNvPr id="258" name="Rectangle 257">
               <a:extLst>
                 <a:ext uri="{FF2B5EF4-FFF2-40B4-BE49-F238E27FC236}">
-                  <a16:creationId xmlns:a16="http://schemas.microsoft.com/office/drawing/2014/main" id="{38FEF4CF-7700-4A87-A46C-6B3257489DEA}"/>
+                  <a16:creationId xmlns:a16="http://schemas.microsoft.com/office/drawing/2014/main" xmlns="" id="{38FEF4CF-7700-4A87-A46C-6B3257489DEA}"/>
                 </a:ext>
               </a:extLst>
             </p:cNvPr>
@@ -6799,7 +6809,7 @@
           <p:cNvPr id="261" name="Groupe 260">
             <a:extLst>
               <a:ext uri="{FF2B5EF4-FFF2-40B4-BE49-F238E27FC236}">
-                <a16:creationId xmlns:a16="http://schemas.microsoft.com/office/drawing/2014/main" id="{8AE5E1FB-7117-420A-A33C-5D43A3673DA3}"/>
+                <a16:creationId xmlns:a16="http://schemas.microsoft.com/office/drawing/2014/main" xmlns="" id="{8AE5E1FB-7117-420A-A33C-5D43A3673DA3}"/>
               </a:ext>
             </a:extLst>
           </p:cNvPr>
@@ -6819,7 +6829,7 @@
             <p:cNvPr id="232" name="Groupe 231">
               <a:extLst>
                 <a:ext uri="{FF2B5EF4-FFF2-40B4-BE49-F238E27FC236}">
-                  <a16:creationId xmlns:a16="http://schemas.microsoft.com/office/drawing/2014/main" id="{EEEB0867-4FA0-41AC-85EF-56CE422D9C2F}"/>
+                  <a16:creationId xmlns:a16="http://schemas.microsoft.com/office/drawing/2014/main" xmlns="" id="{EEEB0867-4FA0-41AC-85EF-56CE422D9C2F}"/>
                 </a:ext>
               </a:extLst>
             </p:cNvPr>
@@ -6839,7 +6849,7 @@
               <p:cNvPr id="28" name="Connecteur : en arc 27">
                 <a:extLst>
                   <a:ext uri="{FF2B5EF4-FFF2-40B4-BE49-F238E27FC236}">
-                    <a16:creationId xmlns:a16="http://schemas.microsoft.com/office/drawing/2014/main" id="{54E65437-D69E-4412-9314-2B44E4C45F0C}"/>
+                    <a16:creationId xmlns:a16="http://schemas.microsoft.com/office/drawing/2014/main" xmlns="" id="{54E65437-D69E-4412-9314-2B44E4C45F0C}"/>
                   </a:ext>
                 </a:extLst>
               </p:cNvPr>
@@ -6888,7 +6898,7 @@
               <p:cNvPr id="231" name="Rectangle 230">
                 <a:extLst>
                   <a:ext uri="{FF2B5EF4-FFF2-40B4-BE49-F238E27FC236}">
-                    <a16:creationId xmlns:a16="http://schemas.microsoft.com/office/drawing/2014/main" id="{4E0A4EF3-42C0-4011-AF4B-94297934E52F}"/>
+                    <a16:creationId xmlns:a16="http://schemas.microsoft.com/office/drawing/2014/main" xmlns="" id="{4E0A4EF3-42C0-4011-AF4B-94297934E52F}"/>
                   </a:ext>
                 </a:extLst>
               </p:cNvPr>
@@ -6930,7 +6940,7 @@
             <p:cNvPr id="260" name="Rectangle 259">
               <a:extLst>
                 <a:ext uri="{FF2B5EF4-FFF2-40B4-BE49-F238E27FC236}">
-                  <a16:creationId xmlns:a16="http://schemas.microsoft.com/office/drawing/2014/main" id="{7D78B2BF-7907-4DCF-B391-46D935D2A444}"/>
+                  <a16:creationId xmlns:a16="http://schemas.microsoft.com/office/drawing/2014/main" xmlns="" id="{7D78B2BF-7907-4DCF-B391-46D935D2A444}"/>
                 </a:ext>
               </a:extLst>
             </p:cNvPr>
@@ -6969,7 +6979,7 @@
           <p:cNvPr id="263" name="Groupe 262">
             <a:extLst>
               <a:ext uri="{FF2B5EF4-FFF2-40B4-BE49-F238E27FC236}">
-                <a16:creationId xmlns:a16="http://schemas.microsoft.com/office/drawing/2014/main" id="{EBBFB3B8-AE04-4293-9489-36A5A6DDE9A4}"/>
+                <a16:creationId xmlns:a16="http://schemas.microsoft.com/office/drawing/2014/main" xmlns="" id="{EBBFB3B8-AE04-4293-9489-36A5A6DDE9A4}"/>
               </a:ext>
             </a:extLst>
           </p:cNvPr>
@@ -6989,7 +6999,7 @@
             <p:cNvPr id="234" name="Groupe 233">
               <a:extLst>
                 <a:ext uri="{FF2B5EF4-FFF2-40B4-BE49-F238E27FC236}">
-                  <a16:creationId xmlns:a16="http://schemas.microsoft.com/office/drawing/2014/main" id="{29652A4E-1788-4390-B754-3D6136EC93C5}"/>
+                  <a16:creationId xmlns:a16="http://schemas.microsoft.com/office/drawing/2014/main" xmlns="" id="{29652A4E-1788-4390-B754-3D6136EC93C5}"/>
                 </a:ext>
               </a:extLst>
             </p:cNvPr>
@@ -7009,7 +7019,7 @@
               <p:cNvPr id="31" name="Connecteur : en arc 30">
                 <a:extLst>
                   <a:ext uri="{FF2B5EF4-FFF2-40B4-BE49-F238E27FC236}">
-                    <a16:creationId xmlns:a16="http://schemas.microsoft.com/office/drawing/2014/main" id="{8CCC6898-2A13-4BEF-9988-5B06D69D09FA}"/>
+                    <a16:creationId xmlns:a16="http://schemas.microsoft.com/office/drawing/2014/main" xmlns="" id="{8CCC6898-2A13-4BEF-9988-5B06D69D09FA}"/>
                   </a:ext>
                 </a:extLst>
               </p:cNvPr>
@@ -7058,7 +7068,7 @@
               <p:cNvPr id="233" name="Rectangle 232">
                 <a:extLst>
                   <a:ext uri="{FF2B5EF4-FFF2-40B4-BE49-F238E27FC236}">
-                    <a16:creationId xmlns:a16="http://schemas.microsoft.com/office/drawing/2014/main" id="{4806322A-78EA-417D-AF6B-3C45E812CD6B}"/>
+                    <a16:creationId xmlns:a16="http://schemas.microsoft.com/office/drawing/2014/main" xmlns="" id="{4806322A-78EA-417D-AF6B-3C45E812CD6B}"/>
                   </a:ext>
                 </a:extLst>
               </p:cNvPr>
@@ -7100,7 +7110,7 @@
             <p:cNvPr id="262" name="Rectangle 261">
               <a:extLst>
                 <a:ext uri="{FF2B5EF4-FFF2-40B4-BE49-F238E27FC236}">
-                  <a16:creationId xmlns:a16="http://schemas.microsoft.com/office/drawing/2014/main" id="{EF8B624D-D59C-4FA9-B9B7-731C004C7026}"/>
+                  <a16:creationId xmlns:a16="http://schemas.microsoft.com/office/drawing/2014/main" xmlns="" id="{EF8B624D-D59C-4FA9-B9B7-731C004C7026}"/>
                 </a:ext>
               </a:extLst>
             </p:cNvPr>
@@ -7139,7 +7149,7 @@
           <p:cNvPr id="266" name="Groupe 265">
             <a:extLst>
               <a:ext uri="{FF2B5EF4-FFF2-40B4-BE49-F238E27FC236}">
-                <a16:creationId xmlns:a16="http://schemas.microsoft.com/office/drawing/2014/main" id="{71ACD0C0-1FAF-4BA9-83CC-4D812D6C8EDC}"/>
+                <a16:creationId xmlns:a16="http://schemas.microsoft.com/office/drawing/2014/main" xmlns="" id="{71ACD0C0-1FAF-4BA9-83CC-4D812D6C8EDC}"/>
               </a:ext>
             </a:extLst>
           </p:cNvPr>
@@ -7159,7 +7169,7 @@
             <p:cNvPr id="240" name="Groupe 239">
               <a:extLst>
                 <a:ext uri="{FF2B5EF4-FFF2-40B4-BE49-F238E27FC236}">
-                  <a16:creationId xmlns:a16="http://schemas.microsoft.com/office/drawing/2014/main" id="{E27005FE-8349-4857-BD75-B5238FA4F70A}"/>
+                  <a16:creationId xmlns:a16="http://schemas.microsoft.com/office/drawing/2014/main" xmlns="" id="{E27005FE-8349-4857-BD75-B5238FA4F70A}"/>
                 </a:ext>
               </a:extLst>
             </p:cNvPr>
@@ -7179,7 +7189,7 @@
               <p:cNvPr id="61" name="Connecteur : en arc 60">
                 <a:extLst>
                   <a:ext uri="{FF2B5EF4-FFF2-40B4-BE49-F238E27FC236}">
-                    <a16:creationId xmlns:a16="http://schemas.microsoft.com/office/drawing/2014/main" id="{30BB4389-8662-4941-BE88-C9273198A8AB}"/>
+                    <a16:creationId xmlns:a16="http://schemas.microsoft.com/office/drawing/2014/main" xmlns="" id="{30BB4389-8662-4941-BE88-C9273198A8AB}"/>
                   </a:ext>
                 </a:extLst>
               </p:cNvPr>
@@ -7228,7 +7238,7 @@
               <p:cNvPr id="235" name="Rectangle 234">
                 <a:extLst>
                   <a:ext uri="{FF2B5EF4-FFF2-40B4-BE49-F238E27FC236}">
-                    <a16:creationId xmlns:a16="http://schemas.microsoft.com/office/drawing/2014/main" id="{9D7CC958-35D9-434A-B4B9-118A58C70616}"/>
+                    <a16:creationId xmlns:a16="http://schemas.microsoft.com/office/drawing/2014/main" xmlns="" id="{9D7CC958-35D9-434A-B4B9-118A58C70616}"/>
                   </a:ext>
                 </a:extLst>
               </p:cNvPr>
@@ -7291,7 +7301,7 @@
             <p:cNvPr id="264" name="Rectangle 263">
               <a:extLst>
                 <a:ext uri="{FF2B5EF4-FFF2-40B4-BE49-F238E27FC236}">
-                  <a16:creationId xmlns:a16="http://schemas.microsoft.com/office/drawing/2014/main" id="{B74D758A-FF12-4F56-BB67-DF122DA294CB}"/>
+                  <a16:creationId xmlns:a16="http://schemas.microsoft.com/office/drawing/2014/main" xmlns="" id="{B74D758A-FF12-4F56-BB67-DF122DA294CB}"/>
                 </a:ext>
               </a:extLst>
             </p:cNvPr>
@@ -7330,7 +7340,7 @@
           <p:cNvPr id="267" name="Groupe 266">
             <a:extLst>
               <a:ext uri="{FF2B5EF4-FFF2-40B4-BE49-F238E27FC236}">
-                <a16:creationId xmlns:a16="http://schemas.microsoft.com/office/drawing/2014/main" id="{2FB6C5D0-45DE-428F-86E9-8AE99F2DC2B9}"/>
+                <a16:creationId xmlns:a16="http://schemas.microsoft.com/office/drawing/2014/main" xmlns="" id="{2FB6C5D0-45DE-428F-86E9-8AE99F2DC2B9}"/>
               </a:ext>
             </a:extLst>
           </p:cNvPr>
@@ -7350,7 +7360,7 @@
             <p:cNvPr id="239" name="Groupe 238">
               <a:extLst>
                 <a:ext uri="{FF2B5EF4-FFF2-40B4-BE49-F238E27FC236}">
-                  <a16:creationId xmlns:a16="http://schemas.microsoft.com/office/drawing/2014/main" id="{318A8732-6BA5-4E5B-93C6-BFC34C68C40B}"/>
+                  <a16:creationId xmlns:a16="http://schemas.microsoft.com/office/drawing/2014/main" xmlns="" id="{318A8732-6BA5-4E5B-93C6-BFC34C68C40B}"/>
                 </a:ext>
               </a:extLst>
             </p:cNvPr>
@@ -7370,7 +7380,7 @@
               <p:cNvPr id="68" name="Connecteur : en arc 67">
                 <a:extLst>
                   <a:ext uri="{FF2B5EF4-FFF2-40B4-BE49-F238E27FC236}">
-                    <a16:creationId xmlns:a16="http://schemas.microsoft.com/office/drawing/2014/main" id="{F8C8B240-31EE-4482-A092-E874BD06EDBB}"/>
+                    <a16:creationId xmlns:a16="http://schemas.microsoft.com/office/drawing/2014/main" xmlns="" id="{F8C8B240-31EE-4482-A092-E874BD06EDBB}"/>
                   </a:ext>
                 </a:extLst>
               </p:cNvPr>
@@ -7419,7 +7429,7 @@
               <p:cNvPr id="236" name="Rectangle 235">
                 <a:extLst>
                   <a:ext uri="{FF2B5EF4-FFF2-40B4-BE49-F238E27FC236}">
-                    <a16:creationId xmlns:a16="http://schemas.microsoft.com/office/drawing/2014/main" id="{AC96DE9E-35F0-47B2-B1F2-5FBFFF3F73A9}"/>
+                    <a16:creationId xmlns:a16="http://schemas.microsoft.com/office/drawing/2014/main" xmlns="" id="{AC96DE9E-35F0-47B2-B1F2-5FBFFF3F73A9}"/>
                   </a:ext>
                 </a:extLst>
               </p:cNvPr>
@@ -7499,7 +7509,7 @@
             <p:cNvPr id="265" name="Rectangle 264">
               <a:extLst>
                 <a:ext uri="{FF2B5EF4-FFF2-40B4-BE49-F238E27FC236}">
-                  <a16:creationId xmlns:a16="http://schemas.microsoft.com/office/drawing/2014/main" id="{04AE8CA1-1BA8-4006-ABA6-C1CAE9A45305}"/>
+                  <a16:creationId xmlns:a16="http://schemas.microsoft.com/office/drawing/2014/main" xmlns="" id="{04AE8CA1-1BA8-4006-ABA6-C1CAE9A45305}"/>
                 </a:ext>
               </a:extLst>
             </p:cNvPr>
@@ -7538,7 +7548,7 @@
           <p:cNvPr id="269" name="Groupe 268">
             <a:extLst>
               <a:ext uri="{FF2B5EF4-FFF2-40B4-BE49-F238E27FC236}">
-                <a16:creationId xmlns:a16="http://schemas.microsoft.com/office/drawing/2014/main" id="{DFBA53FD-6D49-4749-BECE-C92A08698174}"/>
+                <a16:creationId xmlns:a16="http://schemas.microsoft.com/office/drawing/2014/main" xmlns="" id="{DFBA53FD-6D49-4749-BECE-C92A08698174}"/>
               </a:ext>
             </a:extLst>
           </p:cNvPr>
@@ -7558,7 +7568,7 @@
             <p:cNvPr id="238" name="Groupe 237">
               <a:extLst>
                 <a:ext uri="{FF2B5EF4-FFF2-40B4-BE49-F238E27FC236}">
-                  <a16:creationId xmlns:a16="http://schemas.microsoft.com/office/drawing/2014/main" id="{40491622-191D-496C-8A8A-902C0076977C}"/>
+                  <a16:creationId xmlns:a16="http://schemas.microsoft.com/office/drawing/2014/main" xmlns="" id="{40491622-191D-496C-8A8A-902C0076977C}"/>
                 </a:ext>
               </a:extLst>
             </p:cNvPr>
@@ -7578,7 +7588,7 @@
               <p:cNvPr id="196" name="Connecteur : en arc 195">
                 <a:extLst>
                   <a:ext uri="{FF2B5EF4-FFF2-40B4-BE49-F238E27FC236}">
-                    <a16:creationId xmlns:a16="http://schemas.microsoft.com/office/drawing/2014/main" id="{E04A0D7D-558D-45A0-A5C7-8F282FB3EA9D}"/>
+                    <a16:creationId xmlns:a16="http://schemas.microsoft.com/office/drawing/2014/main" xmlns="" id="{E04A0D7D-558D-45A0-A5C7-8F282FB3EA9D}"/>
                   </a:ext>
                 </a:extLst>
               </p:cNvPr>
@@ -7627,7 +7637,7 @@
               <p:cNvPr id="237" name="Rectangle 236">
                 <a:extLst>
                   <a:ext uri="{FF2B5EF4-FFF2-40B4-BE49-F238E27FC236}">
-                    <a16:creationId xmlns:a16="http://schemas.microsoft.com/office/drawing/2014/main" id="{B352AE56-7CEC-486F-B727-5D3653FCC081}"/>
+                    <a16:creationId xmlns:a16="http://schemas.microsoft.com/office/drawing/2014/main" xmlns="" id="{B352AE56-7CEC-486F-B727-5D3653FCC081}"/>
                   </a:ext>
                 </a:extLst>
               </p:cNvPr>
@@ -7669,7 +7679,7 @@
             <p:cNvPr id="268" name="Rectangle 267">
               <a:extLst>
                 <a:ext uri="{FF2B5EF4-FFF2-40B4-BE49-F238E27FC236}">
-                  <a16:creationId xmlns:a16="http://schemas.microsoft.com/office/drawing/2014/main" id="{110A939E-CAE5-4407-8592-E680176895D6}"/>
+                  <a16:creationId xmlns:a16="http://schemas.microsoft.com/office/drawing/2014/main" xmlns="" id="{110A939E-CAE5-4407-8592-E680176895D6}"/>
                 </a:ext>
               </a:extLst>
             </p:cNvPr>
@@ -7738,7 +7748,7 @@
           <p:cNvPr id="84" name="Tableau 83">
             <a:extLst>
               <a:ext uri="{FF2B5EF4-FFF2-40B4-BE49-F238E27FC236}">
-                <a16:creationId xmlns:a16="http://schemas.microsoft.com/office/drawing/2014/main" id="{A58CBD4E-E702-4FF8-9E49-93026FA56D41}"/>
+                <a16:creationId xmlns:a16="http://schemas.microsoft.com/office/drawing/2014/main" xmlns="" id="{A58CBD4E-E702-4FF8-9E49-93026FA56D41}"/>
               </a:ext>
             </a:extLst>
           </p:cNvPr>
@@ -7767,7 +7777,7 @@
                 <a:gridCol w="2833991">
                   <a:extLst>
                     <a:ext uri="{9D8B030D-6E8A-4147-A177-3AD203B41FA5}">
-                      <a16:colId xmlns:a16="http://schemas.microsoft.com/office/drawing/2014/main" val="3894525368"/>
+                      <a16:colId xmlns:a16="http://schemas.microsoft.com/office/drawing/2014/main" xmlns="" val="3894525368"/>
                     </a:ext>
                   </a:extLst>
                 </a:gridCol>
@@ -7806,7 +7816,7 @@
                 </a:tc>
                 <a:extLst>
                   <a:ext uri="{0D108BD9-81ED-4DB2-BD59-A6C34878D82A}">
-                    <a16:rowId xmlns:a16="http://schemas.microsoft.com/office/drawing/2014/main" val="1036213551"/>
+                    <a16:rowId xmlns:a16="http://schemas.microsoft.com/office/drawing/2014/main" xmlns="" val="1036213551"/>
                   </a:ext>
                 </a:extLst>
               </a:tr>
@@ -7873,7 +7883,7 @@
                 </a:tc>
                 <a:extLst>
                   <a:ext uri="{0D108BD9-81ED-4DB2-BD59-A6C34878D82A}">
-                    <a16:rowId xmlns:a16="http://schemas.microsoft.com/office/drawing/2014/main" val="3926668962"/>
+                    <a16:rowId xmlns:a16="http://schemas.microsoft.com/office/drawing/2014/main" xmlns="" val="3926668962"/>
                   </a:ext>
                 </a:extLst>
               </a:tr>
@@ -7940,7 +7950,7 @@
                 </a:tc>
                 <a:extLst>
                   <a:ext uri="{0D108BD9-81ED-4DB2-BD59-A6C34878D82A}">
-                    <a16:rowId xmlns:a16="http://schemas.microsoft.com/office/drawing/2014/main" val="1760400032"/>
+                    <a16:rowId xmlns:a16="http://schemas.microsoft.com/office/drawing/2014/main" xmlns="" val="1760400032"/>
                   </a:ext>
                 </a:extLst>
               </a:tr>
@@ -8017,7 +8027,7 @@
                 </a:tc>
                 <a:extLst>
                   <a:ext uri="{0D108BD9-81ED-4DB2-BD59-A6C34878D82A}">
-                    <a16:rowId xmlns:a16="http://schemas.microsoft.com/office/drawing/2014/main" val="1601284890"/>
+                    <a16:rowId xmlns:a16="http://schemas.microsoft.com/office/drawing/2014/main" xmlns="" val="1601284890"/>
                   </a:ext>
                 </a:extLst>
               </a:tr>
@@ -8064,7 +8074,7 @@
                 </a:tc>
                 <a:extLst>
                   <a:ext uri="{0D108BD9-81ED-4DB2-BD59-A6C34878D82A}">
-                    <a16:rowId xmlns:a16="http://schemas.microsoft.com/office/drawing/2014/main" val="3367285118"/>
+                    <a16:rowId xmlns:a16="http://schemas.microsoft.com/office/drawing/2014/main" xmlns="" val="3367285118"/>
                   </a:ext>
                 </a:extLst>
               </a:tr>
@@ -8161,7 +8171,7 @@
                 </a:tc>
                 <a:extLst>
                   <a:ext uri="{0D108BD9-81ED-4DB2-BD59-A6C34878D82A}">
-                    <a16:rowId xmlns:a16="http://schemas.microsoft.com/office/drawing/2014/main" val="1928768376"/>
+                    <a16:rowId xmlns:a16="http://schemas.microsoft.com/office/drawing/2014/main" xmlns="" val="1928768376"/>
                   </a:ext>
                 </a:extLst>
               </a:tr>
@@ -8238,7 +8248,7 @@
                 </a:tc>
                 <a:extLst>
                   <a:ext uri="{0D108BD9-81ED-4DB2-BD59-A6C34878D82A}">
-                    <a16:rowId xmlns:a16="http://schemas.microsoft.com/office/drawing/2014/main" val="120678060"/>
+                    <a16:rowId xmlns:a16="http://schemas.microsoft.com/office/drawing/2014/main" xmlns="" val="120678060"/>
                   </a:ext>
                 </a:extLst>
               </a:tr>
@@ -8295,7 +8305,7 @@
                 </a:tc>
                 <a:extLst>
                   <a:ext uri="{0D108BD9-81ED-4DB2-BD59-A6C34878D82A}">
-                    <a16:rowId xmlns:a16="http://schemas.microsoft.com/office/drawing/2014/main" val="4191626116"/>
+                    <a16:rowId xmlns:a16="http://schemas.microsoft.com/office/drawing/2014/main" xmlns="" val="4191626116"/>
                   </a:ext>
                 </a:extLst>
               </a:tr>
@@ -8369,7 +8379,7 @@
                 </a:tc>
                 <a:extLst>
                   <a:ext uri="{0D108BD9-81ED-4DB2-BD59-A6C34878D82A}">
-                    <a16:rowId xmlns:a16="http://schemas.microsoft.com/office/drawing/2014/main" val="29171803"/>
+                    <a16:rowId xmlns:a16="http://schemas.microsoft.com/office/drawing/2014/main" xmlns="" val="29171803"/>
                   </a:ext>
                 </a:extLst>
               </a:tr>
@@ -8443,7 +8453,7 @@
                 </a:tc>
                 <a:extLst>
                   <a:ext uri="{0D108BD9-81ED-4DB2-BD59-A6C34878D82A}">
-                    <a16:rowId xmlns:a16="http://schemas.microsoft.com/office/drawing/2014/main" val="1677639128"/>
+                    <a16:rowId xmlns:a16="http://schemas.microsoft.com/office/drawing/2014/main" xmlns="" val="1677639128"/>
                   </a:ext>
                 </a:extLst>
               </a:tr>
@@ -8537,7 +8547,7 @@
                 </a:tc>
                 <a:extLst>
                   <a:ext uri="{0D108BD9-81ED-4DB2-BD59-A6C34878D82A}">
-                    <a16:rowId xmlns:a16="http://schemas.microsoft.com/office/drawing/2014/main" val="1831489013"/>
+                    <a16:rowId xmlns:a16="http://schemas.microsoft.com/office/drawing/2014/main" xmlns="" val="1831489013"/>
                   </a:ext>
                 </a:extLst>
               </a:tr>
@@ -8550,7 +8560,7 @@
           <p:cNvPr id="85" name="Tableau 84">
             <a:extLst>
               <a:ext uri="{FF2B5EF4-FFF2-40B4-BE49-F238E27FC236}">
-                <a16:creationId xmlns:a16="http://schemas.microsoft.com/office/drawing/2014/main" id="{894DDC1A-8098-4ED6-9DDA-C6CC52645C1B}"/>
+                <a16:creationId xmlns:a16="http://schemas.microsoft.com/office/drawing/2014/main" xmlns="" id="{894DDC1A-8098-4ED6-9DDA-C6CC52645C1B}"/>
               </a:ext>
             </a:extLst>
           </p:cNvPr>
@@ -8579,7 +8589,7 @@
                 <a:gridCol w="2833991">
                   <a:extLst>
                     <a:ext uri="{9D8B030D-6E8A-4147-A177-3AD203B41FA5}">
-                      <a16:colId xmlns:a16="http://schemas.microsoft.com/office/drawing/2014/main" val="3894525368"/>
+                      <a16:colId xmlns:a16="http://schemas.microsoft.com/office/drawing/2014/main" xmlns="" val="3894525368"/>
                     </a:ext>
                   </a:extLst>
                 </a:gridCol>
@@ -8618,7 +8628,7 @@
                 </a:tc>
                 <a:extLst>
                   <a:ext uri="{0D108BD9-81ED-4DB2-BD59-A6C34878D82A}">
-                    <a16:rowId xmlns:a16="http://schemas.microsoft.com/office/drawing/2014/main" val="1036213551"/>
+                    <a16:rowId xmlns:a16="http://schemas.microsoft.com/office/drawing/2014/main" xmlns="" val="1036213551"/>
                   </a:ext>
                 </a:extLst>
               </a:tr>
@@ -8685,7 +8695,7 @@
                 </a:tc>
                 <a:extLst>
                   <a:ext uri="{0D108BD9-81ED-4DB2-BD59-A6C34878D82A}">
-                    <a16:rowId xmlns:a16="http://schemas.microsoft.com/office/drawing/2014/main" val="3926668962"/>
+                    <a16:rowId xmlns:a16="http://schemas.microsoft.com/office/drawing/2014/main" xmlns="" val="3926668962"/>
                   </a:ext>
                 </a:extLst>
               </a:tr>
@@ -8698,7 +8708,7 @@
           <p:cNvPr id="86" name="Tableau 85">
             <a:extLst>
               <a:ext uri="{FF2B5EF4-FFF2-40B4-BE49-F238E27FC236}">
-                <a16:creationId xmlns:a16="http://schemas.microsoft.com/office/drawing/2014/main" id="{394A6FFA-E4AF-4271-8B2C-7C8D8A04F2E9}"/>
+                <a16:creationId xmlns:a16="http://schemas.microsoft.com/office/drawing/2014/main" xmlns="" id="{394A6FFA-E4AF-4271-8B2C-7C8D8A04F2E9}"/>
               </a:ext>
             </a:extLst>
           </p:cNvPr>
@@ -8727,7 +8737,7 @@
                 <a:gridCol w="2833991">
                   <a:extLst>
                     <a:ext uri="{9D8B030D-6E8A-4147-A177-3AD203B41FA5}">
-                      <a16:colId xmlns:a16="http://schemas.microsoft.com/office/drawing/2014/main" val="3894525368"/>
+                      <a16:colId xmlns:a16="http://schemas.microsoft.com/office/drawing/2014/main" xmlns="" val="3894525368"/>
                     </a:ext>
                   </a:extLst>
                 </a:gridCol>
@@ -8766,7 +8776,7 @@
                 </a:tc>
                 <a:extLst>
                   <a:ext uri="{0D108BD9-81ED-4DB2-BD59-A6C34878D82A}">
-                    <a16:rowId xmlns:a16="http://schemas.microsoft.com/office/drawing/2014/main" val="1036213551"/>
+                    <a16:rowId xmlns:a16="http://schemas.microsoft.com/office/drawing/2014/main" xmlns="" val="1036213551"/>
                   </a:ext>
                 </a:extLst>
               </a:tr>
@@ -8833,7 +8843,7 @@
                 </a:tc>
                 <a:extLst>
                   <a:ext uri="{0D108BD9-81ED-4DB2-BD59-A6C34878D82A}">
-                    <a16:rowId xmlns:a16="http://schemas.microsoft.com/office/drawing/2014/main" val="3926668962"/>
+                    <a16:rowId xmlns:a16="http://schemas.microsoft.com/office/drawing/2014/main" xmlns="" val="3926668962"/>
                   </a:ext>
                 </a:extLst>
               </a:tr>
@@ -8917,7 +8927,7 @@
                 </a:tc>
                 <a:extLst>
                   <a:ext uri="{0D108BD9-81ED-4DB2-BD59-A6C34878D82A}">
-                    <a16:rowId xmlns:a16="http://schemas.microsoft.com/office/drawing/2014/main" val="29171803"/>
+                    <a16:rowId xmlns:a16="http://schemas.microsoft.com/office/drawing/2014/main" xmlns="" val="29171803"/>
                   </a:ext>
                 </a:extLst>
               </a:tr>
@@ -8930,7 +8940,7 @@
           <p:cNvPr id="87" name="Tableau 86">
             <a:extLst>
               <a:ext uri="{FF2B5EF4-FFF2-40B4-BE49-F238E27FC236}">
-                <a16:creationId xmlns:a16="http://schemas.microsoft.com/office/drawing/2014/main" id="{A0EFCDD8-719F-4BFF-BFEA-139FB771F50E}"/>
+                <a16:creationId xmlns:a16="http://schemas.microsoft.com/office/drawing/2014/main" xmlns="" id="{A0EFCDD8-719F-4BFF-BFEA-139FB771F50E}"/>
               </a:ext>
             </a:extLst>
           </p:cNvPr>
@@ -8959,7 +8969,7 @@
                 <a:gridCol w="2833991">
                   <a:extLst>
                     <a:ext uri="{9D8B030D-6E8A-4147-A177-3AD203B41FA5}">
-                      <a16:colId xmlns:a16="http://schemas.microsoft.com/office/drawing/2014/main" val="3894525368"/>
+                      <a16:colId xmlns:a16="http://schemas.microsoft.com/office/drawing/2014/main" xmlns="" val="3894525368"/>
                     </a:ext>
                   </a:extLst>
                 </a:gridCol>
@@ -8998,7 +9008,7 @@
                 </a:tc>
                 <a:extLst>
                   <a:ext uri="{0D108BD9-81ED-4DB2-BD59-A6C34878D82A}">
-                    <a16:rowId xmlns:a16="http://schemas.microsoft.com/office/drawing/2014/main" val="1036213551"/>
+                    <a16:rowId xmlns:a16="http://schemas.microsoft.com/office/drawing/2014/main" xmlns="" val="1036213551"/>
                   </a:ext>
                 </a:extLst>
               </a:tr>
@@ -9055,7 +9065,7 @@
                 </a:tc>
                 <a:extLst>
                   <a:ext uri="{0D108BD9-81ED-4DB2-BD59-A6C34878D82A}">
-                    <a16:rowId xmlns:a16="http://schemas.microsoft.com/office/drawing/2014/main" val="3926668962"/>
+                    <a16:rowId xmlns:a16="http://schemas.microsoft.com/office/drawing/2014/main" xmlns="" val="3926668962"/>
                   </a:ext>
                 </a:extLst>
               </a:tr>
@@ -9119,7 +9129,7 @@
                 </a:tc>
                 <a:extLst>
                   <a:ext uri="{0D108BD9-81ED-4DB2-BD59-A6C34878D82A}">
-                    <a16:rowId xmlns:a16="http://schemas.microsoft.com/office/drawing/2014/main" val="29171803"/>
+                    <a16:rowId xmlns:a16="http://schemas.microsoft.com/office/drawing/2014/main" xmlns="" val="29171803"/>
                   </a:ext>
                 </a:extLst>
               </a:tr>
@@ -9132,7 +9142,7 @@
           <p:cNvPr id="88" name="Tableau 87">
             <a:extLst>
               <a:ext uri="{FF2B5EF4-FFF2-40B4-BE49-F238E27FC236}">
-                <a16:creationId xmlns:a16="http://schemas.microsoft.com/office/drawing/2014/main" id="{2E3D336C-5F88-4587-BF66-A364179B88EE}"/>
+                <a16:creationId xmlns:a16="http://schemas.microsoft.com/office/drawing/2014/main" xmlns="" id="{2E3D336C-5F88-4587-BF66-A364179B88EE}"/>
               </a:ext>
             </a:extLst>
           </p:cNvPr>
@@ -9161,7 +9171,7 @@
                 <a:gridCol w="2833991">
                   <a:extLst>
                     <a:ext uri="{9D8B030D-6E8A-4147-A177-3AD203B41FA5}">
-                      <a16:colId xmlns:a16="http://schemas.microsoft.com/office/drawing/2014/main" val="3894525368"/>
+                      <a16:colId xmlns:a16="http://schemas.microsoft.com/office/drawing/2014/main" xmlns="" val="3894525368"/>
                     </a:ext>
                   </a:extLst>
                 </a:gridCol>
@@ -9200,7 +9210,7 @@
                 </a:tc>
                 <a:extLst>
                   <a:ext uri="{0D108BD9-81ED-4DB2-BD59-A6C34878D82A}">
-                    <a16:rowId xmlns:a16="http://schemas.microsoft.com/office/drawing/2014/main" val="1036213551"/>
+                    <a16:rowId xmlns:a16="http://schemas.microsoft.com/office/drawing/2014/main" xmlns="" val="1036213551"/>
                   </a:ext>
                 </a:extLst>
               </a:tr>
@@ -9257,7 +9267,7 @@
                 </a:tc>
                 <a:extLst>
                   <a:ext uri="{0D108BD9-81ED-4DB2-BD59-A6C34878D82A}">
-                    <a16:rowId xmlns:a16="http://schemas.microsoft.com/office/drawing/2014/main" val="3926668962"/>
+                    <a16:rowId xmlns:a16="http://schemas.microsoft.com/office/drawing/2014/main" xmlns="" val="3926668962"/>
                   </a:ext>
                 </a:extLst>
               </a:tr>
@@ -9321,7 +9331,7 @@
                 </a:tc>
                 <a:extLst>
                   <a:ext uri="{0D108BD9-81ED-4DB2-BD59-A6C34878D82A}">
-                    <a16:rowId xmlns:a16="http://schemas.microsoft.com/office/drawing/2014/main" val="29171803"/>
+                    <a16:rowId xmlns:a16="http://schemas.microsoft.com/office/drawing/2014/main" xmlns="" val="29171803"/>
                   </a:ext>
                 </a:extLst>
               </a:tr>
@@ -9334,7 +9344,7 @@
           <p:cNvPr id="89" name="Connecteur : en angle 88">
             <a:extLst>
               <a:ext uri="{FF2B5EF4-FFF2-40B4-BE49-F238E27FC236}">
-                <a16:creationId xmlns:a16="http://schemas.microsoft.com/office/drawing/2014/main" id="{F9C4A0E6-A7D2-482C-8075-8FB758ED5BA6}"/>
+                <a16:creationId xmlns:a16="http://schemas.microsoft.com/office/drawing/2014/main" xmlns="" id="{F9C4A0E6-A7D2-482C-8075-8FB758ED5BA6}"/>
               </a:ext>
             </a:extLst>
           </p:cNvPr>
@@ -9382,7 +9392,7 @@
           <p:cNvPr id="90" name="Triangle isocèle 89">
             <a:extLst>
               <a:ext uri="{FF2B5EF4-FFF2-40B4-BE49-F238E27FC236}">
-                <a16:creationId xmlns:a16="http://schemas.microsoft.com/office/drawing/2014/main" id="{177AD367-344D-471A-A369-4B67A4DF9D96}"/>
+                <a16:creationId xmlns:a16="http://schemas.microsoft.com/office/drawing/2014/main" xmlns="" id="{177AD367-344D-471A-A369-4B67A4DF9D96}"/>
               </a:ext>
             </a:extLst>
           </p:cNvPr>
@@ -9436,7 +9446,7 @@
           <p:cNvPr id="92" name="Connecteur : en angle 91">
             <a:extLst>
               <a:ext uri="{FF2B5EF4-FFF2-40B4-BE49-F238E27FC236}">
-                <a16:creationId xmlns:a16="http://schemas.microsoft.com/office/drawing/2014/main" id="{81965B46-E32F-446C-8DC9-015916228C7B}"/>
+                <a16:creationId xmlns:a16="http://schemas.microsoft.com/office/drawing/2014/main" xmlns="" id="{81965B46-E32F-446C-8DC9-015916228C7B}"/>
               </a:ext>
             </a:extLst>
           </p:cNvPr>
@@ -9484,7 +9494,7 @@
           <p:cNvPr id="95" name="Connecteur : en angle 94">
             <a:extLst>
               <a:ext uri="{FF2B5EF4-FFF2-40B4-BE49-F238E27FC236}">
-                <a16:creationId xmlns:a16="http://schemas.microsoft.com/office/drawing/2014/main" id="{CE1A82E2-C2BC-42B6-8AC1-37D48F4F7814}"/>
+                <a16:creationId xmlns:a16="http://schemas.microsoft.com/office/drawing/2014/main" xmlns="" id="{CE1A82E2-C2BC-42B6-8AC1-37D48F4F7814}"/>
               </a:ext>
             </a:extLst>
           </p:cNvPr>
@@ -9532,7 +9542,7 @@
           <p:cNvPr id="99" name="Connecteur : en angle 98">
             <a:extLst>
               <a:ext uri="{FF2B5EF4-FFF2-40B4-BE49-F238E27FC236}">
-                <a16:creationId xmlns:a16="http://schemas.microsoft.com/office/drawing/2014/main" id="{F4FB4C3E-C887-4597-85C2-964AF4C05135}"/>
+                <a16:creationId xmlns:a16="http://schemas.microsoft.com/office/drawing/2014/main" xmlns="" id="{F4FB4C3E-C887-4597-85C2-964AF4C05135}"/>
               </a:ext>
             </a:extLst>
           </p:cNvPr>
@@ -9580,7 +9590,7 @@
           <p:cNvPr id="102" name="Tableau 101">
             <a:extLst>
               <a:ext uri="{FF2B5EF4-FFF2-40B4-BE49-F238E27FC236}">
-                <a16:creationId xmlns:a16="http://schemas.microsoft.com/office/drawing/2014/main" id="{7071A9B9-5394-4A19-85AB-7F3350290896}"/>
+                <a16:creationId xmlns:a16="http://schemas.microsoft.com/office/drawing/2014/main" xmlns="" id="{7071A9B9-5394-4A19-85AB-7F3350290896}"/>
               </a:ext>
             </a:extLst>
           </p:cNvPr>
@@ -9609,7 +9619,7 @@
                 <a:gridCol w="2833991">
                   <a:extLst>
                     <a:ext uri="{9D8B030D-6E8A-4147-A177-3AD203B41FA5}">
-                      <a16:colId xmlns:a16="http://schemas.microsoft.com/office/drawing/2014/main" val="3894525368"/>
+                      <a16:colId xmlns:a16="http://schemas.microsoft.com/office/drawing/2014/main" xmlns="" val="3894525368"/>
                     </a:ext>
                   </a:extLst>
                 </a:gridCol>
@@ -9648,7 +9658,7 @@
                 </a:tc>
                 <a:extLst>
                   <a:ext uri="{0D108BD9-81ED-4DB2-BD59-A6C34878D82A}">
-                    <a16:rowId xmlns:a16="http://schemas.microsoft.com/office/drawing/2014/main" val="1036213551"/>
+                    <a16:rowId xmlns:a16="http://schemas.microsoft.com/office/drawing/2014/main" xmlns="" val="1036213551"/>
                   </a:ext>
                 </a:extLst>
               </a:tr>
@@ -9661,7 +9671,7 @@
           <p:cNvPr id="103" name="Tableau 102">
             <a:extLst>
               <a:ext uri="{FF2B5EF4-FFF2-40B4-BE49-F238E27FC236}">
-                <a16:creationId xmlns:a16="http://schemas.microsoft.com/office/drawing/2014/main" id="{A5C97CC0-3BFD-4E71-AF22-07B2115AB6F8}"/>
+                <a16:creationId xmlns:a16="http://schemas.microsoft.com/office/drawing/2014/main" xmlns="" id="{A5C97CC0-3BFD-4E71-AF22-07B2115AB6F8}"/>
               </a:ext>
             </a:extLst>
           </p:cNvPr>
@@ -9690,7 +9700,7 @@
                 <a:gridCol w="2833991">
                   <a:extLst>
                     <a:ext uri="{9D8B030D-6E8A-4147-A177-3AD203B41FA5}">
-                      <a16:colId xmlns:a16="http://schemas.microsoft.com/office/drawing/2014/main" val="3894525368"/>
+                      <a16:colId xmlns:a16="http://schemas.microsoft.com/office/drawing/2014/main" xmlns="" val="3894525368"/>
                     </a:ext>
                   </a:extLst>
                 </a:gridCol>
@@ -9729,7 +9739,7 @@
                 </a:tc>
                 <a:extLst>
                   <a:ext uri="{0D108BD9-81ED-4DB2-BD59-A6C34878D82A}">
-                    <a16:rowId xmlns:a16="http://schemas.microsoft.com/office/drawing/2014/main" val="1036213551"/>
+                    <a16:rowId xmlns:a16="http://schemas.microsoft.com/office/drawing/2014/main" xmlns="" val="1036213551"/>
                   </a:ext>
                 </a:extLst>
               </a:tr>
@@ -9742,7 +9752,7 @@
           <p:cNvPr id="104" name="Tableau 103">
             <a:extLst>
               <a:ext uri="{FF2B5EF4-FFF2-40B4-BE49-F238E27FC236}">
-                <a16:creationId xmlns:a16="http://schemas.microsoft.com/office/drawing/2014/main" id="{975775C0-7AE6-45B5-BDC3-08627E7D0AC3}"/>
+                <a16:creationId xmlns:a16="http://schemas.microsoft.com/office/drawing/2014/main" xmlns="" id="{975775C0-7AE6-45B5-BDC3-08627E7D0AC3}"/>
               </a:ext>
             </a:extLst>
           </p:cNvPr>
@@ -9771,7 +9781,7 @@
                 <a:gridCol w="2833991">
                   <a:extLst>
                     <a:ext uri="{9D8B030D-6E8A-4147-A177-3AD203B41FA5}">
-                      <a16:colId xmlns:a16="http://schemas.microsoft.com/office/drawing/2014/main" val="3894525368"/>
+                      <a16:colId xmlns:a16="http://schemas.microsoft.com/office/drawing/2014/main" xmlns="" val="3894525368"/>
                     </a:ext>
                   </a:extLst>
                 </a:gridCol>
@@ -9810,7 +9820,7 @@
                 </a:tc>
                 <a:extLst>
                   <a:ext uri="{0D108BD9-81ED-4DB2-BD59-A6C34878D82A}">
-                    <a16:rowId xmlns:a16="http://schemas.microsoft.com/office/drawing/2014/main" val="1036213551"/>
+                    <a16:rowId xmlns:a16="http://schemas.microsoft.com/office/drawing/2014/main" xmlns="" val="1036213551"/>
                   </a:ext>
                 </a:extLst>
               </a:tr>
@@ -9823,7 +9833,7 @@
           <p:cNvPr id="105" name="Connecteur : en angle 104">
             <a:extLst>
               <a:ext uri="{FF2B5EF4-FFF2-40B4-BE49-F238E27FC236}">
-                <a16:creationId xmlns:a16="http://schemas.microsoft.com/office/drawing/2014/main" id="{9B42C094-AA0F-4CFC-B930-C8C5914DE27D}"/>
+                <a16:creationId xmlns:a16="http://schemas.microsoft.com/office/drawing/2014/main" xmlns="" id="{9B42C094-AA0F-4CFC-B930-C8C5914DE27D}"/>
               </a:ext>
             </a:extLst>
           </p:cNvPr>
@@ -9871,7 +9881,7 @@
           <p:cNvPr id="108" name="Connecteur : en angle 107">
             <a:extLst>
               <a:ext uri="{FF2B5EF4-FFF2-40B4-BE49-F238E27FC236}">
-                <a16:creationId xmlns:a16="http://schemas.microsoft.com/office/drawing/2014/main" id="{BB9FBBED-845C-46D7-B372-55BCD13B006F}"/>
+                <a16:creationId xmlns:a16="http://schemas.microsoft.com/office/drawing/2014/main" xmlns="" id="{BB9FBBED-845C-46D7-B372-55BCD13B006F}"/>
               </a:ext>
             </a:extLst>
           </p:cNvPr>
@@ -9919,7 +9929,7 @@
           <p:cNvPr id="112" name="Connecteur : en angle 111">
             <a:extLst>
               <a:ext uri="{FF2B5EF4-FFF2-40B4-BE49-F238E27FC236}">
-                <a16:creationId xmlns:a16="http://schemas.microsoft.com/office/drawing/2014/main" id="{8ABDC98A-22F3-4181-B512-78105678DACC}"/>
+                <a16:creationId xmlns:a16="http://schemas.microsoft.com/office/drawing/2014/main" xmlns="" id="{8ABDC98A-22F3-4181-B512-78105678DACC}"/>
               </a:ext>
             </a:extLst>
           </p:cNvPr>
@@ -9967,7 +9977,7 @@
           <p:cNvPr id="116" name="Tableau 115">
             <a:extLst>
               <a:ext uri="{FF2B5EF4-FFF2-40B4-BE49-F238E27FC236}">
-                <a16:creationId xmlns:a16="http://schemas.microsoft.com/office/drawing/2014/main" id="{52A8E37B-45DC-4752-813D-8857FDF98C2B}"/>
+                <a16:creationId xmlns:a16="http://schemas.microsoft.com/office/drawing/2014/main" xmlns="" id="{52A8E37B-45DC-4752-813D-8857FDF98C2B}"/>
               </a:ext>
             </a:extLst>
           </p:cNvPr>
@@ -9996,7 +10006,7 @@
                 <a:gridCol w="2833991">
                   <a:extLst>
                     <a:ext uri="{9D8B030D-6E8A-4147-A177-3AD203B41FA5}">
-                      <a16:colId xmlns:a16="http://schemas.microsoft.com/office/drawing/2014/main" val="3894525368"/>
+                      <a16:colId xmlns:a16="http://schemas.microsoft.com/office/drawing/2014/main" xmlns="" val="3894525368"/>
                     </a:ext>
                   </a:extLst>
                 </a:gridCol>
@@ -10035,7 +10045,7 @@
                 </a:tc>
                 <a:extLst>
                   <a:ext uri="{0D108BD9-81ED-4DB2-BD59-A6C34878D82A}">
-                    <a16:rowId xmlns:a16="http://schemas.microsoft.com/office/drawing/2014/main" val="1036213551"/>
+                    <a16:rowId xmlns:a16="http://schemas.microsoft.com/office/drawing/2014/main" xmlns="" val="1036213551"/>
                   </a:ext>
                 </a:extLst>
               </a:tr>
@@ -10048,7 +10058,7 @@
           <p:cNvPr id="45" name="Groupe 44">
             <a:extLst>
               <a:ext uri="{FF2B5EF4-FFF2-40B4-BE49-F238E27FC236}">
-                <a16:creationId xmlns:a16="http://schemas.microsoft.com/office/drawing/2014/main" id="{F6E548A8-7C49-40EA-938D-B7D627BA6507}"/>
+                <a16:creationId xmlns:a16="http://schemas.microsoft.com/office/drawing/2014/main" xmlns="" id="{F6E548A8-7C49-40EA-938D-B7D627BA6507}"/>
               </a:ext>
             </a:extLst>
           </p:cNvPr>
@@ -10068,7 +10078,7 @@
             <p:cNvPr id="117" name="Connecteur : en arc 116">
               <a:extLst>
                 <a:ext uri="{FF2B5EF4-FFF2-40B4-BE49-F238E27FC236}">
-                  <a16:creationId xmlns:a16="http://schemas.microsoft.com/office/drawing/2014/main" id="{DBE2B7A2-862E-436A-ADC9-7BD59BED5BB0}"/>
+                  <a16:creationId xmlns:a16="http://schemas.microsoft.com/office/drawing/2014/main" xmlns="" id="{DBE2B7A2-862E-436A-ADC9-7BD59BED5BB0}"/>
                 </a:ext>
               </a:extLst>
             </p:cNvPr>
@@ -10115,7 +10125,7 @@
             <p:cNvPr id="135" name="Rectangle 134">
               <a:extLst>
                 <a:ext uri="{FF2B5EF4-FFF2-40B4-BE49-F238E27FC236}">
-                  <a16:creationId xmlns:a16="http://schemas.microsoft.com/office/drawing/2014/main" id="{E0CE0173-2F0A-4FA3-A43A-4D019876C662}"/>
+                  <a16:creationId xmlns:a16="http://schemas.microsoft.com/office/drawing/2014/main" xmlns="" id="{E0CE0173-2F0A-4FA3-A43A-4D019876C662}"/>
                 </a:ext>
               </a:extLst>
             </p:cNvPr>
@@ -10156,7 +10166,7 @@
             <p:cNvPr id="136" name="Rectangle 135">
               <a:extLst>
                 <a:ext uri="{FF2B5EF4-FFF2-40B4-BE49-F238E27FC236}">
-                  <a16:creationId xmlns:a16="http://schemas.microsoft.com/office/drawing/2014/main" id="{5E1CC230-680B-41D2-BC7E-F3A8A0508E51}"/>
+                  <a16:creationId xmlns:a16="http://schemas.microsoft.com/office/drawing/2014/main" xmlns="" id="{5E1CC230-680B-41D2-BC7E-F3A8A0508E51}"/>
                 </a:ext>
               </a:extLst>
             </p:cNvPr>
@@ -10195,7 +10205,7 @@
           <p:cNvPr id="46" name="Groupe 45">
             <a:extLst>
               <a:ext uri="{FF2B5EF4-FFF2-40B4-BE49-F238E27FC236}">
-                <a16:creationId xmlns:a16="http://schemas.microsoft.com/office/drawing/2014/main" id="{0F275340-41E0-4202-9CC6-51C4702E48F6}"/>
+                <a16:creationId xmlns:a16="http://schemas.microsoft.com/office/drawing/2014/main" xmlns="" id="{0F275340-41E0-4202-9CC6-51C4702E48F6}"/>
               </a:ext>
             </a:extLst>
           </p:cNvPr>
@@ -10215,7 +10225,7 @@
             <p:cNvPr id="120" name="Connecteur : en arc 119">
               <a:extLst>
                 <a:ext uri="{FF2B5EF4-FFF2-40B4-BE49-F238E27FC236}">
-                  <a16:creationId xmlns:a16="http://schemas.microsoft.com/office/drawing/2014/main" id="{A2AF8DBD-C6BF-46F7-8436-3F072C882015}"/>
+                  <a16:creationId xmlns:a16="http://schemas.microsoft.com/office/drawing/2014/main" xmlns="" id="{A2AF8DBD-C6BF-46F7-8436-3F072C882015}"/>
                 </a:ext>
               </a:extLst>
             </p:cNvPr>
@@ -10262,7 +10272,7 @@
             <p:cNvPr id="138" name="Rectangle 137">
               <a:extLst>
                 <a:ext uri="{FF2B5EF4-FFF2-40B4-BE49-F238E27FC236}">
-                  <a16:creationId xmlns:a16="http://schemas.microsoft.com/office/drawing/2014/main" id="{D7D91FA8-D772-42A5-ABC4-C4EEB0C97DA8}"/>
+                  <a16:creationId xmlns:a16="http://schemas.microsoft.com/office/drawing/2014/main" xmlns="" id="{D7D91FA8-D772-42A5-ABC4-C4EEB0C97DA8}"/>
                 </a:ext>
               </a:extLst>
             </p:cNvPr>
@@ -10303,7 +10313,7 @@
             <p:cNvPr id="139" name="Rectangle 138">
               <a:extLst>
                 <a:ext uri="{FF2B5EF4-FFF2-40B4-BE49-F238E27FC236}">
-                  <a16:creationId xmlns:a16="http://schemas.microsoft.com/office/drawing/2014/main" id="{560A0ED8-A2D2-4AF1-AF0B-DD8CA2111DFE}"/>
+                  <a16:creationId xmlns:a16="http://schemas.microsoft.com/office/drawing/2014/main" xmlns="" id="{560A0ED8-A2D2-4AF1-AF0B-DD8CA2111DFE}"/>
                 </a:ext>
               </a:extLst>
             </p:cNvPr>
@@ -10342,7 +10352,7 @@
           <p:cNvPr id="52" name="Groupe 51">
             <a:extLst>
               <a:ext uri="{FF2B5EF4-FFF2-40B4-BE49-F238E27FC236}">
-                <a16:creationId xmlns:a16="http://schemas.microsoft.com/office/drawing/2014/main" id="{041B0820-3B81-446C-A7A3-2E1A19B018B4}"/>
+                <a16:creationId xmlns:a16="http://schemas.microsoft.com/office/drawing/2014/main" xmlns="" id="{041B0820-3B81-446C-A7A3-2E1A19B018B4}"/>
               </a:ext>
             </a:extLst>
           </p:cNvPr>
@@ -10362,7 +10372,7 @@
             <p:cNvPr id="125" name="Connecteur : en arc 124">
               <a:extLst>
                 <a:ext uri="{FF2B5EF4-FFF2-40B4-BE49-F238E27FC236}">
-                  <a16:creationId xmlns:a16="http://schemas.microsoft.com/office/drawing/2014/main" id="{E69E591D-17F6-4CF9-88CE-679EE430CD58}"/>
+                  <a16:creationId xmlns:a16="http://schemas.microsoft.com/office/drawing/2014/main" xmlns="" id="{E69E591D-17F6-4CF9-88CE-679EE430CD58}"/>
                 </a:ext>
               </a:extLst>
             </p:cNvPr>
@@ -10409,7 +10419,7 @@
             <p:cNvPr id="141" name="Rectangle 140">
               <a:extLst>
                 <a:ext uri="{FF2B5EF4-FFF2-40B4-BE49-F238E27FC236}">
-                  <a16:creationId xmlns:a16="http://schemas.microsoft.com/office/drawing/2014/main" id="{67A14456-5502-41FE-A484-41BB8EFFCA59}"/>
+                  <a16:creationId xmlns:a16="http://schemas.microsoft.com/office/drawing/2014/main" xmlns="" id="{67A14456-5502-41FE-A484-41BB8EFFCA59}"/>
                 </a:ext>
               </a:extLst>
             </p:cNvPr>
@@ -10469,7 +10479,7 @@
             <p:cNvPr id="142" name="Rectangle 141">
               <a:extLst>
                 <a:ext uri="{FF2B5EF4-FFF2-40B4-BE49-F238E27FC236}">
-                  <a16:creationId xmlns:a16="http://schemas.microsoft.com/office/drawing/2014/main" id="{32B12976-4C27-4D75-BCAA-583EF28D6A75}"/>
+                  <a16:creationId xmlns:a16="http://schemas.microsoft.com/office/drawing/2014/main" xmlns="" id="{32B12976-4C27-4D75-BCAA-583EF28D6A75}"/>
                 </a:ext>
               </a:extLst>
             </p:cNvPr>
@@ -10508,7 +10518,7 @@
           <p:cNvPr id="53" name="Groupe 52">
             <a:extLst>
               <a:ext uri="{FF2B5EF4-FFF2-40B4-BE49-F238E27FC236}">
-                <a16:creationId xmlns:a16="http://schemas.microsoft.com/office/drawing/2014/main" id="{D81EF50B-AD94-4512-BA71-8F03427FAEA8}"/>
+                <a16:creationId xmlns:a16="http://schemas.microsoft.com/office/drawing/2014/main" xmlns="" id="{D81EF50B-AD94-4512-BA71-8F03427FAEA8}"/>
               </a:ext>
             </a:extLst>
           </p:cNvPr>
@@ -10528,7 +10538,7 @@
             <p:cNvPr id="128" name="Connecteur : en arc 127">
               <a:extLst>
                 <a:ext uri="{FF2B5EF4-FFF2-40B4-BE49-F238E27FC236}">
-                  <a16:creationId xmlns:a16="http://schemas.microsoft.com/office/drawing/2014/main" id="{F84C9AC9-7A55-45F4-8629-84C8E78D8AC8}"/>
+                  <a16:creationId xmlns:a16="http://schemas.microsoft.com/office/drawing/2014/main" xmlns="" id="{F84C9AC9-7A55-45F4-8629-84C8E78D8AC8}"/>
                 </a:ext>
               </a:extLst>
             </p:cNvPr>
@@ -10578,7 +10588,7 @@
             <p:cNvPr id="143" name="Rectangle 142">
               <a:extLst>
                 <a:ext uri="{FF2B5EF4-FFF2-40B4-BE49-F238E27FC236}">
-                  <a16:creationId xmlns:a16="http://schemas.microsoft.com/office/drawing/2014/main" id="{4AB95729-BEF0-407F-8A0C-BFA40946D85D}"/>
+                  <a16:creationId xmlns:a16="http://schemas.microsoft.com/office/drawing/2014/main" xmlns="" id="{4AB95729-BEF0-407F-8A0C-BFA40946D85D}"/>
                 </a:ext>
               </a:extLst>
             </p:cNvPr>
@@ -10619,7 +10629,7 @@
             <p:cNvPr id="144" name="Rectangle 143">
               <a:extLst>
                 <a:ext uri="{FF2B5EF4-FFF2-40B4-BE49-F238E27FC236}">
-                  <a16:creationId xmlns:a16="http://schemas.microsoft.com/office/drawing/2014/main" id="{FD910627-3310-4EE2-8E94-FBA84CB83483}"/>
+                  <a16:creationId xmlns:a16="http://schemas.microsoft.com/office/drawing/2014/main" xmlns="" id="{FD910627-3310-4EE2-8E94-FBA84CB83483}"/>
                 </a:ext>
               </a:extLst>
             </p:cNvPr>
@@ -10688,7 +10698,7 @@
           <p:cNvPr id="2" name="Tableau 1">
             <a:extLst>
               <a:ext uri="{FF2B5EF4-FFF2-40B4-BE49-F238E27FC236}">
-                <a16:creationId xmlns:a16="http://schemas.microsoft.com/office/drawing/2014/main" id="{069A5378-123A-46FA-B054-8D97C00D1AC2}"/>
+                <a16:creationId xmlns:a16="http://schemas.microsoft.com/office/drawing/2014/main" xmlns="" id="{069A5378-123A-46FA-B054-8D97C00D1AC2}"/>
               </a:ext>
             </a:extLst>
           </p:cNvPr>
@@ -10717,7 +10727,7 @@
                 <a:gridCol w="2833991">
                   <a:extLst>
                     <a:ext uri="{9D8B030D-6E8A-4147-A177-3AD203B41FA5}">
-                      <a16:colId xmlns:a16="http://schemas.microsoft.com/office/drawing/2014/main" val="3894525368"/>
+                      <a16:colId xmlns:a16="http://schemas.microsoft.com/office/drawing/2014/main" xmlns="" val="3894525368"/>
                     </a:ext>
                   </a:extLst>
                 </a:gridCol>
@@ -10756,7 +10766,7 @@
                 </a:tc>
                 <a:extLst>
                   <a:ext uri="{0D108BD9-81ED-4DB2-BD59-A6C34878D82A}">
-                    <a16:rowId xmlns:a16="http://schemas.microsoft.com/office/drawing/2014/main" val="1036213551"/>
+                    <a16:rowId xmlns:a16="http://schemas.microsoft.com/office/drawing/2014/main" xmlns="" val="1036213551"/>
                   </a:ext>
                 </a:extLst>
               </a:tr>
@@ -10823,7 +10833,7 @@
                 </a:tc>
                 <a:extLst>
                   <a:ext uri="{0D108BD9-81ED-4DB2-BD59-A6C34878D82A}">
-                    <a16:rowId xmlns:a16="http://schemas.microsoft.com/office/drawing/2014/main" val="3926668962"/>
+                    <a16:rowId xmlns:a16="http://schemas.microsoft.com/office/drawing/2014/main" xmlns="" val="3926668962"/>
                   </a:ext>
                 </a:extLst>
               </a:tr>
@@ -10880,7 +10890,7 @@
                 </a:tc>
                 <a:extLst>
                   <a:ext uri="{0D108BD9-81ED-4DB2-BD59-A6C34878D82A}">
-                    <a16:rowId xmlns:a16="http://schemas.microsoft.com/office/drawing/2014/main" val="1760400032"/>
+                    <a16:rowId xmlns:a16="http://schemas.microsoft.com/office/drawing/2014/main" xmlns="" val="1760400032"/>
                   </a:ext>
                 </a:extLst>
               </a:tr>
@@ -10957,7 +10967,7 @@
                 </a:tc>
                 <a:extLst>
                   <a:ext uri="{0D108BD9-81ED-4DB2-BD59-A6C34878D82A}">
-                    <a16:rowId xmlns:a16="http://schemas.microsoft.com/office/drawing/2014/main" val="1601284890"/>
+                    <a16:rowId xmlns:a16="http://schemas.microsoft.com/office/drawing/2014/main" xmlns="" val="1601284890"/>
                   </a:ext>
                 </a:extLst>
               </a:tr>
@@ -11034,7 +11044,7 @@
                 </a:tc>
                 <a:extLst>
                   <a:ext uri="{0D108BD9-81ED-4DB2-BD59-A6C34878D82A}">
-                    <a16:rowId xmlns:a16="http://schemas.microsoft.com/office/drawing/2014/main" val="3367285118"/>
+                    <a16:rowId xmlns:a16="http://schemas.microsoft.com/office/drawing/2014/main" xmlns="" val="3367285118"/>
                   </a:ext>
                 </a:extLst>
               </a:tr>
@@ -11047,7 +11057,7 @@
           <p:cNvPr id="3" name="Tableau 2">
             <a:extLst>
               <a:ext uri="{FF2B5EF4-FFF2-40B4-BE49-F238E27FC236}">
-                <a16:creationId xmlns:a16="http://schemas.microsoft.com/office/drawing/2014/main" id="{3C09FAB1-AE04-4D0C-A672-68CABEF16881}"/>
+                <a16:creationId xmlns:a16="http://schemas.microsoft.com/office/drawing/2014/main" xmlns="" id="{3C09FAB1-AE04-4D0C-A672-68CABEF16881}"/>
               </a:ext>
             </a:extLst>
           </p:cNvPr>
@@ -11076,7 +11086,7 @@
                 <a:gridCol w="2833991">
                   <a:extLst>
                     <a:ext uri="{9D8B030D-6E8A-4147-A177-3AD203B41FA5}">
-                      <a16:colId xmlns:a16="http://schemas.microsoft.com/office/drawing/2014/main" val="3894525368"/>
+                      <a16:colId xmlns:a16="http://schemas.microsoft.com/office/drawing/2014/main" xmlns="" val="3894525368"/>
                     </a:ext>
                   </a:extLst>
                 </a:gridCol>
@@ -11115,7 +11125,7 @@
                 </a:tc>
                 <a:extLst>
                   <a:ext uri="{0D108BD9-81ED-4DB2-BD59-A6C34878D82A}">
-                    <a16:rowId xmlns:a16="http://schemas.microsoft.com/office/drawing/2014/main" val="1036213551"/>
+                    <a16:rowId xmlns:a16="http://schemas.microsoft.com/office/drawing/2014/main" xmlns="" val="1036213551"/>
                   </a:ext>
                 </a:extLst>
               </a:tr>
@@ -11128,7 +11138,7 @@
           <p:cNvPr id="4" name="Tableau 3">
             <a:extLst>
               <a:ext uri="{FF2B5EF4-FFF2-40B4-BE49-F238E27FC236}">
-                <a16:creationId xmlns:a16="http://schemas.microsoft.com/office/drawing/2014/main" id="{7AF2E73F-310D-4B20-B9F1-3E27A5CD653D}"/>
+                <a16:creationId xmlns:a16="http://schemas.microsoft.com/office/drawing/2014/main" xmlns="" id="{7AF2E73F-310D-4B20-B9F1-3E27A5CD653D}"/>
               </a:ext>
             </a:extLst>
           </p:cNvPr>
@@ -11157,7 +11167,7 @@
                 <a:gridCol w="2833991">
                   <a:extLst>
                     <a:ext uri="{9D8B030D-6E8A-4147-A177-3AD203B41FA5}">
-                      <a16:colId xmlns:a16="http://schemas.microsoft.com/office/drawing/2014/main" val="3894525368"/>
+                      <a16:colId xmlns:a16="http://schemas.microsoft.com/office/drawing/2014/main" xmlns="" val="3894525368"/>
                     </a:ext>
                   </a:extLst>
                 </a:gridCol>
@@ -11196,7 +11206,7 @@
                 </a:tc>
                 <a:extLst>
                   <a:ext uri="{0D108BD9-81ED-4DB2-BD59-A6C34878D82A}">
-                    <a16:rowId xmlns:a16="http://schemas.microsoft.com/office/drawing/2014/main" val="1036213551"/>
+                    <a16:rowId xmlns:a16="http://schemas.microsoft.com/office/drawing/2014/main" xmlns="" val="1036213551"/>
                   </a:ext>
                 </a:extLst>
               </a:tr>
@@ -11243,7 +11253,7 @@
                 </a:tc>
                 <a:extLst>
                   <a:ext uri="{0D108BD9-81ED-4DB2-BD59-A6C34878D82A}">
-                    <a16:rowId xmlns:a16="http://schemas.microsoft.com/office/drawing/2014/main" val="3926668962"/>
+                    <a16:rowId xmlns:a16="http://schemas.microsoft.com/office/drawing/2014/main" xmlns="" val="3926668962"/>
                   </a:ext>
                 </a:extLst>
               </a:tr>
@@ -11320,7 +11330,7 @@
                 </a:tc>
                 <a:extLst>
                   <a:ext uri="{0D108BD9-81ED-4DB2-BD59-A6C34878D82A}">
-                    <a16:rowId xmlns:a16="http://schemas.microsoft.com/office/drawing/2014/main" val="1760400032"/>
+                    <a16:rowId xmlns:a16="http://schemas.microsoft.com/office/drawing/2014/main" xmlns="" val="1760400032"/>
                   </a:ext>
                 </a:extLst>
               </a:tr>
@@ -11333,7 +11343,7 @@
           <p:cNvPr id="5" name="Tableau 4">
             <a:extLst>
               <a:ext uri="{FF2B5EF4-FFF2-40B4-BE49-F238E27FC236}">
-                <a16:creationId xmlns:a16="http://schemas.microsoft.com/office/drawing/2014/main" id="{25FD080F-97E6-40E3-BA6C-DDF929D980D7}"/>
+                <a16:creationId xmlns:a16="http://schemas.microsoft.com/office/drawing/2014/main" xmlns="" id="{25FD080F-97E6-40E3-BA6C-DDF929D980D7}"/>
               </a:ext>
             </a:extLst>
           </p:cNvPr>
@@ -11362,7 +11372,7 @@
                 <a:gridCol w="2833991">
                   <a:extLst>
                     <a:ext uri="{9D8B030D-6E8A-4147-A177-3AD203B41FA5}">
-                      <a16:colId xmlns:a16="http://schemas.microsoft.com/office/drawing/2014/main" val="3894525368"/>
+                      <a16:colId xmlns:a16="http://schemas.microsoft.com/office/drawing/2014/main" xmlns="" val="3894525368"/>
                     </a:ext>
                   </a:extLst>
                 </a:gridCol>
@@ -11401,7 +11411,7 @@
                 </a:tc>
                 <a:extLst>
                   <a:ext uri="{0D108BD9-81ED-4DB2-BD59-A6C34878D82A}">
-                    <a16:rowId xmlns:a16="http://schemas.microsoft.com/office/drawing/2014/main" val="1036213551"/>
+                    <a16:rowId xmlns:a16="http://schemas.microsoft.com/office/drawing/2014/main" xmlns="" val="1036213551"/>
                   </a:ext>
                 </a:extLst>
               </a:tr>
@@ -11458,7 +11468,7 @@
                 </a:tc>
                 <a:extLst>
                   <a:ext uri="{0D108BD9-81ED-4DB2-BD59-A6C34878D82A}">
-                    <a16:rowId xmlns:a16="http://schemas.microsoft.com/office/drawing/2014/main" val="3926668962"/>
+                    <a16:rowId xmlns:a16="http://schemas.microsoft.com/office/drawing/2014/main" xmlns="" val="3926668962"/>
                   </a:ext>
                 </a:extLst>
               </a:tr>
@@ -11505,7 +11515,7 @@
                 </a:tc>
                 <a:extLst>
                   <a:ext uri="{0D108BD9-81ED-4DB2-BD59-A6C34878D82A}">
-                    <a16:rowId xmlns:a16="http://schemas.microsoft.com/office/drawing/2014/main" val="1760400032"/>
+                    <a16:rowId xmlns:a16="http://schemas.microsoft.com/office/drawing/2014/main" xmlns="" val="1760400032"/>
                   </a:ext>
                 </a:extLst>
               </a:tr>
@@ -11582,7 +11592,7 @@
                 </a:tc>
                 <a:extLst>
                   <a:ext uri="{0D108BD9-81ED-4DB2-BD59-A6C34878D82A}">
-                    <a16:rowId xmlns:a16="http://schemas.microsoft.com/office/drawing/2014/main" val="1601284890"/>
+                    <a16:rowId xmlns:a16="http://schemas.microsoft.com/office/drawing/2014/main" xmlns="" val="1601284890"/>
                   </a:ext>
                 </a:extLst>
               </a:tr>
@@ -11595,7 +11605,7 @@
           <p:cNvPr id="6" name="Tableau 5">
             <a:extLst>
               <a:ext uri="{FF2B5EF4-FFF2-40B4-BE49-F238E27FC236}">
-                <a16:creationId xmlns:a16="http://schemas.microsoft.com/office/drawing/2014/main" id="{0CD34778-D0F9-4687-9008-AC0B2CE9A9D7}"/>
+                <a16:creationId xmlns:a16="http://schemas.microsoft.com/office/drawing/2014/main" xmlns="" id="{0CD34778-D0F9-4687-9008-AC0B2CE9A9D7}"/>
               </a:ext>
             </a:extLst>
           </p:cNvPr>
@@ -11624,7 +11634,7 @@
                 <a:gridCol w="2833991">
                   <a:extLst>
                     <a:ext uri="{9D8B030D-6E8A-4147-A177-3AD203B41FA5}">
-                      <a16:colId xmlns:a16="http://schemas.microsoft.com/office/drawing/2014/main" val="3894525368"/>
+                      <a16:colId xmlns:a16="http://schemas.microsoft.com/office/drawing/2014/main" xmlns="" val="3894525368"/>
                     </a:ext>
                   </a:extLst>
                 </a:gridCol>
@@ -11663,7 +11673,7 @@
                 </a:tc>
                 <a:extLst>
                   <a:ext uri="{0D108BD9-81ED-4DB2-BD59-A6C34878D82A}">
-                    <a16:rowId xmlns:a16="http://schemas.microsoft.com/office/drawing/2014/main" val="1036213551"/>
+                    <a16:rowId xmlns:a16="http://schemas.microsoft.com/office/drawing/2014/main" xmlns="" val="1036213551"/>
                   </a:ext>
                 </a:extLst>
               </a:tr>
@@ -11710,7 +11720,7 @@
                 </a:tc>
                 <a:extLst>
                   <a:ext uri="{0D108BD9-81ED-4DB2-BD59-A6C34878D82A}">
-                    <a16:rowId xmlns:a16="http://schemas.microsoft.com/office/drawing/2014/main" val="3926668962"/>
+                    <a16:rowId xmlns:a16="http://schemas.microsoft.com/office/drawing/2014/main" xmlns="" val="3926668962"/>
                   </a:ext>
                 </a:extLst>
               </a:tr>
@@ -11787,7 +11797,7 @@
                 </a:tc>
                 <a:extLst>
                   <a:ext uri="{0D108BD9-81ED-4DB2-BD59-A6C34878D82A}">
-                    <a16:rowId xmlns:a16="http://schemas.microsoft.com/office/drawing/2014/main" val="1760400032"/>
+                    <a16:rowId xmlns:a16="http://schemas.microsoft.com/office/drawing/2014/main" xmlns="" val="1760400032"/>
                   </a:ext>
                 </a:extLst>
               </a:tr>
@@ -11800,7 +11810,7 @@
           <p:cNvPr id="7" name="Tableau 6">
             <a:extLst>
               <a:ext uri="{FF2B5EF4-FFF2-40B4-BE49-F238E27FC236}">
-                <a16:creationId xmlns:a16="http://schemas.microsoft.com/office/drawing/2014/main" id="{E76A6143-D5BA-4130-A8AD-C794A2DF8B91}"/>
+                <a16:creationId xmlns:a16="http://schemas.microsoft.com/office/drawing/2014/main" xmlns="" id="{E76A6143-D5BA-4130-A8AD-C794A2DF8B91}"/>
               </a:ext>
             </a:extLst>
           </p:cNvPr>
@@ -11829,7 +11839,7 @@
                 <a:gridCol w="2833991">
                   <a:extLst>
                     <a:ext uri="{9D8B030D-6E8A-4147-A177-3AD203B41FA5}">
-                      <a16:colId xmlns:a16="http://schemas.microsoft.com/office/drawing/2014/main" val="3894525368"/>
+                      <a16:colId xmlns:a16="http://schemas.microsoft.com/office/drawing/2014/main" xmlns="" val="3894525368"/>
                     </a:ext>
                   </a:extLst>
                 </a:gridCol>
@@ -11868,7 +11878,7 @@
                 </a:tc>
                 <a:extLst>
                   <a:ext uri="{0D108BD9-81ED-4DB2-BD59-A6C34878D82A}">
-                    <a16:rowId xmlns:a16="http://schemas.microsoft.com/office/drawing/2014/main" val="1036213551"/>
+                    <a16:rowId xmlns:a16="http://schemas.microsoft.com/office/drawing/2014/main" xmlns="" val="1036213551"/>
                   </a:ext>
                 </a:extLst>
               </a:tr>
@@ -11945,7 +11955,7 @@
                 </a:tc>
                 <a:extLst>
                   <a:ext uri="{0D108BD9-81ED-4DB2-BD59-A6C34878D82A}">
-                    <a16:rowId xmlns:a16="http://schemas.microsoft.com/office/drawing/2014/main" val="3926668962"/>
+                    <a16:rowId xmlns:a16="http://schemas.microsoft.com/office/drawing/2014/main" xmlns="" val="3926668962"/>
                   </a:ext>
                 </a:extLst>
               </a:tr>
@@ -12002,7 +12012,7 @@
                 </a:tc>
                 <a:extLst>
                   <a:ext uri="{0D108BD9-81ED-4DB2-BD59-A6C34878D82A}">
-                    <a16:rowId xmlns:a16="http://schemas.microsoft.com/office/drawing/2014/main" val="1760400032"/>
+                    <a16:rowId xmlns:a16="http://schemas.microsoft.com/office/drawing/2014/main" xmlns="" val="1760400032"/>
                   </a:ext>
                 </a:extLst>
               </a:tr>
@@ -12059,7 +12069,7 @@
                 </a:tc>
                 <a:extLst>
                   <a:ext uri="{0D108BD9-81ED-4DB2-BD59-A6C34878D82A}">
-                    <a16:rowId xmlns:a16="http://schemas.microsoft.com/office/drawing/2014/main" val="1601284890"/>
+                    <a16:rowId xmlns:a16="http://schemas.microsoft.com/office/drawing/2014/main" xmlns="" val="1601284890"/>
                   </a:ext>
                 </a:extLst>
               </a:tr>
@@ -12106,7 +12116,7 @@
                 </a:tc>
                 <a:extLst>
                   <a:ext uri="{0D108BD9-81ED-4DB2-BD59-A6C34878D82A}">
-                    <a16:rowId xmlns:a16="http://schemas.microsoft.com/office/drawing/2014/main" val="3367285118"/>
+                    <a16:rowId xmlns:a16="http://schemas.microsoft.com/office/drawing/2014/main" xmlns="" val="3367285118"/>
                   </a:ext>
                 </a:extLst>
               </a:tr>
@@ -12183,7 +12193,7 @@
                 </a:tc>
                 <a:extLst>
                   <a:ext uri="{0D108BD9-81ED-4DB2-BD59-A6C34878D82A}">
-                    <a16:rowId xmlns:a16="http://schemas.microsoft.com/office/drawing/2014/main" val="517840657"/>
+                    <a16:rowId xmlns:a16="http://schemas.microsoft.com/office/drawing/2014/main" xmlns="" val="517840657"/>
                   </a:ext>
                 </a:extLst>
               </a:tr>
@@ -12193,10 +12203,10 @@
       </p:graphicFrame>
       <p:graphicFrame>
         <p:nvGraphicFramePr>
-          <p:cNvPr id="8" name="Tableau 7">
+          <p:cNvPr id="9" name="Tableau 8">
             <a:extLst>
               <a:ext uri="{FF2B5EF4-FFF2-40B4-BE49-F238E27FC236}">
-                <a16:creationId xmlns:a16="http://schemas.microsoft.com/office/drawing/2014/main" id="{86D7B3AF-A857-4630-9B66-4CC025A6E3E5}"/>
+                <a16:creationId xmlns:a16="http://schemas.microsoft.com/office/drawing/2014/main" xmlns="" id="{ECD6F7F1-D0D2-425C-B63B-C43C49305241}"/>
               </a:ext>
             </a:extLst>
           </p:cNvPr>
@@ -12206,13 +12216,13 @@
           <p:nvPr>
             <p:extLst>
               <p:ext uri="{D42A27DB-BD31-4B8C-83A1-F6EECF244321}">
-                <p14:modId xmlns:p14="http://schemas.microsoft.com/office/powerpoint/2010/main" val="2178779768"/>
+                <p14:modId xmlns:p14="http://schemas.microsoft.com/office/powerpoint/2010/main" val="1679268599"/>
               </p:ext>
             </p:extLst>
           </p:nvPr>
         </p:nvGraphicFramePr>
         <p:xfrm>
-          <a:off x="3441652" y="4688466"/>
+          <a:off x="9544226" y="4688466"/>
           <a:ext cx="2833991" cy="554450"/>
         </p:xfrm>
         <a:graphic>
@@ -12225,7 +12235,7 @@
                 <a:gridCol w="2833991">
                   <a:extLst>
                     <a:ext uri="{9D8B030D-6E8A-4147-A177-3AD203B41FA5}">
-                      <a16:colId xmlns:a16="http://schemas.microsoft.com/office/drawing/2014/main" val="3894525368"/>
+                      <a16:colId xmlns:a16="http://schemas.microsoft.com/office/drawing/2014/main" xmlns="" val="3894525368"/>
                     </a:ext>
                   </a:extLst>
                 </a:gridCol>
@@ -12245,7 +12255,7 @@
                           <a:latin typeface="Courier New" panose="02070309020205020404" pitchFamily="49" charset="0"/>
                           <a:cs typeface="Courier New" panose="02070309020205020404" pitchFamily="49" charset="0"/>
                         </a:rPr>
-                        <a:t>CertSecurityScheme</a:t>
+                        <a:t>PSKSecurityScheme</a:t>
                       </a:r>
                       <a:endParaRPr lang="fr-FR" sz="1200" dirty="0">
                         <a:solidFill>
@@ -12264,7 +12274,7 @@
                 </a:tc>
                 <a:extLst>
                   <a:ext uri="{0D108BD9-81ED-4DB2-BD59-A6C34878D82A}">
-                    <a16:rowId xmlns:a16="http://schemas.microsoft.com/office/drawing/2014/main" val="1036213551"/>
+                    <a16:rowId xmlns:a16="http://schemas.microsoft.com/office/drawing/2014/main" xmlns="" val="1036213551"/>
                   </a:ext>
                 </a:extLst>
               </a:tr>
@@ -12341,7 +12351,7 @@
                 </a:tc>
                 <a:extLst>
                   <a:ext uri="{0D108BD9-81ED-4DB2-BD59-A6C34878D82A}">
-                    <a16:rowId xmlns:a16="http://schemas.microsoft.com/office/drawing/2014/main" val="3926668962"/>
+                    <a16:rowId xmlns:a16="http://schemas.microsoft.com/office/drawing/2014/main" xmlns="" val="3926668962"/>
                   </a:ext>
                 </a:extLst>
               </a:tr>
@@ -12351,10 +12361,10 @@
       </p:graphicFrame>
       <p:graphicFrame>
         <p:nvGraphicFramePr>
-          <p:cNvPr id="9" name="Tableau 8">
+          <p:cNvPr id="15" name="Tableau 14">
             <a:extLst>
               <a:ext uri="{FF2B5EF4-FFF2-40B4-BE49-F238E27FC236}">
-                <a16:creationId xmlns:a16="http://schemas.microsoft.com/office/drawing/2014/main" id="{ECD6F7F1-D0D2-425C-B63B-C43C49305241}"/>
+                <a16:creationId xmlns:a16="http://schemas.microsoft.com/office/drawing/2014/main" xmlns="" id="{EB0A0A66-298C-4ACC-AE8A-E70AB196EA6C}"/>
               </a:ext>
             </a:extLst>
           </p:cNvPr>
@@ -12364,14 +12374,14 @@
           <p:nvPr>
             <p:extLst>
               <p:ext uri="{D42A27DB-BD31-4B8C-83A1-F6EECF244321}">
-                <p14:modId xmlns:p14="http://schemas.microsoft.com/office/powerpoint/2010/main" val="1058005351"/>
+                <p14:modId xmlns:p14="http://schemas.microsoft.com/office/powerpoint/2010/main" val="4181536630"/>
               </p:ext>
             </p:extLst>
           </p:nvPr>
         </p:nvGraphicFramePr>
         <p:xfrm>
-          <a:off x="6503297" y="4688466"/>
-          <a:ext cx="2833991" cy="554450"/>
+          <a:off x="4982827" y="4708461"/>
+          <a:ext cx="2833991" cy="1674962"/>
         </p:xfrm>
         <a:graphic>
           <a:graphicData uri="http://schemas.openxmlformats.org/drawingml/2006/table">
@@ -12383,7 +12393,7 @@
                 <a:gridCol w="2833991">
                   <a:extLst>
                     <a:ext uri="{9D8B030D-6E8A-4147-A177-3AD203B41FA5}">
-                      <a16:colId xmlns:a16="http://schemas.microsoft.com/office/drawing/2014/main" val="3894525368"/>
+                      <a16:colId xmlns:a16="http://schemas.microsoft.com/office/drawing/2014/main" xmlns="" val="3894525368"/>
                     </a:ext>
                   </a:extLst>
                 </a:gridCol>
@@ -12396,14 +12406,14 @@
                     <a:p>
                       <a:pPr algn="ctr"/>
                       <a:r>
-                        <a:rPr lang="de-DE" sz="1200" dirty="0" err="1">
-                          <a:solidFill>
-                            <a:srgbClr val="C83500"/>
-                          </a:solidFill>
-                          <a:latin typeface="Courier New" panose="02070309020205020404" pitchFamily="49" charset="0"/>
-                          <a:cs typeface="Courier New" panose="02070309020205020404" pitchFamily="49" charset="0"/>
-                        </a:rPr>
-                        <a:t>PSKSecurityScheme</a:t>
+                        <a:rPr lang="de-DE" sz="1200" dirty="0">
+                          <a:solidFill>
+                            <a:srgbClr val="C83500"/>
+                          </a:solidFill>
+                          <a:latin typeface="Courier New" panose="02070309020205020404" pitchFamily="49" charset="0"/>
+                          <a:cs typeface="Courier New" panose="02070309020205020404" pitchFamily="49" charset="0"/>
+                        </a:rPr>
+                        <a:t>OAuth2SecurityScheme</a:t>
                       </a:r>
                       <a:endParaRPr lang="fr-FR" sz="1200" dirty="0">
                         <a:solidFill>
@@ -12422,7 +12432,7 @@
                 </a:tc>
                 <a:extLst>
                   <a:ext uri="{0D108BD9-81ED-4DB2-BD59-A6C34878D82A}">
-                    <a16:rowId xmlns:a16="http://schemas.microsoft.com/office/drawing/2014/main" val="1036213551"/>
+                    <a16:rowId xmlns:a16="http://schemas.microsoft.com/office/drawing/2014/main" xmlns="" val="1036213551"/>
                   </a:ext>
                 </a:extLst>
               </a:tr>
@@ -12440,7 +12450,7 @@
                           <a:latin typeface="Courier New" panose="02070309020205020404" pitchFamily="49" charset="0"/>
                           <a:cs typeface="Courier New" panose="02070309020205020404" pitchFamily="49" charset="0"/>
                         </a:rPr>
-                        <a:t>identity</a:t>
+                        <a:t>authorization</a:t>
                       </a:r>
                       <a:r>
                         <a:rPr lang="de-DE" sz="1200" dirty="0">
@@ -12460,7 +12470,7 @@
                           <a:latin typeface="Courier New" panose="02070309020205020404" pitchFamily="49" charset="0"/>
                           <a:cs typeface="Courier New" panose="02070309020205020404" pitchFamily="49" charset="0"/>
                         </a:rPr>
-                        <a:t>string</a:t>
+                        <a:t>anyURI</a:t>
                       </a:r>
                       <a:r>
                         <a:rPr lang="de-DE" sz="1200" dirty="0">
@@ -12499,88 +12509,7 @@
                 </a:tc>
                 <a:extLst>
                   <a:ext uri="{0D108BD9-81ED-4DB2-BD59-A6C34878D82A}">
-                    <a16:rowId xmlns:a16="http://schemas.microsoft.com/office/drawing/2014/main" val="3926668962"/>
-                  </a:ext>
-                </a:extLst>
-              </a:tr>
-            </a:tbl>
-          </a:graphicData>
-        </a:graphic>
-      </p:graphicFrame>
-      <p:graphicFrame>
-        <p:nvGraphicFramePr>
-          <p:cNvPr id="10" name="Tableau 9">
-            <a:extLst>
-              <a:ext uri="{FF2B5EF4-FFF2-40B4-BE49-F238E27FC236}">
-                <a16:creationId xmlns:a16="http://schemas.microsoft.com/office/drawing/2014/main" id="{6BE62E63-7700-459F-9140-EFD3803B2A63}"/>
-              </a:ext>
-            </a:extLst>
-          </p:cNvPr>
-          <p:cNvGraphicFramePr>
-            <a:graphicFrameLocks noGrp="1"/>
-          </p:cNvGraphicFramePr>
-          <p:nvPr>
-            <p:extLst>
-              <p:ext uri="{D42A27DB-BD31-4B8C-83A1-F6EECF244321}">
-                <p14:modId xmlns:p14="http://schemas.microsoft.com/office/powerpoint/2010/main" val="3993429078"/>
-              </p:ext>
-            </p:extLst>
-          </p:nvPr>
-        </p:nvGraphicFramePr>
-        <p:xfrm>
-          <a:off x="9564941" y="4688466"/>
-          <a:ext cx="2833991" cy="554450"/>
-        </p:xfrm>
-        <a:graphic>
-          <a:graphicData uri="http://schemas.openxmlformats.org/drawingml/2006/table">
-            <a:tbl>
-              <a:tblPr firstRow="1" bandRow="1">
-                <a:tableStyleId>{5C22544A-7EE6-4342-B048-85BDC9FD1C3A}</a:tableStyleId>
-              </a:tblPr>
-              <a:tblGrid>
-                <a:gridCol w="2833991">
-                  <a:extLst>
-                    <a:ext uri="{9D8B030D-6E8A-4147-A177-3AD203B41FA5}">
-                      <a16:colId xmlns:a16="http://schemas.microsoft.com/office/drawing/2014/main" val="3894525368"/>
-                    </a:ext>
-                  </a:extLst>
-                </a:gridCol>
-              </a:tblGrid>
-              <a:tr h="207178">
-                <a:tc>
-                  <a:txBody>
-                    <a:bodyPr/>
-                    <a:lstStyle/>
-                    <a:p>
-                      <a:pPr algn="ctr"/>
-                      <a:r>
-                        <a:rPr lang="de-DE" sz="1200" dirty="0" err="1">
-                          <a:solidFill>
-                            <a:srgbClr val="C83500"/>
-                          </a:solidFill>
-                          <a:latin typeface="Courier New" panose="02070309020205020404" pitchFamily="49" charset="0"/>
-                          <a:cs typeface="Courier New" panose="02070309020205020404" pitchFamily="49" charset="0"/>
-                        </a:rPr>
-                        <a:t>PublicSecurityScheme</a:t>
-                      </a:r>
-                      <a:endParaRPr lang="fr-FR" sz="1200" dirty="0">
-                        <a:solidFill>
-                          <a:srgbClr val="C83500"/>
-                        </a:solidFill>
-                        <a:latin typeface="Courier New" panose="02070309020205020404" pitchFamily="49" charset="0"/>
-                        <a:cs typeface="Courier New" panose="02070309020205020404" pitchFamily="49" charset="0"/>
-                      </a:endParaRPr>
-                    </a:p>
-                  </a:txBody>
-                  <a:tcPr marT="45721" marB="45721">
-                    <a:solidFill>
-                      <a:srgbClr val="8CCBF2"/>
-                    </a:solidFill>
-                  </a:tcPr>
-                </a:tc>
-                <a:extLst>
-                  <a:ext uri="{0D108BD9-81ED-4DB2-BD59-A6C34878D82A}">
-                    <a16:rowId xmlns:a16="http://schemas.microsoft.com/office/drawing/2014/main" val="1036213551"/>
+                    <a16:rowId xmlns:a16="http://schemas.microsoft.com/office/drawing/2014/main" xmlns="" val="3926668962"/>
                   </a:ext>
                 </a:extLst>
               </a:tr>
@@ -12598,7 +12527,7 @@
                           <a:latin typeface="Courier New" panose="02070309020205020404" pitchFamily="49" charset="0"/>
                           <a:cs typeface="Courier New" panose="02070309020205020404" pitchFamily="49" charset="0"/>
                         </a:rPr>
-                        <a:t>identity</a:t>
+                        <a:t>token</a:t>
                       </a:r>
                       <a:r>
                         <a:rPr lang="de-DE" sz="1200" dirty="0">
@@ -12618,7 +12547,7 @@
                           <a:latin typeface="Courier New" panose="02070309020205020404" pitchFamily="49" charset="0"/>
                           <a:cs typeface="Courier New" panose="02070309020205020404" pitchFamily="49" charset="0"/>
                         </a:rPr>
-                        <a:t>string</a:t>
+                        <a:t>anyURI</a:t>
                       </a:r>
                       <a:r>
                         <a:rPr lang="de-DE" sz="1200" dirty="0">
@@ -12639,221 +12568,6 @@
                           <a:cs typeface="Courier New" panose="02070309020205020404" pitchFamily="49" charset="0"/>
                         </a:rPr>
                         <a:t>[0..1]</a:t>
-                      </a:r>
-                      <a:endParaRPr lang="fr-FR" sz="1200" dirty="0">
-                        <a:solidFill>
-                          <a:schemeClr val="tx1"/>
-                        </a:solidFill>
-                        <a:latin typeface="Courier New" panose="02070309020205020404" pitchFamily="49" charset="0"/>
-                        <a:cs typeface="Courier New" panose="02070309020205020404" pitchFamily="49" charset="0"/>
-                      </a:endParaRPr>
-                    </a:p>
-                  </a:txBody>
-                  <a:tcPr marT="45721" marB="45721">
-                    <a:solidFill>
-                      <a:srgbClr val="DDEEFF"/>
-                    </a:solidFill>
-                  </a:tcPr>
-                </a:tc>
-                <a:extLst>
-                  <a:ext uri="{0D108BD9-81ED-4DB2-BD59-A6C34878D82A}">
-                    <a16:rowId xmlns:a16="http://schemas.microsoft.com/office/drawing/2014/main" val="3926668962"/>
-                  </a:ext>
-                </a:extLst>
-              </a:tr>
-            </a:tbl>
-          </a:graphicData>
-        </a:graphic>
-      </p:graphicFrame>
-      <p:graphicFrame>
-        <p:nvGraphicFramePr>
-          <p:cNvPr id="14" name="Tableau 13">
-            <a:extLst>
-              <a:ext uri="{FF2B5EF4-FFF2-40B4-BE49-F238E27FC236}">
-                <a16:creationId xmlns:a16="http://schemas.microsoft.com/office/drawing/2014/main" id="{EED96A37-CEF5-4576-A85F-ADEF2CDFBE3A}"/>
-              </a:ext>
-            </a:extLst>
-          </p:cNvPr>
-          <p:cNvGraphicFramePr>
-            <a:graphicFrameLocks noGrp="1"/>
-          </p:cNvGraphicFramePr>
-          <p:nvPr>
-            <p:extLst>
-              <p:ext uri="{D42A27DB-BD31-4B8C-83A1-F6EECF244321}">
-                <p14:modId xmlns:p14="http://schemas.microsoft.com/office/powerpoint/2010/main" val="3959849909"/>
-              </p:ext>
-            </p:extLst>
-          </p:nvPr>
-        </p:nvGraphicFramePr>
-        <p:xfrm>
-          <a:off x="3441650" y="6866883"/>
-          <a:ext cx="2833991" cy="1674962"/>
-        </p:xfrm>
-        <a:graphic>
-          <a:graphicData uri="http://schemas.openxmlformats.org/drawingml/2006/table">
-            <a:tbl>
-              <a:tblPr firstRow="1" bandRow="1">
-                <a:tableStyleId>{5C22544A-7EE6-4342-B048-85BDC9FD1C3A}</a:tableStyleId>
-              </a:tblPr>
-              <a:tblGrid>
-                <a:gridCol w="2833991">
-                  <a:extLst>
-                    <a:ext uri="{9D8B030D-6E8A-4147-A177-3AD203B41FA5}">
-                      <a16:colId xmlns:a16="http://schemas.microsoft.com/office/drawing/2014/main" val="3894525368"/>
-                    </a:ext>
-                  </a:extLst>
-                </a:gridCol>
-              </a:tblGrid>
-              <a:tr h="207178">
-                <a:tc>
-                  <a:txBody>
-                    <a:bodyPr/>
-                    <a:lstStyle/>
-                    <a:p>
-                      <a:pPr algn="ctr"/>
-                      <a:r>
-                        <a:rPr lang="de-DE" sz="1200" dirty="0" err="1">
-                          <a:solidFill>
-                            <a:srgbClr val="C83500"/>
-                          </a:solidFill>
-                          <a:latin typeface="Courier New" panose="02070309020205020404" pitchFamily="49" charset="0"/>
-                          <a:cs typeface="Courier New" panose="02070309020205020404" pitchFamily="49" charset="0"/>
-                        </a:rPr>
-                        <a:t>PoPSecurityScheme</a:t>
-                      </a:r>
-                      <a:endParaRPr lang="fr-FR" sz="1200" dirty="0">
-                        <a:solidFill>
-                          <a:srgbClr val="C83500"/>
-                        </a:solidFill>
-                        <a:latin typeface="Courier New" panose="02070309020205020404" pitchFamily="49" charset="0"/>
-                        <a:cs typeface="Courier New" panose="02070309020205020404" pitchFamily="49" charset="0"/>
-                      </a:endParaRPr>
-                    </a:p>
-                  </a:txBody>
-                  <a:tcPr marT="45721" marB="45721">
-                    <a:solidFill>
-                      <a:srgbClr val="8CCBF2"/>
-                    </a:solidFill>
-                  </a:tcPr>
-                </a:tc>
-                <a:extLst>
-                  <a:ext uri="{0D108BD9-81ED-4DB2-BD59-A6C34878D82A}">
-                    <a16:rowId xmlns:a16="http://schemas.microsoft.com/office/drawing/2014/main" val="1036213551"/>
-                  </a:ext>
-                </a:extLst>
-              </a:tr>
-              <a:tr h="280128">
-                <a:tc>
-                  <a:txBody>
-                    <a:bodyPr/>
-                    <a:lstStyle/>
-                    <a:p>
-                      <a:r>
-                        <a:rPr lang="de-DE" sz="1200" dirty="0" err="1">
-                          <a:solidFill>
-                            <a:srgbClr val="C83500"/>
-                          </a:solidFill>
-                          <a:latin typeface="Courier New" panose="02070309020205020404" pitchFamily="49" charset="0"/>
-                          <a:cs typeface="Courier New" panose="02070309020205020404" pitchFamily="49" charset="0"/>
-                        </a:rPr>
-                        <a:t>authorization</a:t>
-                      </a:r>
-                      <a:r>
-                        <a:rPr lang="de-DE" sz="1200" dirty="0">
-                          <a:solidFill>
-                            <a:srgbClr val="C83500"/>
-                          </a:solidFill>
-                          <a:latin typeface="Courier New" panose="02070309020205020404" pitchFamily="49" charset="0"/>
-                          <a:cs typeface="Courier New" panose="02070309020205020404" pitchFamily="49" charset="0"/>
-                        </a:rPr>
-                        <a:t>: </a:t>
-                      </a:r>
-                      <a:r>
-                        <a:rPr lang="de-DE" sz="1200" dirty="0" err="1">
-                          <a:solidFill>
-                            <a:srgbClr val="C83500"/>
-                          </a:solidFill>
-                          <a:latin typeface="Courier New" panose="02070309020205020404" pitchFamily="49" charset="0"/>
-                          <a:cs typeface="Courier New" panose="02070309020205020404" pitchFamily="49" charset="0"/>
-                        </a:rPr>
-                        <a:t>anyURI</a:t>
-                      </a:r>
-                      <a:r>
-                        <a:rPr lang="de-DE" sz="1200" dirty="0">
-                          <a:solidFill>
-                            <a:srgbClr val="C83500"/>
-                          </a:solidFill>
-                          <a:latin typeface="Courier New" panose="02070309020205020404" pitchFamily="49" charset="0"/>
-                          <a:cs typeface="Courier New" panose="02070309020205020404" pitchFamily="49" charset="0"/>
-                        </a:rPr>
-                        <a:t> </a:t>
-                      </a:r>
-                      <a:r>
-                        <a:rPr lang="de-DE" sz="1200" dirty="0">
-                          <a:solidFill>
-                            <a:schemeClr val="tx1"/>
-                          </a:solidFill>
-                          <a:latin typeface="Courier New" panose="02070309020205020404" pitchFamily="49" charset="0"/>
-                          <a:cs typeface="Courier New" panose="02070309020205020404" pitchFamily="49" charset="0"/>
-                        </a:rPr>
-                        <a:t>[0..1]</a:t>
-                      </a:r>
-                      <a:endParaRPr lang="fr-FR" sz="1200" dirty="0">
-                        <a:solidFill>
-                          <a:schemeClr val="tx1"/>
-                        </a:solidFill>
-                        <a:latin typeface="Courier New" panose="02070309020205020404" pitchFamily="49" charset="0"/>
-                        <a:cs typeface="Courier New" panose="02070309020205020404" pitchFamily="49" charset="0"/>
-                      </a:endParaRPr>
-                    </a:p>
-                  </a:txBody>
-                  <a:tcPr marT="45721" marB="45721">
-                    <a:solidFill>
-                      <a:srgbClr val="DDEEFF"/>
-                    </a:solidFill>
-                  </a:tcPr>
-                </a:tc>
-                <a:extLst>
-                  <a:ext uri="{0D108BD9-81ED-4DB2-BD59-A6C34878D82A}">
-                    <a16:rowId xmlns:a16="http://schemas.microsoft.com/office/drawing/2014/main" val="3926668962"/>
-                  </a:ext>
-                </a:extLst>
-              </a:tr>
-              <a:tr h="280128">
-                <a:tc>
-                  <a:txBody>
-                    <a:bodyPr/>
-                    <a:lstStyle/>
-                    <a:p>
-                      <a:r>
-                        <a:rPr lang="de-DE" sz="1200" dirty="0" err="1">
-                          <a:solidFill>
-                            <a:srgbClr val="C83500"/>
-                          </a:solidFill>
-                          <a:latin typeface="Courier New" panose="02070309020205020404" pitchFamily="49" charset="0"/>
-                          <a:cs typeface="Courier New" panose="02070309020205020404" pitchFamily="49" charset="0"/>
-                        </a:rPr>
-                        <a:t>alg</a:t>
-                      </a:r>
-                      <a:r>
-                        <a:rPr lang="de-DE" sz="1200" dirty="0">
-                          <a:solidFill>
-                            <a:srgbClr val="C83500"/>
-                          </a:solidFill>
-                          <a:latin typeface="Courier New" panose="02070309020205020404" pitchFamily="49" charset="0"/>
-                          <a:cs typeface="Courier New" panose="02070309020205020404" pitchFamily="49" charset="0"/>
-                        </a:rPr>
-                        <a:t>: </a:t>
-                      </a:r>
-                      <a:r>
-                        <a:rPr lang="de-DE" sz="1200" dirty="0" err="1">
-                          <a:solidFill>
-                            <a:srgbClr val="C83500"/>
-                          </a:solidFill>
-                          <a:latin typeface="Courier New" panose="02070309020205020404" pitchFamily="49" charset="0"/>
-                          <a:cs typeface="Courier New" panose="02070309020205020404" pitchFamily="49" charset="0"/>
-                        </a:rPr>
-                        <a:t>string</a:t>
                       </a:r>
                       <a:endParaRPr lang="fr-FR" sz="1200" dirty="0">
                         <a:solidFill>
@@ -12872,7 +12586,7 @@
                 </a:tc>
                 <a:extLst>
                   <a:ext uri="{0D108BD9-81ED-4DB2-BD59-A6C34878D82A}">
-                    <a16:rowId xmlns:a16="http://schemas.microsoft.com/office/drawing/2014/main" val="1760400032"/>
+                    <a16:rowId xmlns:a16="http://schemas.microsoft.com/office/drawing/2014/main" xmlns="" val="1760400032"/>
                   </a:ext>
                 </a:extLst>
               </a:tr>
@@ -12890,7 +12604,7 @@
                           <a:latin typeface="Courier New" panose="02070309020205020404" pitchFamily="49" charset="0"/>
                           <a:cs typeface="Courier New" panose="02070309020205020404" pitchFamily="49" charset="0"/>
                         </a:rPr>
-                        <a:t>format</a:t>
+                        <a:t>refresh</a:t>
                       </a:r>
                       <a:r>
                         <a:rPr lang="de-DE" sz="1200" dirty="0">
@@ -12910,7 +12624,27 @@
                           <a:latin typeface="Courier New" panose="02070309020205020404" pitchFamily="49" charset="0"/>
                           <a:cs typeface="Courier New" panose="02070309020205020404" pitchFamily="49" charset="0"/>
                         </a:rPr>
-                        <a:t>string</a:t>
+                        <a:t>anyURI</a:t>
+                      </a:r>
+                      <a:r>
+                        <a:rPr lang="de-DE" sz="1200" dirty="0">
+                          <a:solidFill>
+                            <a:srgbClr val="C83500"/>
+                          </a:solidFill>
+                          <a:latin typeface="Courier New" panose="02070309020205020404" pitchFamily="49" charset="0"/>
+                          <a:cs typeface="Courier New" panose="02070309020205020404" pitchFamily="49" charset="0"/>
+                        </a:rPr>
+                        <a:t> </a:t>
+                      </a:r>
+                      <a:r>
+                        <a:rPr lang="de-DE" sz="1200" dirty="0">
+                          <a:solidFill>
+                            <a:schemeClr val="tx1"/>
+                          </a:solidFill>
+                          <a:latin typeface="Courier New" panose="02070309020205020404" pitchFamily="49" charset="0"/>
+                          <a:cs typeface="Courier New" panose="02070309020205020404" pitchFamily="49" charset="0"/>
+                        </a:rPr>
+                        <a:t>[0..1]</a:t>
                       </a:r>
                       <a:endParaRPr lang="fr-FR" sz="1200" dirty="0">
                         <a:solidFill>
@@ -12929,7 +12663,7 @@
                 </a:tc>
                 <a:extLst>
                   <a:ext uri="{0D108BD9-81ED-4DB2-BD59-A6C34878D82A}">
-                    <a16:rowId xmlns:a16="http://schemas.microsoft.com/office/drawing/2014/main" val="1601284890"/>
+                    <a16:rowId xmlns:a16="http://schemas.microsoft.com/office/drawing/2014/main" xmlns="" val="1601284890"/>
                   </a:ext>
                 </a:extLst>
               </a:tr>
@@ -12940,16 +12674,6 @@
                     <a:lstStyle/>
                     <a:p>
                       <a:r>
-                        <a:rPr lang="de-DE" sz="1200" dirty="0">
-                          <a:solidFill>
-                            <a:srgbClr val="C83500"/>
-                          </a:solidFill>
-                          <a:latin typeface="Courier New" panose="02070309020205020404" pitchFamily="49" charset="0"/>
-                          <a:cs typeface="Courier New" panose="02070309020205020404" pitchFamily="49" charset="0"/>
-                        </a:rPr>
-                        <a:t>in: </a:t>
-                      </a:r>
-                      <a:r>
                         <a:rPr lang="de-DE" sz="1200" dirty="0" err="1">
                           <a:solidFill>
                             <a:srgbClr val="C83500"/>
@@ -12957,7 +12681,47 @@
                           <a:latin typeface="Courier New" panose="02070309020205020404" pitchFamily="49" charset="0"/>
                           <a:cs typeface="Courier New" panose="02070309020205020404" pitchFamily="49" charset="0"/>
                         </a:rPr>
-                        <a:t>anyURI</a:t>
+                        <a:t>scopes</a:t>
+                      </a:r>
+                      <a:r>
+                        <a:rPr lang="de-DE" sz="1200" dirty="0">
+                          <a:solidFill>
+                            <a:srgbClr val="C83500"/>
+                          </a:solidFill>
+                          <a:latin typeface="Courier New" panose="02070309020205020404" pitchFamily="49" charset="0"/>
+                          <a:cs typeface="Courier New" panose="02070309020205020404" pitchFamily="49" charset="0"/>
+                        </a:rPr>
+                        <a:t>: </a:t>
+                      </a:r>
+                      <a:r>
+                        <a:rPr lang="de-DE" sz="1200" dirty="0" err="1">
+                          <a:solidFill>
+                            <a:srgbClr val="C83500"/>
+                          </a:solidFill>
+                          <a:latin typeface="Courier New" panose="02070309020205020404" pitchFamily="49" charset="0"/>
+                          <a:cs typeface="Courier New" panose="02070309020205020404" pitchFamily="49" charset="0"/>
+                        </a:rPr>
+                        <a:t>string</a:t>
+                      </a:r>
+                      <a:r>
+                        <a:rPr lang="de-DE" sz="1200" dirty="0">
+                          <a:solidFill>
+                            <a:srgbClr val="C83500"/>
+                          </a:solidFill>
+                          <a:latin typeface="Courier New" panose="02070309020205020404" pitchFamily="49" charset="0"/>
+                          <a:cs typeface="Courier New" panose="02070309020205020404" pitchFamily="49" charset="0"/>
+                        </a:rPr>
+                        <a:t> </a:t>
+                      </a:r>
+                      <a:r>
+                        <a:rPr lang="de-DE" sz="1200" dirty="0">
+                          <a:solidFill>
+                            <a:schemeClr val="tx1"/>
+                          </a:solidFill>
+                          <a:latin typeface="Courier New" panose="02070309020205020404" pitchFamily="49" charset="0"/>
+                          <a:cs typeface="Courier New" panose="02070309020205020404" pitchFamily="49" charset="0"/>
+                        </a:rPr>
+                        <a:t>[0..*]</a:t>
                       </a:r>
                       <a:endParaRPr lang="fr-FR" sz="1200" dirty="0">
                         <a:solidFill>
@@ -12976,7 +12740,7 @@
                 </a:tc>
                 <a:extLst>
                   <a:ext uri="{0D108BD9-81ED-4DB2-BD59-A6C34878D82A}">
-                    <a16:rowId xmlns:a16="http://schemas.microsoft.com/office/drawing/2014/main" val="3367285118"/>
+                    <a16:rowId xmlns:a16="http://schemas.microsoft.com/office/drawing/2014/main" xmlns="" val="3367285118"/>
                   </a:ext>
                 </a:extLst>
               </a:tr>
@@ -12994,7 +12758,7 @@
                           <a:latin typeface="Courier New" panose="02070309020205020404" pitchFamily="49" charset="0"/>
                           <a:cs typeface="Courier New" panose="02070309020205020404" pitchFamily="49" charset="0"/>
                         </a:rPr>
-                        <a:t>name</a:t>
+                        <a:t>flow</a:t>
                       </a:r>
                       <a:r>
                         <a:rPr lang="de-DE" sz="1200" dirty="0">
@@ -13015,26 +12779,6 @@
                           <a:cs typeface="Courier New" panose="02070309020205020404" pitchFamily="49" charset="0"/>
                         </a:rPr>
                         <a:t>string</a:t>
-                      </a:r>
-                      <a:r>
-                        <a:rPr lang="de-DE" sz="1200" dirty="0">
-                          <a:solidFill>
-                            <a:srgbClr val="C83500"/>
-                          </a:solidFill>
-                          <a:latin typeface="Courier New" panose="02070309020205020404" pitchFamily="49" charset="0"/>
-                          <a:cs typeface="Courier New" panose="02070309020205020404" pitchFamily="49" charset="0"/>
-                        </a:rPr>
-                        <a:t> </a:t>
-                      </a:r>
-                      <a:r>
-                        <a:rPr lang="de-DE" sz="1200" dirty="0">
-                          <a:solidFill>
-                            <a:schemeClr val="tx1"/>
-                          </a:solidFill>
-                          <a:latin typeface="Courier New" panose="02070309020205020404" pitchFamily="49" charset="0"/>
-                          <a:cs typeface="Courier New" panose="02070309020205020404" pitchFamily="49" charset="0"/>
-                        </a:rPr>
-                        <a:t>[0..1]</a:t>
                       </a:r>
                       <a:endParaRPr lang="fr-FR" sz="1200" dirty="0">
                         <a:solidFill>
@@ -13053,453 +12797,7 @@
                 </a:tc>
                 <a:extLst>
                   <a:ext uri="{0D108BD9-81ED-4DB2-BD59-A6C34878D82A}">
-                    <a16:rowId xmlns:a16="http://schemas.microsoft.com/office/drawing/2014/main" val="517840657"/>
-                  </a:ext>
-                </a:extLst>
-              </a:tr>
-            </a:tbl>
-          </a:graphicData>
-        </a:graphic>
-      </p:graphicFrame>
-      <p:graphicFrame>
-        <p:nvGraphicFramePr>
-          <p:cNvPr id="15" name="Tableau 14">
-            <a:extLst>
-              <a:ext uri="{FF2B5EF4-FFF2-40B4-BE49-F238E27FC236}">
-                <a16:creationId xmlns:a16="http://schemas.microsoft.com/office/drawing/2014/main" id="{EB0A0A66-298C-4ACC-AE8A-E70AB196EA6C}"/>
-              </a:ext>
-            </a:extLst>
-          </p:cNvPr>
-          <p:cNvGraphicFramePr>
-            <a:graphicFrameLocks noGrp="1"/>
-          </p:cNvGraphicFramePr>
-          <p:nvPr>
-            <p:extLst>
-              <p:ext uri="{D42A27DB-BD31-4B8C-83A1-F6EECF244321}">
-                <p14:modId xmlns:p14="http://schemas.microsoft.com/office/powerpoint/2010/main" val="1894004337"/>
-              </p:ext>
-            </p:extLst>
-          </p:nvPr>
-        </p:nvGraphicFramePr>
-        <p:xfrm>
-          <a:off x="6503294" y="6866883"/>
-          <a:ext cx="2833991" cy="1674962"/>
-        </p:xfrm>
-        <a:graphic>
-          <a:graphicData uri="http://schemas.openxmlformats.org/drawingml/2006/table">
-            <a:tbl>
-              <a:tblPr firstRow="1" bandRow="1">
-                <a:tableStyleId>{5C22544A-7EE6-4342-B048-85BDC9FD1C3A}</a:tableStyleId>
-              </a:tblPr>
-              <a:tblGrid>
-                <a:gridCol w="2833991">
-                  <a:extLst>
-                    <a:ext uri="{9D8B030D-6E8A-4147-A177-3AD203B41FA5}">
-                      <a16:colId xmlns:a16="http://schemas.microsoft.com/office/drawing/2014/main" val="3894525368"/>
-                    </a:ext>
-                  </a:extLst>
-                </a:gridCol>
-              </a:tblGrid>
-              <a:tr h="207178">
-                <a:tc>
-                  <a:txBody>
-                    <a:bodyPr/>
-                    <a:lstStyle/>
-                    <a:p>
-                      <a:pPr algn="ctr"/>
-                      <a:r>
-                        <a:rPr lang="de-DE" sz="1200" dirty="0">
-                          <a:solidFill>
-                            <a:srgbClr val="C83500"/>
-                          </a:solidFill>
-                          <a:latin typeface="Courier New" panose="02070309020205020404" pitchFamily="49" charset="0"/>
-                          <a:cs typeface="Courier New" panose="02070309020205020404" pitchFamily="49" charset="0"/>
-                        </a:rPr>
-                        <a:t>OAuth2SecurityScheme</a:t>
-                      </a:r>
-                      <a:endParaRPr lang="fr-FR" sz="1200" dirty="0">
-                        <a:solidFill>
-                          <a:srgbClr val="C83500"/>
-                        </a:solidFill>
-                        <a:latin typeface="Courier New" panose="02070309020205020404" pitchFamily="49" charset="0"/>
-                        <a:cs typeface="Courier New" panose="02070309020205020404" pitchFamily="49" charset="0"/>
-                      </a:endParaRPr>
-                    </a:p>
-                  </a:txBody>
-                  <a:tcPr marT="45721" marB="45721">
-                    <a:solidFill>
-                      <a:srgbClr val="8CCBF2"/>
-                    </a:solidFill>
-                  </a:tcPr>
-                </a:tc>
-                <a:extLst>
-                  <a:ext uri="{0D108BD9-81ED-4DB2-BD59-A6C34878D82A}">
-                    <a16:rowId xmlns:a16="http://schemas.microsoft.com/office/drawing/2014/main" val="1036213551"/>
-                  </a:ext>
-                </a:extLst>
-              </a:tr>
-              <a:tr h="280128">
-                <a:tc>
-                  <a:txBody>
-                    <a:bodyPr/>
-                    <a:lstStyle/>
-                    <a:p>
-                      <a:r>
-                        <a:rPr lang="de-DE" sz="1200" dirty="0" err="1">
-                          <a:solidFill>
-                            <a:srgbClr val="C83500"/>
-                          </a:solidFill>
-                          <a:latin typeface="Courier New" panose="02070309020205020404" pitchFamily="49" charset="0"/>
-                          <a:cs typeface="Courier New" panose="02070309020205020404" pitchFamily="49" charset="0"/>
-                        </a:rPr>
-                        <a:t>authorization</a:t>
-                      </a:r>
-                      <a:r>
-                        <a:rPr lang="de-DE" sz="1200" dirty="0">
-                          <a:solidFill>
-                            <a:srgbClr val="C83500"/>
-                          </a:solidFill>
-                          <a:latin typeface="Courier New" panose="02070309020205020404" pitchFamily="49" charset="0"/>
-                          <a:cs typeface="Courier New" panose="02070309020205020404" pitchFamily="49" charset="0"/>
-                        </a:rPr>
-                        <a:t>: </a:t>
-                      </a:r>
-                      <a:r>
-                        <a:rPr lang="de-DE" sz="1200" dirty="0" err="1">
-                          <a:solidFill>
-                            <a:srgbClr val="C83500"/>
-                          </a:solidFill>
-                          <a:latin typeface="Courier New" panose="02070309020205020404" pitchFamily="49" charset="0"/>
-                          <a:cs typeface="Courier New" panose="02070309020205020404" pitchFamily="49" charset="0"/>
-                        </a:rPr>
-                        <a:t>anyURI</a:t>
-                      </a:r>
-                      <a:r>
-                        <a:rPr lang="de-DE" sz="1200" dirty="0">
-                          <a:solidFill>
-                            <a:srgbClr val="C83500"/>
-                          </a:solidFill>
-                          <a:latin typeface="Courier New" panose="02070309020205020404" pitchFamily="49" charset="0"/>
-                          <a:cs typeface="Courier New" panose="02070309020205020404" pitchFamily="49" charset="0"/>
-                        </a:rPr>
-                        <a:t> </a:t>
-                      </a:r>
-                      <a:r>
-                        <a:rPr lang="de-DE" sz="1200" dirty="0">
-                          <a:solidFill>
-                            <a:schemeClr val="tx1"/>
-                          </a:solidFill>
-                          <a:latin typeface="Courier New" panose="02070309020205020404" pitchFamily="49" charset="0"/>
-                          <a:cs typeface="Courier New" panose="02070309020205020404" pitchFamily="49" charset="0"/>
-                        </a:rPr>
-                        <a:t>[0..1]</a:t>
-                      </a:r>
-                      <a:endParaRPr lang="fr-FR" sz="1200" dirty="0">
-                        <a:solidFill>
-                          <a:schemeClr val="tx1"/>
-                        </a:solidFill>
-                        <a:latin typeface="Courier New" panose="02070309020205020404" pitchFamily="49" charset="0"/>
-                        <a:cs typeface="Courier New" panose="02070309020205020404" pitchFamily="49" charset="0"/>
-                      </a:endParaRPr>
-                    </a:p>
-                  </a:txBody>
-                  <a:tcPr marT="45721" marB="45721">
-                    <a:solidFill>
-                      <a:srgbClr val="DDEEFF"/>
-                    </a:solidFill>
-                  </a:tcPr>
-                </a:tc>
-                <a:extLst>
-                  <a:ext uri="{0D108BD9-81ED-4DB2-BD59-A6C34878D82A}">
-                    <a16:rowId xmlns:a16="http://schemas.microsoft.com/office/drawing/2014/main" val="3926668962"/>
-                  </a:ext>
-                </a:extLst>
-              </a:tr>
-              <a:tr h="280128">
-                <a:tc>
-                  <a:txBody>
-                    <a:bodyPr/>
-                    <a:lstStyle/>
-                    <a:p>
-                      <a:r>
-                        <a:rPr lang="de-DE" sz="1200" dirty="0" err="1">
-                          <a:solidFill>
-                            <a:srgbClr val="C83500"/>
-                          </a:solidFill>
-                          <a:latin typeface="Courier New" panose="02070309020205020404" pitchFamily="49" charset="0"/>
-                          <a:cs typeface="Courier New" panose="02070309020205020404" pitchFamily="49" charset="0"/>
-                        </a:rPr>
-                        <a:t>token</a:t>
-                      </a:r>
-                      <a:r>
-                        <a:rPr lang="de-DE" sz="1200" dirty="0">
-                          <a:solidFill>
-                            <a:srgbClr val="C83500"/>
-                          </a:solidFill>
-                          <a:latin typeface="Courier New" panose="02070309020205020404" pitchFamily="49" charset="0"/>
-                          <a:cs typeface="Courier New" panose="02070309020205020404" pitchFamily="49" charset="0"/>
-                        </a:rPr>
-                        <a:t>: </a:t>
-                      </a:r>
-                      <a:r>
-                        <a:rPr lang="de-DE" sz="1200" dirty="0" err="1">
-                          <a:solidFill>
-                            <a:srgbClr val="C83500"/>
-                          </a:solidFill>
-                          <a:latin typeface="Courier New" panose="02070309020205020404" pitchFamily="49" charset="0"/>
-                          <a:cs typeface="Courier New" panose="02070309020205020404" pitchFamily="49" charset="0"/>
-                        </a:rPr>
-                        <a:t>anyURI</a:t>
-                      </a:r>
-                      <a:r>
-                        <a:rPr lang="de-DE" sz="1200" dirty="0">
-                          <a:solidFill>
-                            <a:srgbClr val="C83500"/>
-                          </a:solidFill>
-                          <a:latin typeface="Courier New" panose="02070309020205020404" pitchFamily="49" charset="0"/>
-                          <a:cs typeface="Courier New" panose="02070309020205020404" pitchFamily="49" charset="0"/>
-                        </a:rPr>
-                        <a:t> </a:t>
-                      </a:r>
-                      <a:r>
-                        <a:rPr lang="de-DE" sz="1200" dirty="0">
-                          <a:solidFill>
-                            <a:schemeClr val="tx1"/>
-                          </a:solidFill>
-                          <a:latin typeface="Courier New" panose="02070309020205020404" pitchFamily="49" charset="0"/>
-                          <a:cs typeface="Courier New" panose="02070309020205020404" pitchFamily="49" charset="0"/>
-                        </a:rPr>
-                        <a:t>[0..1]</a:t>
-                      </a:r>
-                      <a:endParaRPr lang="fr-FR" sz="1200" dirty="0">
-                        <a:solidFill>
-                          <a:srgbClr val="C83500"/>
-                        </a:solidFill>
-                        <a:latin typeface="Courier New" panose="02070309020205020404" pitchFamily="49" charset="0"/>
-                        <a:cs typeface="Courier New" panose="02070309020205020404" pitchFamily="49" charset="0"/>
-                      </a:endParaRPr>
-                    </a:p>
-                  </a:txBody>
-                  <a:tcPr marT="45721" marB="45721">
-                    <a:solidFill>
-                      <a:srgbClr val="DDEEFF"/>
-                    </a:solidFill>
-                  </a:tcPr>
-                </a:tc>
-                <a:extLst>
-                  <a:ext uri="{0D108BD9-81ED-4DB2-BD59-A6C34878D82A}">
-                    <a16:rowId xmlns:a16="http://schemas.microsoft.com/office/drawing/2014/main" val="1760400032"/>
-                  </a:ext>
-                </a:extLst>
-              </a:tr>
-              <a:tr h="280128">
-                <a:tc>
-                  <a:txBody>
-                    <a:bodyPr/>
-                    <a:lstStyle/>
-                    <a:p>
-                      <a:r>
-                        <a:rPr lang="de-DE" sz="1200" dirty="0" err="1">
-                          <a:solidFill>
-                            <a:srgbClr val="C83500"/>
-                          </a:solidFill>
-                          <a:latin typeface="Courier New" panose="02070309020205020404" pitchFamily="49" charset="0"/>
-                          <a:cs typeface="Courier New" panose="02070309020205020404" pitchFamily="49" charset="0"/>
-                        </a:rPr>
-                        <a:t>refresh</a:t>
-                      </a:r>
-                      <a:r>
-                        <a:rPr lang="de-DE" sz="1200" dirty="0">
-                          <a:solidFill>
-                            <a:srgbClr val="C83500"/>
-                          </a:solidFill>
-                          <a:latin typeface="Courier New" panose="02070309020205020404" pitchFamily="49" charset="0"/>
-                          <a:cs typeface="Courier New" panose="02070309020205020404" pitchFamily="49" charset="0"/>
-                        </a:rPr>
-                        <a:t>: </a:t>
-                      </a:r>
-                      <a:r>
-                        <a:rPr lang="de-DE" sz="1200" dirty="0" err="1">
-                          <a:solidFill>
-                            <a:srgbClr val="C83500"/>
-                          </a:solidFill>
-                          <a:latin typeface="Courier New" panose="02070309020205020404" pitchFamily="49" charset="0"/>
-                          <a:cs typeface="Courier New" panose="02070309020205020404" pitchFamily="49" charset="0"/>
-                        </a:rPr>
-                        <a:t>anyURI</a:t>
-                      </a:r>
-                      <a:r>
-                        <a:rPr lang="de-DE" sz="1200" dirty="0">
-                          <a:solidFill>
-                            <a:srgbClr val="C83500"/>
-                          </a:solidFill>
-                          <a:latin typeface="Courier New" panose="02070309020205020404" pitchFamily="49" charset="0"/>
-                          <a:cs typeface="Courier New" panose="02070309020205020404" pitchFamily="49" charset="0"/>
-                        </a:rPr>
-                        <a:t> </a:t>
-                      </a:r>
-                      <a:r>
-                        <a:rPr lang="de-DE" sz="1200" dirty="0">
-                          <a:solidFill>
-                            <a:schemeClr val="tx1"/>
-                          </a:solidFill>
-                          <a:latin typeface="Courier New" panose="02070309020205020404" pitchFamily="49" charset="0"/>
-                          <a:cs typeface="Courier New" panose="02070309020205020404" pitchFamily="49" charset="0"/>
-                        </a:rPr>
-                        <a:t>[0..1]</a:t>
-                      </a:r>
-                      <a:endParaRPr lang="fr-FR" sz="1200" dirty="0">
-                        <a:solidFill>
-                          <a:srgbClr val="C83500"/>
-                        </a:solidFill>
-                        <a:latin typeface="Courier New" panose="02070309020205020404" pitchFamily="49" charset="0"/>
-                        <a:cs typeface="Courier New" panose="02070309020205020404" pitchFamily="49" charset="0"/>
-                      </a:endParaRPr>
-                    </a:p>
-                  </a:txBody>
-                  <a:tcPr marT="45721" marB="45721">
-                    <a:solidFill>
-                      <a:srgbClr val="DDEEFF"/>
-                    </a:solidFill>
-                  </a:tcPr>
-                </a:tc>
-                <a:extLst>
-                  <a:ext uri="{0D108BD9-81ED-4DB2-BD59-A6C34878D82A}">
-                    <a16:rowId xmlns:a16="http://schemas.microsoft.com/office/drawing/2014/main" val="1601284890"/>
-                  </a:ext>
-                </a:extLst>
-              </a:tr>
-              <a:tr h="280128">
-                <a:tc>
-                  <a:txBody>
-                    <a:bodyPr/>
-                    <a:lstStyle/>
-                    <a:p>
-                      <a:r>
-                        <a:rPr lang="de-DE" sz="1200" dirty="0" err="1">
-                          <a:solidFill>
-                            <a:srgbClr val="C83500"/>
-                          </a:solidFill>
-                          <a:latin typeface="Courier New" panose="02070309020205020404" pitchFamily="49" charset="0"/>
-                          <a:cs typeface="Courier New" panose="02070309020205020404" pitchFamily="49" charset="0"/>
-                        </a:rPr>
-                        <a:t>scopes</a:t>
-                      </a:r>
-                      <a:r>
-                        <a:rPr lang="de-DE" sz="1200" dirty="0">
-                          <a:solidFill>
-                            <a:srgbClr val="C83500"/>
-                          </a:solidFill>
-                          <a:latin typeface="Courier New" panose="02070309020205020404" pitchFamily="49" charset="0"/>
-                          <a:cs typeface="Courier New" panose="02070309020205020404" pitchFamily="49" charset="0"/>
-                        </a:rPr>
-                        <a:t>: </a:t>
-                      </a:r>
-                      <a:r>
-                        <a:rPr lang="de-DE" sz="1200" dirty="0" err="1">
-                          <a:solidFill>
-                            <a:srgbClr val="C83500"/>
-                          </a:solidFill>
-                          <a:latin typeface="Courier New" panose="02070309020205020404" pitchFamily="49" charset="0"/>
-                          <a:cs typeface="Courier New" panose="02070309020205020404" pitchFamily="49" charset="0"/>
-                        </a:rPr>
-                        <a:t>string</a:t>
-                      </a:r>
-                      <a:r>
-                        <a:rPr lang="de-DE" sz="1200" dirty="0">
-                          <a:solidFill>
-                            <a:srgbClr val="C83500"/>
-                          </a:solidFill>
-                          <a:latin typeface="Courier New" panose="02070309020205020404" pitchFamily="49" charset="0"/>
-                          <a:cs typeface="Courier New" panose="02070309020205020404" pitchFamily="49" charset="0"/>
-                        </a:rPr>
-                        <a:t> </a:t>
-                      </a:r>
-                      <a:r>
-                        <a:rPr lang="de-DE" sz="1200" dirty="0">
-                          <a:solidFill>
-                            <a:schemeClr val="tx1"/>
-                          </a:solidFill>
-                          <a:latin typeface="Courier New" panose="02070309020205020404" pitchFamily="49" charset="0"/>
-                          <a:cs typeface="Courier New" panose="02070309020205020404" pitchFamily="49" charset="0"/>
-                        </a:rPr>
-                        <a:t>[0..*]</a:t>
-                      </a:r>
-                      <a:endParaRPr lang="fr-FR" sz="1200" dirty="0">
-                        <a:solidFill>
-                          <a:srgbClr val="C83500"/>
-                        </a:solidFill>
-                        <a:latin typeface="Courier New" panose="02070309020205020404" pitchFamily="49" charset="0"/>
-                        <a:cs typeface="Courier New" panose="02070309020205020404" pitchFamily="49" charset="0"/>
-                      </a:endParaRPr>
-                    </a:p>
-                  </a:txBody>
-                  <a:tcPr marT="45721" marB="45721">
-                    <a:solidFill>
-                      <a:srgbClr val="DDEEFF"/>
-                    </a:solidFill>
-                  </a:tcPr>
-                </a:tc>
-                <a:extLst>
-                  <a:ext uri="{0D108BD9-81ED-4DB2-BD59-A6C34878D82A}">
-                    <a16:rowId xmlns:a16="http://schemas.microsoft.com/office/drawing/2014/main" val="3367285118"/>
-                  </a:ext>
-                </a:extLst>
-              </a:tr>
-              <a:tr h="280128">
-                <a:tc>
-                  <a:txBody>
-                    <a:bodyPr/>
-                    <a:lstStyle/>
-                    <a:p>
-                      <a:r>
-                        <a:rPr lang="de-DE" sz="1200" dirty="0" err="1">
-                          <a:solidFill>
-                            <a:srgbClr val="C83500"/>
-                          </a:solidFill>
-                          <a:latin typeface="Courier New" panose="02070309020205020404" pitchFamily="49" charset="0"/>
-                          <a:cs typeface="Courier New" panose="02070309020205020404" pitchFamily="49" charset="0"/>
-                        </a:rPr>
-                        <a:t>flow</a:t>
-                      </a:r>
-                      <a:r>
-                        <a:rPr lang="de-DE" sz="1200" dirty="0">
-                          <a:solidFill>
-                            <a:srgbClr val="C83500"/>
-                          </a:solidFill>
-                          <a:latin typeface="Courier New" panose="02070309020205020404" pitchFamily="49" charset="0"/>
-                          <a:cs typeface="Courier New" panose="02070309020205020404" pitchFamily="49" charset="0"/>
-                        </a:rPr>
-                        <a:t>: </a:t>
-                      </a:r>
-                      <a:r>
-                        <a:rPr lang="de-DE" sz="1200" dirty="0" err="1">
-                          <a:solidFill>
-                            <a:srgbClr val="C83500"/>
-                          </a:solidFill>
-                          <a:latin typeface="Courier New" panose="02070309020205020404" pitchFamily="49" charset="0"/>
-                          <a:cs typeface="Courier New" panose="02070309020205020404" pitchFamily="49" charset="0"/>
-                        </a:rPr>
-                        <a:t>string</a:t>
-                      </a:r>
-                      <a:endParaRPr lang="fr-FR" sz="1200" dirty="0">
-                        <a:solidFill>
-                          <a:srgbClr val="C83500"/>
-                        </a:solidFill>
-                        <a:latin typeface="Courier New" panose="02070309020205020404" pitchFamily="49" charset="0"/>
-                        <a:cs typeface="Courier New" panose="02070309020205020404" pitchFamily="49" charset="0"/>
-                      </a:endParaRPr>
-                    </a:p>
-                  </a:txBody>
-                  <a:tcPr marT="45721" marB="45721">
-                    <a:solidFill>
-                      <a:srgbClr val="DDEEFF"/>
-                    </a:solidFill>
-                  </a:tcPr>
-                </a:tc>
-                <a:extLst>
-                  <a:ext uri="{0D108BD9-81ED-4DB2-BD59-A6C34878D82A}">
-                    <a16:rowId xmlns:a16="http://schemas.microsoft.com/office/drawing/2014/main" val="517840657"/>
+                    <a16:rowId xmlns:a16="http://schemas.microsoft.com/office/drawing/2014/main" xmlns="" val="517840657"/>
                   </a:ext>
                 </a:extLst>
               </a:tr>
@@ -13512,7 +12810,7 @@
           <p:cNvPr id="16" name="Tableau 15">
             <a:extLst>
               <a:ext uri="{FF2B5EF4-FFF2-40B4-BE49-F238E27FC236}">
-                <a16:creationId xmlns:a16="http://schemas.microsoft.com/office/drawing/2014/main" id="{44F53865-CE0A-4DD8-9D79-47F04F77E46C}"/>
+                <a16:creationId xmlns:a16="http://schemas.microsoft.com/office/drawing/2014/main" xmlns="" id="{44F53865-CE0A-4DD8-9D79-47F04F77E46C}"/>
               </a:ext>
             </a:extLst>
           </p:cNvPr>
@@ -13541,7 +12839,7 @@
                 <a:gridCol w="2833991">
                   <a:extLst>
                     <a:ext uri="{9D8B030D-6E8A-4147-A177-3AD203B41FA5}">
-                      <a16:colId xmlns:a16="http://schemas.microsoft.com/office/drawing/2014/main" val="3894525368"/>
+                      <a16:colId xmlns:a16="http://schemas.microsoft.com/office/drawing/2014/main" xmlns="" val="3894525368"/>
                     </a:ext>
                   </a:extLst>
                 </a:gridCol>
@@ -13580,7 +12878,7 @@
                 </a:tc>
                 <a:extLst>
                   <a:ext uri="{0D108BD9-81ED-4DB2-BD59-A6C34878D82A}">
-                    <a16:rowId xmlns:a16="http://schemas.microsoft.com/office/drawing/2014/main" val="1036213551"/>
+                    <a16:rowId xmlns:a16="http://schemas.microsoft.com/office/drawing/2014/main" xmlns="" val="1036213551"/>
                   </a:ext>
                 </a:extLst>
               </a:tr>
@@ -13593,7 +12891,7 @@
           <p:cNvPr id="17" name="Groupe 16">
             <a:extLst>
               <a:ext uri="{FF2B5EF4-FFF2-40B4-BE49-F238E27FC236}">
-                <a16:creationId xmlns:a16="http://schemas.microsoft.com/office/drawing/2014/main" id="{3782042A-EE20-4EA7-8B43-1C604B341363}"/>
+                <a16:creationId xmlns:a16="http://schemas.microsoft.com/office/drawing/2014/main" xmlns="" id="{3782042A-EE20-4EA7-8B43-1C604B341363}"/>
               </a:ext>
             </a:extLst>
           </p:cNvPr>
@@ -13613,7 +12911,7 @@
             <p:cNvPr id="18" name="Connecteur : en arc 17">
               <a:extLst>
                 <a:ext uri="{FF2B5EF4-FFF2-40B4-BE49-F238E27FC236}">
-                  <a16:creationId xmlns:a16="http://schemas.microsoft.com/office/drawing/2014/main" id="{08C9693D-2D1C-4082-856C-A501C926EB17}"/>
+                  <a16:creationId xmlns:a16="http://schemas.microsoft.com/office/drawing/2014/main" xmlns="" id="{08C9693D-2D1C-4082-856C-A501C926EB17}"/>
                 </a:ext>
               </a:extLst>
             </p:cNvPr>
@@ -13660,7 +12958,7 @@
             <p:cNvPr id="19" name="Rectangle 18">
               <a:extLst>
                 <a:ext uri="{FF2B5EF4-FFF2-40B4-BE49-F238E27FC236}">
-                  <a16:creationId xmlns:a16="http://schemas.microsoft.com/office/drawing/2014/main" id="{4392AE0A-58B7-4777-AF78-BF28333A791F}"/>
+                  <a16:creationId xmlns:a16="http://schemas.microsoft.com/office/drawing/2014/main" xmlns="" id="{4392AE0A-58B7-4777-AF78-BF28333A791F}"/>
                 </a:ext>
               </a:extLst>
             </p:cNvPr>
@@ -13701,7 +12999,7 @@
             <p:cNvPr id="20" name="Rectangle 19">
               <a:extLst>
                 <a:ext uri="{FF2B5EF4-FFF2-40B4-BE49-F238E27FC236}">
-                  <a16:creationId xmlns:a16="http://schemas.microsoft.com/office/drawing/2014/main" id="{070A2BCD-33A0-4BFE-83C9-97EDBC4846DD}"/>
+                  <a16:creationId xmlns:a16="http://schemas.microsoft.com/office/drawing/2014/main" xmlns="" id="{070A2BCD-33A0-4BFE-83C9-97EDBC4846DD}"/>
                 </a:ext>
               </a:extLst>
             </p:cNvPr>
@@ -13740,7 +13038,7 @@
           <p:cNvPr id="22" name="Connecteur : en angle 21">
             <a:extLst>
               <a:ext uri="{FF2B5EF4-FFF2-40B4-BE49-F238E27FC236}">
-                <a16:creationId xmlns:a16="http://schemas.microsoft.com/office/drawing/2014/main" id="{1BEEB9A0-5CA2-4EE4-B79C-148248A35E9A}"/>
+                <a16:creationId xmlns:a16="http://schemas.microsoft.com/office/drawing/2014/main" xmlns="" id="{1BEEB9A0-5CA2-4EE4-B79C-148248A35E9A}"/>
               </a:ext>
             </a:extLst>
           </p:cNvPr>
@@ -13788,7 +13086,7 @@
           <p:cNvPr id="23" name="Triangle isocèle 22">
             <a:extLst>
               <a:ext uri="{FF2B5EF4-FFF2-40B4-BE49-F238E27FC236}">
-                <a16:creationId xmlns:a16="http://schemas.microsoft.com/office/drawing/2014/main" id="{EE4A8B5B-FB07-4706-9514-8B5E551A6F54}"/>
+                <a16:creationId xmlns:a16="http://schemas.microsoft.com/office/drawing/2014/main" xmlns="" id="{EE4A8B5B-FB07-4706-9514-8B5E551A6F54}"/>
               </a:ext>
             </a:extLst>
           </p:cNvPr>
@@ -13842,7 +13140,7 @@
           <p:cNvPr id="25" name="Connecteur : en angle 24">
             <a:extLst>
               <a:ext uri="{FF2B5EF4-FFF2-40B4-BE49-F238E27FC236}">
-                <a16:creationId xmlns:a16="http://schemas.microsoft.com/office/drawing/2014/main" id="{F73BFB78-0E8F-4938-A62A-BB079F8E204E}"/>
+                <a16:creationId xmlns:a16="http://schemas.microsoft.com/office/drawing/2014/main" xmlns="" id="{F73BFB78-0E8F-4938-A62A-BB079F8E204E}"/>
               </a:ext>
             </a:extLst>
           </p:cNvPr>
@@ -13890,7 +13188,7 @@
           <p:cNvPr id="28" name="Connecteur : en angle 27">
             <a:extLst>
               <a:ext uri="{FF2B5EF4-FFF2-40B4-BE49-F238E27FC236}">
-                <a16:creationId xmlns:a16="http://schemas.microsoft.com/office/drawing/2014/main" id="{08922CE3-1E43-4681-AF79-722937F7D501}"/>
+                <a16:creationId xmlns:a16="http://schemas.microsoft.com/office/drawing/2014/main" xmlns="" id="{08922CE3-1E43-4681-AF79-722937F7D501}"/>
               </a:ext>
             </a:extLst>
           </p:cNvPr>
@@ -13938,7 +13236,7 @@
           <p:cNvPr id="31" name="Connecteur : en angle 30">
             <a:extLst>
               <a:ext uri="{FF2B5EF4-FFF2-40B4-BE49-F238E27FC236}">
-                <a16:creationId xmlns:a16="http://schemas.microsoft.com/office/drawing/2014/main" id="{5C3CA969-A61B-4055-8FA4-7E4F802BACB7}"/>
+                <a16:creationId xmlns:a16="http://schemas.microsoft.com/office/drawing/2014/main" xmlns="" id="{5C3CA969-A61B-4055-8FA4-7E4F802BACB7}"/>
               </a:ext>
             </a:extLst>
           </p:cNvPr>
@@ -13986,7 +13284,7 @@
           <p:cNvPr id="34" name="Connecteur : en angle 33">
             <a:extLst>
               <a:ext uri="{FF2B5EF4-FFF2-40B4-BE49-F238E27FC236}">
-                <a16:creationId xmlns:a16="http://schemas.microsoft.com/office/drawing/2014/main" id="{2D67E13C-74B5-44D5-8534-42AECDD19D16}"/>
+                <a16:creationId xmlns:a16="http://schemas.microsoft.com/office/drawing/2014/main" xmlns="" id="{2D67E13C-74B5-44D5-8534-42AECDD19D16}"/>
               </a:ext>
             </a:extLst>
           </p:cNvPr>
@@ -14029,58 +13327,10 @@
       </p:cxnSp>
       <p:cxnSp>
         <p:nvCxnSpPr>
-          <p:cNvPr id="39" name="Connecteur : en angle 38">
-            <a:extLst>
-              <a:ext uri="{FF2B5EF4-FFF2-40B4-BE49-F238E27FC236}">
-                <a16:creationId xmlns:a16="http://schemas.microsoft.com/office/drawing/2014/main" id="{B2EC6005-4968-4C18-B3BD-F640FDD253DE}"/>
-              </a:ext>
-            </a:extLst>
-          </p:cNvPr>
-          <p:cNvCxnSpPr>
-            <a:cxnSpLocks/>
-            <a:stCxn id="8" idx="0"/>
-            <a:endCxn id="23" idx="3"/>
-          </p:cNvCxnSpPr>
-          <p:nvPr/>
-        </p:nvCxnSpPr>
-        <p:spPr>
-          <a:xfrm rot="5400000" flipH="1" flipV="1">
-            <a:off x="4345624" y="2633291"/>
-            <a:ext cx="2568199" cy="1542153"/>
-          </a:xfrm>
-          <a:prstGeom prst="bentConnector3">
-            <a:avLst>
-              <a:gd name="adj1" fmla="val 14766"/>
-            </a:avLst>
-          </a:prstGeom>
-          <a:ln>
-            <a:solidFill>
-              <a:schemeClr val="tx1"/>
-            </a:solidFill>
-            <a:tailEnd type="none" w="lg" len="lg"/>
-          </a:ln>
-        </p:spPr>
-        <p:style>
-          <a:lnRef idx="1">
-            <a:schemeClr val="accent1"/>
-          </a:lnRef>
-          <a:fillRef idx="0">
-            <a:schemeClr val="accent1"/>
-          </a:fillRef>
-          <a:effectRef idx="0">
-            <a:schemeClr val="accent1"/>
-          </a:effectRef>
-          <a:fontRef idx="minor">
-            <a:schemeClr val="tx1"/>
-          </a:fontRef>
-        </p:style>
-      </p:cxnSp>
-      <p:cxnSp>
-        <p:nvCxnSpPr>
           <p:cNvPr id="42" name="Connecteur : en angle 41">
             <a:extLst>
               <a:ext uri="{FF2B5EF4-FFF2-40B4-BE49-F238E27FC236}">
-                <a16:creationId xmlns:a16="http://schemas.microsoft.com/office/drawing/2014/main" id="{65265E05-BC1C-40DB-A52D-485C58BA3255}"/>
+                <a16:creationId xmlns:a16="http://schemas.microsoft.com/office/drawing/2014/main" xmlns="" id="{65265E05-BC1C-40DB-A52D-485C58BA3255}"/>
               </a:ext>
             </a:extLst>
           </p:cNvPr>
@@ -14093,108 +13343,12 @@
         </p:nvCxnSpPr>
         <p:spPr>
           <a:xfrm rot="16200000" flipV="1">
-            <a:off x="5876447" y="2644621"/>
-            <a:ext cx="2568199" cy="1519492"/>
+            <a:off x="7396912" y="1124156"/>
+            <a:ext cx="2568199" cy="4560421"/>
           </a:xfrm>
           <a:prstGeom prst="bentConnector3">
             <a:avLst>
-              <a:gd name="adj1" fmla="val 14766"/>
-            </a:avLst>
-          </a:prstGeom>
-          <a:ln>
-            <a:solidFill>
-              <a:schemeClr val="tx1"/>
-            </a:solidFill>
-            <a:tailEnd type="none" w="lg" len="lg"/>
-          </a:ln>
-        </p:spPr>
-        <p:style>
-          <a:lnRef idx="1">
-            <a:schemeClr val="accent1"/>
-          </a:lnRef>
-          <a:fillRef idx="0">
-            <a:schemeClr val="accent1"/>
-          </a:fillRef>
-          <a:effectRef idx="0">
-            <a:schemeClr val="accent1"/>
-          </a:effectRef>
-          <a:fontRef idx="minor">
-            <a:schemeClr val="tx1"/>
-          </a:fontRef>
-        </p:style>
-      </p:cxnSp>
-      <p:cxnSp>
-        <p:nvCxnSpPr>
-          <p:cNvPr id="45" name="Connecteur : en angle 44">
-            <a:extLst>
-              <a:ext uri="{FF2B5EF4-FFF2-40B4-BE49-F238E27FC236}">
-                <a16:creationId xmlns:a16="http://schemas.microsoft.com/office/drawing/2014/main" id="{2EEA2E9F-67E5-4BE6-BB3E-4FC605E91BCA}"/>
-              </a:ext>
-            </a:extLst>
-          </p:cNvPr>
-          <p:cNvCxnSpPr>
-            <a:cxnSpLocks/>
-            <a:stCxn id="10" idx="0"/>
-            <a:endCxn id="23" idx="3"/>
-          </p:cNvCxnSpPr>
-          <p:nvPr/>
-        </p:nvCxnSpPr>
-        <p:spPr>
-          <a:xfrm rot="16200000" flipV="1">
-            <a:off x="7407269" y="1113799"/>
-            <a:ext cx="2568199" cy="4581136"/>
-          </a:xfrm>
-          <a:prstGeom prst="bentConnector3">
-            <a:avLst>
-              <a:gd name="adj1" fmla="val 14889"/>
-            </a:avLst>
-          </a:prstGeom>
-          <a:ln>
-            <a:solidFill>
-              <a:schemeClr val="tx1"/>
-            </a:solidFill>
-            <a:tailEnd type="none" w="lg" len="lg"/>
-          </a:ln>
-        </p:spPr>
-        <p:style>
-          <a:lnRef idx="1">
-            <a:schemeClr val="accent1"/>
-          </a:lnRef>
-          <a:fillRef idx="0">
-            <a:schemeClr val="accent1"/>
-          </a:fillRef>
-          <a:effectRef idx="0">
-            <a:schemeClr val="accent1"/>
-          </a:effectRef>
-          <a:fontRef idx="minor">
-            <a:schemeClr val="tx1"/>
-          </a:fontRef>
-        </p:style>
-      </p:cxnSp>
-      <p:cxnSp>
-        <p:nvCxnSpPr>
-          <p:cNvPr id="56" name="Connecteur : en angle 55">
-            <a:extLst>
-              <a:ext uri="{FF2B5EF4-FFF2-40B4-BE49-F238E27FC236}">
-                <a16:creationId xmlns:a16="http://schemas.microsoft.com/office/drawing/2014/main" id="{B717F52A-E466-4ED4-804D-F0C85D60F138}"/>
-              </a:ext>
-            </a:extLst>
-          </p:cNvPr>
-          <p:cNvCxnSpPr>
-            <a:cxnSpLocks/>
-            <a:stCxn id="14" idx="0"/>
-            <a:endCxn id="23" idx="3"/>
-          </p:cNvCxnSpPr>
-          <p:nvPr/>
-        </p:nvCxnSpPr>
-        <p:spPr>
-          <a:xfrm rot="5400000" flipH="1" flipV="1">
-            <a:off x="3256414" y="3722498"/>
-            <a:ext cx="4746616" cy="1542155"/>
-          </a:xfrm>
-          <a:prstGeom prst="bentConnector3">
-            <a:avLst>
-              <a:gd name="adj1" fmla="val 15752"/>
+              <a:gd name="adj1" fmla="val 14395"/>
             </a:avLst>
           </a:prstGeom>
           <a:ln>
@@ -14224,7 +13378,7 @@
           <p:cNvPr id="59" name="Connecteur : en angle 58">
             <a:extLst>
               <a:ext uri="{FF2B5EF4-FFF2-40B4-BE49-F238E27FC236}">
-                <a16:creationId xmlns:a16="http://schemas.microsoft.com/office/drawing/2014/main" id="{8F5728E8-53D5-4305-BACD-4CD996B81FFB}"/>
+                <a16:creationId xmlns:a16="http://schemas.microsoft.com/office/drawing/2014/main" xmlns="" id="{8F5728E8-53D5-4305-BACD-4CD996B81FFB}"/>
               </a:ext>
             </a:extLst>
           </p:cNvPr>
@@ -14236,13 +13390,13 @@
           <p:nvPr/>
         </p:nvCxnSpPr>
         <p:spPr>
-          <a:xfrm rot="16200000" flipV="1">
-            <a:off x="4787237" y="3733830"/>
-            <a:ext cx="4746616" cy="1519489"/>
+          <a:xfrm rot="5400000" flipH="1" flipV="1">
+            <a:off x="5106214" y="3413875"/>
+            <a:ext cx="2588194" cy="978"/>
           </a:xfrm>
           <a:prstGeom prst="bentConnector3">
             <a:avLst>
-              <a:gd name="adj1" fmla="val 15752"/>
+              <a:gd name="adj1" fmla="val 50000"/>
             </a:avLst>
           </a:prstGeom>
           <a:ln>
@@ -14302,7 +13456,7 @@
           <p:cNvPr id="2" name="Tableau 1">
             <a:extLst>
               <a:ext uri="{FF2B5EF4-FFF2-40B4-BE49-F238E27FC236}">
-                <a16:creationId xmlns:a16="http://schemas.microsoft.com/office/drawing/2014/main" id="{D8F65603-5BEF-4CC0-8CBB-9AD41FA8EE82}"/>
+                <a16:creationId xmlns:a16="http://schemas.microsoft.com/office/drawing/2014/main" xmlns="" id="{D8F65603-5BEF-4CC0-8CBB-9AD41FA8EE82}"/>
               </a:ext>
             </a:extLst>
           </p:cNvPr>
@@ -14331,7 +13485,7 @@
                 <a:gridCol w="2833991">
                   <a:extLst>
                     <a:ext uri="{9D8B030D-6E8A-4147-A177-3AD203B41FA5}">
-                      <a16:colId xmlns:a16="http://schemas.microsoft.com/office/drawing/2014/main" val="3894525368"/>
+                      <a16:colId xmlns:a16="http://schemas.microsoft.com/office/drawing/2014/main" xmlns="" val="3894525368"/>
                     </a:ext>
                   </a:extLst>
                 </a:gridCol>
@@ -14370,7 +13524,7 @@
                 </a:tc>
                 <a:extLst>
                   <a:ext uri="{0D108BD9-81ED-4DB2-BD59-A6C34878D82A}">
-                    <a16:rowId xmlns:a16="http://schemas.microsoft.com/office/drawing/2014/main" val="1036213551"/>
+                    <a16:rowId xmlns:a16="http://schemas.microsoft.com/office/drawing/2014/main" xmlns="" val="1036213551"/>
                   </a:ext>
                 </a:extLst>
               </a:tr>
@@ -14447,7 +13601,7 @@
                 </a:tc>
                 <a:extLst>
                   <a:ext uri="{0D108BD9-81ED-4DB2-BD59-A6C34878D82A}">
-                    <a16:rowId xmlns:a16="http://schemas.microsoft.com/office/drawing/2014/main" val="3926668962"/>
+                    <a16:rowId xmlns:a16="http://schemas.microsoft.com/office/drawing/2014/main" xmlns="" val="3926668962"/>
                   </a:ext>
                 </a:extLst>
               </a:tr>
@@ -14504,7 +13658,7 @@
                 </a:tc>
                 <a:extLst>
                   <a:ext uri="{0D108BD9-81ED-4DB2-BD59-A6C34878D82A}">
-                    <a16:rowId xmlns:a16="http://schemas.microsoft.com/office/drawing/2014/main" val="1760400032"/>
+                    <a16:rowId xmlns:a16="http://schemas.microsoft.com/office/drawing/2014/main" xmlns="" val="1760400032"/>
                   </a:ext>
                 </a:extLst>
               </a:tr>
@@ -14561,7 +13715,7 @@
                 </a:tc>
                 <a:extLst>
                   <a:ext uri="{0D108BD9-81ED-4DB2-BD59-A6C34878D82A}">
-                    <a16:rowId xmlns:a16="http://schemas.microsoft.com/office/drawing/2014/main" val="1601284890"/>
+                    <a16:rowId xmlns:a16="http://schemas.microsoft.com/office/drawing/2014/main" xmlns="" val="1601284890"/>
                   </a:ext>
                 </a:extLst>
               </a:tr>
@@ -14638,7 +13792,7 @@
                 </a:tc>
                 <a:extLst>
                   <a:ext uri="{0D108BD9-81ED-4DB2-BD59-A6C34878D82A}">
-                    <a16:rowId xmlns:a16="http://schemas.microsoft.com/office/drawing/2014/main" val="3367285118"/>
+                    <a16:rowId xmlns:a16="http://schemas.microsoft.com/office/drawing/2014/main" xmlns="" val="3367285118"/>
                   </a:ext>
                 </a:extLst>
               </a:tr>
@@ -14715,7 +13869,7 @@
                 </a:tc>
                 <a:extLst>
                   <a:ext uri="{0D108BD9-81ED-4DB2-BD59-A6C34878D82A}">
-                    <a16:rowId xmlns:a16="http://schemas.microsoft.com/office/drawing/2014/main" val="960564781"/>
+                    <a16:rowId xmlns:a16="http://schemas.microsoft.com/office/drawing/2014/main" xmlns="" val="960564781"/>
                   </a:ext>
                 </a:extLst>
               </a:tr>
@@ -14792,7 +13946,7 @@
                 </a:tc>
                 <a:extLst>
                   <a:ext uri="{0D108BD9-81ED-4DB2-BD59-A6C34878D82A}">
-                    <a16:rowId xmlns:a16="http://schemas.microsoft.com/office/drawing/2014/main" val="2231639979"/>
+                    <a16:rowId xmlns:a16="http://schemas.microsoft.com/office/drawing/2014/main" xmlns="" val="2231639979"/>
                   </a:ext>
                 </a:extLst>
               </a:tr>
@@ -14869,7 +14023,7 @@
                 </a:tc>
                 <a:extLst>
                   <a:ext uri="{0D108BD9-81ED-4DB2-BD59-A6C34878D82A}">
-                    <a16:rowId xmlns:a16="http://schemas.microsoft.com/office/drawing/2014/main" val="1471392049"/>
+                    <a16:rowId xmlns:a16="http://schemas.microsoft.com/office/drawing/2014/main" xmlns="" val="1471392049"/>
                   </a:ext>
                 </a:extLst>
               </a:tr>
@@ -14882,7 +14036,7 @@
           <p:cNvPr id="5" name="Tableau 4">
             <a:extLst>
               <a:ext uri="{FF2B5EF4-FFF2-40B4-BE49-F238E27FC236}">
-                <a16:creationId xmlns:a16="http://schemas.microsoft.com/office/drawing/2014/main" id="{D8102722-8E66-479A-9AC3-02C2A8F3BFCD}"/>
+                <a16:creationId xmlns:a16="http://schemas.microsoft.com/office/drawing/2014/main" xmlns="" id="{D8102722-8E66-479A-9AC3-02C2A8F3BFCD}"/>
               </a:ext>
             </a:extLst>
           </p:cNvPr>
@@ -14911,7 +14065,7 @@
                 <a:gridCol w="2833991">
                   <a:extLst>
                     <a:ext uri="{9D8B030D-6E8A-4147-A177-3AD203B41FA5}">
-                      <a16:colId xmlns:a16="http://schemas.microsoft.com/office/drawing/2014/main" val="3894525368"/>
+                      <a16:colId xmlns:a16="http://schemas.microsoft.com/office/drawing/2014/main" xmlns="" val="3894525368"/>
                     </a:ext>
                   </a:extLst>
                 </a:gridCol>
@@ -14950,7 +14104,7 @@
                 </a:tc>
                 <a:extLst>
                   <a:ext uri="{0D108BD9-81ED-4DB2-BD59-A6C34878D82A}">
-                    <a16:rowId xmlns:a16="http://schemas.microsoft.com/office/drawing/2014/main" val="1036213551"/>
+                    <a16:rowId xmlns:a16="http://schemas.microsoft.com/office/drawing/2014/main" xmlns="" val="1036213551"/>
                   </a:ext>
                 </a:extLst>
               </a:tr>
@@ -15007,7 +14161,7 @@
                 </a:tc>
                 <a:extLst>
                   <a:ext uri="{0D108BD9-81ED-4DB2-BD59-A6C34878D82A}">
-                    <a16:rowId xmlns:a16="http://schemas.microsoft.com/office/drawing/2014/main" val="1601284890"/>
+                    <a16:rowId xmlns:a16="http://schemas.microsoft.com/office/drawing/2014/main" xmlns="" val="1601284890"/>
                   </a:ext>
                 </a:extLst>
               </a:tr>
@@ -15020,7 +14174,7 @@
           <p:cNvPr id="6" name="Tableau 5">
             <a:extLst>
               <a:ext uri="{FF2B5EF4-FFF2-40B4-BE49-F238E27FC236}">
-                <a16:creationId xmlns:a16="http://schemas.microsoft.com/office/drawing/2014/main" id="{BE6AFA96-59D4-4408-8630-A67B12215FD3}"/>
+                <a16:creationId xmlns:a16="http://schemas.microsoft.com/office/drawing/2014/main" xmlns="" id="{BE6AFA96-59D4-4408-8630-A67B12215FD3}"/>
               </a:ext>
             </a:extLst>
           </p:cNvPr>
@@ -15049,7 +14203,7 @@
                 <a:gridCol w="2833991">
                   <a:extLst>
                     <a:ext uri="{9D8B030D-6E8A-4147-A177-3AD203B41FA5}">
-                      <a16:colId xmlns:a16="http://schemas.microsoft.com/office/drawing/2014/main" val="3894525368"/>
+                      <a16:colId xmlns:a16="http://schemas.microsoft.com/office/drawing/2014/main" xmlns="" val="3894525368"/>
                     </a:ext>
                   </a:extLst>
                 </a:gridCol>
@@ -15088,7 +14242,7 @@
                 </a:tc>
                 <a:extLst>
                   <a:ext uri="{0D108BD9-81ED-4DB2-BD59-A6C34878D82A}">
-                    <a16:rowId xmlns:a16="http://schemas.microsoft.com/office/drawing/2014/main" val="1036213551"/>
+                    <a16:rowId xmlns:a16="http://schemas.microsoft.com/office/drawing/2014/main" xmlns="" val="1036213551"/>
                   </a:ext>
                 </a:extLst>
               </a:tr>
@@ -15145,7 +14299,7 @@
                 </a:tc>
                 <a:extLst>
                   <a:ext uri="{0D108BD9-81ED-4DB2-BD59-A6C34878D82A}">
-                    <a16:rowId xmlns:a16="http://schemas.microsoft.com/office/drawing/2014/main" val="1760400032"/>
+                    <a16:rowId xmlns:a16="http://schemas.microsoft.com/office/drawing/2014/main" xmlns="" val="1760400032"/>
                   </a:ext>
                 </a:extLst>
               </a:tr>
@@ -15212,7 +14366,7 @@
                 </a:tc>
                 <a:extLst>
                   <a:ext uri="{0D108BD9-81ED-4DB2-BD59-A6C34878D82A}">
-                    <a16:rowId xmlns:a16="http://schemas.microsoft.com/office/drawing/2014/main" val="1601284890"/>
+                    <a16:rowId xmlns:a16="http://schemas.microsoft.com/office/drawing/2014/main" xmlns="" val="1601284890"/>
                   </a:ext>
                 </a:extLst>
               </a:tr>
@@ -15289,7 +14443,7 @@
                 </a:tc>
                 <a:extLst>
                   <a:ext uri="{0D108BD9-81ED-4DB2-BD59-A6C34878D82A}">
-                    <a16:rowId xmlns:a16="http://schemas.microsoft.com/office/drawing/2014/main" val="3367285118"/>
+                    <a16:rowId xmlns:a16="http://schemas.microsoft.com/office/drawing/2014/main" xmlns="" val="3367285118"/>
                   </a:ext>
                 </a:extLst>
               </a:tr>
@@ -15366,7 +14520,7 @@
                 </a:tc>
                 <a:extLst>
                   <a:ext uri="{0D108BD9-81ED-4DB2-BD59-A6C34878D82A}">
-                    <a16:rowId xmlns:a16="http://schemas.microsoft.com/office/drawing/2014/main" val="960564781"/>
+                    <a16:rowId xmlns:a16="http://schemas.microsoft.com/office/drawing/2014/main" xmlns="" val="960564781"/>
                   </a:ext>
                 </a:extLst>
               </a:tr>
@@ -15379,7 +14533,7 @@
           <p:cNvPr id="7" name="Groupe 6">
             <a:extLst>
               <a:ext uri="{FF2B5EF4-FFF2-40B4-BE49-F238E27FC236}">
-                <a16:creationId xmlns:a16="http://schemas.microsoft.com/office/drawing/2014/main" id="{59FAD9DC-AF81-4061-941E-1A4599801696}"/>
+                <a16:creationId xmlns:a16="http://schemas.microsoft.com/office/drawing/2014/main" xmlns="" id="{59FAD9DC-AF81-4061-941E-1A4599801696}"/>
               </a:ext>
             </a:extLst>
           </p:cNvPr>
@@ -15399,7 +14553,7 @@
             <p:cNvPr id="8" name="Connecteur : en arc 7">
               <a:extLst>
                 <a:ext uri="{FF2B5EF4-FFF2-40B4-BE49-F238E27FC236}">
-                  <a16:creationId xmlns:a16="http://schemas.microsoft.com/office/drawing/2014/main" id="{71D0BD3D-573C-4781-BABE-BB6E4F1E6D2D}"/>
+                  <a16:creationId xmlns:a16="http://schemas.microsoft.com/office/drawing/2014/main" xmlns="" id="{71D0BD3D-573C-4781-BABE-BB6E4F1E6D2D}"/>
                 </a:ext>
               </a:extLst>
             </p:cNvPr>
@@ -15446,7 +14600,7 @@
             <p:cNvPr id="9" name="Rectangle 8">
               <a:extLst>
                 <a:ext uri="{FF2B5EF4-FFF2-40B4-BE49-F238E27FC236}">
-                  <a16:creationId xmlns:a16="http://schemas.microsoft.com/office/drawing/2014/main" id="{58BB8B70-CF6A-4694-866A-B95FA8E7E75A}"/>
+                  <a16:creationId xmlns:a16="http://schemas.microsoft.com/office/drawing/2014/main" xmlns="" id="{58BB8B70-CF6A-4694-866A-B95FA8E7E75A}"/>
                 </a:ext>
               </a:extLst>
             </p:cNvPr>
@@ -15487,7 +14641,7 @@
             <p:cNvPr id="10" name="Rectangle 9">
               <a:extLst>
                 <a:ext uri="{FF2B5EF4-FFF2-40B4-BE49-F238E27FC236}">
-                  <a16:creationId xmlns:a16="http://schemas.microsoft.com/office/drawing/2014/main" id="{F0E8BABA-A82C-4254-83F1-F6C9B8E40C55}"/>
+                  <a16:creationId xmlns:a16="http://schemas.microsoft.com/office/drawing/2014/main" xmlns="" id="{F0E8BABA-A82C-4254-83F1-F6C9B8E40C55}"/>
                 </a:ext>
               </a:extLst>
             </p:cNvPr>
